--- a/eece2160/f17/lectures/eece.2160f17_lec7_if.pptx
+++ b/eece2160/f17/lectures/eece.2160f17_lec7_if.pptx
@@ -5,28 +5,27 @@
     <p:sldMasterId id="2147483792" r:id="rId1"/>
   </p:sldMasterIdLst>
   <p:notesMasterIdLst>
-    <p:notesMasterId r:id="rId18"/>
+    <p:notesMasterId r:id="rId17"/>
   </p:notesMasterIdLst>
   <p:handoutMasterIdLst>
-    <p:handoutMasterId r:id="rId19"/>
+    <p:handoutMasterId r:id="rId18"/>
   </p:handoutMasterIdLst>
   <p:sldIdLst>
     <p:sldId id="256" r:id="rId2"/>
     <p:sldId id="422" r:id="rId3"/>
-    <p:sldId id="508" r:id="rId4"/>
-    <p:sldId id="496" r:id="rId5"/>
-    <p:sldId id="497" r:id="rId6"/>
-    <p:sldId id="498" r:id="rId7"/>
-    <p:sldId id="499" r:id="rId8"/>
-    <p:sldId id="500" r:id="rId9"/>
-    <p:sldId id="501" r:id="rId10"/>
-    <p:sldId id="502" r:id="rId11"/>
-    <p:sldId id="503" r:id="rId12"/>
-    <p:sldId id="504" r:id="rId13"/>
-    <p:sldId id="505" r:id="rId14"/>
-    <p:sldId id="506" r:id="rId15"/>
-    <p:sldId id="507" r:id="rId16"/>
-    <p:sldId id="447" r:id="rId17"/>
+    <p:sldId id="496" r:id="rId4"/>
+    <p:sldId id="497" r:id="rId5"/>
+    <p:sldId id="498" r:id="rId6"/>
+    <p:sldId id="499" r:id="rId7"/>
+    <p:sldId id="500" r:id="rId8"/>
+    <p:sldId id="501" r:id="rId9"/>
+    <p:sldId id="502" r:id="rId10"/>
+    <p:sldId id="503" r:id="rId11"/>
+    <p:sldId id="504" r:id="rId12"/>
+    <p:sldId id="505" r:id="rId13"/>
+    <p:sldId id="506" r:id="rId14"/>
+    <p:sldId id="507" r:id="rId15"/>
+    <p:sldId id="447" r:id="rId16"/>
   </p:sldIdLst>
   <p:sldSz cx="9144000" cy="6858000" type="screen4x3"/>
   <p:notesSz cx="9144000" cy="6858000"/>
@@ -1330,7 +1329,7 @@
             <a:fld id="{A1A32FC5-8BC0-8742-BDEA-63A00EC927E8}" type="datetime1">
               <a:rPr lang="en-US"/>
               <a:pPr/>
-              <a:t>9/18/17</a:t>
+              <a:t>9/21/17</a:t>
             </a:fld>
             <a:endParaRPr lang="en-US"/>
           </a:p>
@@ -1527,7 +1526,7 @@
             <a:fld id="{42A5BB1D-E852-5C4A-B732-E1528725C373}" type="datetime1">
               <a:rPr lang="en-US"/>
               <a:pPr/>
-              <a:t>9/18/17</a:t>
+              <a:t>9/21/17</a:t>
             </a:fld>
             <a:endParaRPr lang="en-US"/>
           </a:p>
@@ -1733,7 +1732,7 @@
             <a:fld id="{22A30C99-5D01-8E44-86A7-B2227B6D5EF7}" type="datetime1">
               <a:rPr lang="en-US"/>
               <a:pPr/>
-              <a:t>9/18/17</a:t>
+              <a:t>9/21/17</a:t>
             </a:fld>
             <a:endParaRPr lang="en-US"/>
           </a:p>
@@ -1996,7 +1995,7 @@
             <a:fld id="{23C4BD57-DE9F-5244-BA6A-C31B5CDABADE}" type="datetime1">
               <a:rPr lang="en-US"/>
               <a:pPr/>
-              <a:t>9/18/17</a:t>
+              <a:t>9/21/17</a:t>
             </a:fld>
             <a:endParaRPr lang="en-US"/>
           </a:p>
@@ -2259,7 +2258,7 @@
             <a:fld id="{044EAEFB-6AC1-BE42-B3D4-5B63F03B01C5}" type="datetime1">
               <a:rPr lang="en-US"/>
               <a:pPr/>
-              <a:t>9/18/17</a:t>
+              <a:t>9/21/17</a:t>
             </a:fld>
             <a:endParaRPr lang="en-US"/>
           </a:p>
@@ -2455,7 +2454,7 @@
             <a:fld id="{E9CB924A-FC1B-1D4E-9617-7CF4E2E99257}" type="datetime1">
               <a:rPr lang="en-US"/>
               <a:pPr/>
-              <a:t>9/18/17</a:t>
+              <a:t>9/21/17</a:t>
             </a:fld>
             <a:endParaRPr lang="en-US"/>
           </a:p>
@@ -2673,7 +2672,7 @@
             <a:fld id="{416E556A-2B43-B049-B478-25C23F66AD0E}" type="datetime1">
               <a:rPr lang="en-US"/>
               <a:pPr/>
-              <a:t>9/18/17</a:t>
+              <a:t>9/21/17</a:t>
             </a:fld>
             <a:endParaRPr lang="en-US"/>
           </a:p>
@@ -2987,7 +2986,7 @@
             <a:fld id="{99CCDD9F-B4C2-A54E-98A7-3EA1696C254D}" type="datetime1">
               <a:rPr lang="en-US"/>
               <a:pPr/>
-              <a:t>9/18/17</a:t>
+              <a:t>9/21/17</a:t>
             </a:fld>
             <a:endParaRPr lang="en-US"/>
           </a:p>
@@ -3440,7 +3439,7 @@
             <a:fld id="{BFAA56B9-8496-AB45-85FF-618120A6BC49}" type="datetime1">
               <a:rPr lang="en-US"/>
               <a:pPr/>
-              <a:t>9/18/17</a:t>
+              <a:t>9/21/17</a:t>
             </a:fld>
             <a:endParaRPr lang="en-US"/>
           </a:p>
@@ -3584,7 +3583,7 @@
             <a:fld id="{F258F5A0-29C9-B94C-8CBF-8C03D886077A}" type="datetime1">
               <a:rPr lang="en-US"/>
               <a:pPr/>
-              <a:t>9/18/17</a:t>
+              <a:t>9/21/17</a:t>
             </a:fld>
             <a:endParaRPr lang="en-US"/>
           </a:p>
@@ -3705,7 +3704,7 @@
             <a:fld id="{47A057FC-28F6-C64A-94D6-C0B547F29E40}" type="datetime1">
               <a:rPr lang="en-US"/>
               <a:pPr/>
-              <a:t>9/18/17</a:t>
+              <a:t>9/21/17</a:t>
             </a:fld>
             <a:endParaRPr lang="en-US"/>
           </a:p>
@@ -4008,7 +4007,7 @@
             <a:fld id="{515CE1ED-D8E8-224A-B53F-23A82927AD03}" type="datetime1">
               <a:rPr lang="en-US"/>
               <a:pPr/>
-              <a:t>9/18/17</a:t>
+              <a:t>9/21/17</a:t>
             </a:fld>
             <a:endParaRPr lang="en-US"/>
           </a:p>
@@ -4288,7 +4287,7 @@
             <a:fld id="{EAC20130-D75F-9348-8ACD-1ADA79F93381}" type="datetime1">
               <a:rPr lang="en-US"/>
               <a:pPr/>
-              <a:t>9/18/17</a:t>
+              <a:t>9/21/17</a:t>
             </a:fld>
             <a:endParaRPr lang="en-US"/>
           </a:p>
@@ -4587,7 +4586,7 @@
             <a:fld id="{51F0E3F5-FBE5-C342-A274-767C3B56B762}" type="datetime1">
               <a:rPr lang="en-US"/>
               <a:pPr/>
-              <a:t>9/18/17</a:t>
+              <a:t>9/21/17</a:t>
             </a:fld>
             <a:endParaRPr lang="en-US"/>
           </a:p>
@@ -5363,9 +5362,6 @@
               </a:rPr>
               <a:t>Instructor:  </a:t>
             </a:r>
-            <a:endParaRPr lang="en-US" dirty="0" smtClean="0">
-              <a:latin typeface="Arial" charset="0"/>
-            </a:endParaRPr>
           </a:p>
           <a:p>
             <a:pPr algn="ctr" eaLnBrk="1" hangingPunct="1">
@@ -5393,9 +5389,6 @@
               </a:rPr>
               <a:t>Geiger</a:t>
             </a:r>
-            <a:endParaRPr lang="en-US" dirty="0" smtClean="0">
-              <a:latin typeface="Arial" charset="0"/>
-            </a:endParaRPr>
           </a:p>
           <a:p>
             <a:pPr algn="ctr" eaLnBrk="1" hangingPunct="1">
@@ -5496,170 +5489,318 @@
       </p:grpSpPr>
       <p:sp>
         <p:nvSpPr>
-          <p:cNvPr id="11266" name="Title 1"/>
+          <p:cNvPr id="12290" name="Rectangle 2"/>
           <p:cNvSpPr>
-            <a:spLocks noGrp="1"/>
+            <a:spLocks noGrp="1" noChangeArrowheads="1"/>
           </p:cNvSpPr>
           <p:nvPr>
             <p:ph type="title"/>
           </p:nvPr>
         </p:nvSpPr>
-        <p:spPr/>
+        <p:spPr>
+          <a:xfrm>
+            <a:off x="685800" y="228600"/>
+            <a:ext cx="7772400" cy="1143000"/>
+          </a:xfrm>
+        </p:spPr>
         <p:txBody>
           <a:bodyPr/>
           <a:lstStyle/>
           <a:p>
             <a:r>
               <a:rPr lang="en-US">
+                <a:latin typeface="Garamond" charset="0"/>
+              </a:rPr>
+              <a:t>if  </a:t>
+            </a:r>
+          </a:p>
+        </p:txBody>
+      </p:sp>
+      <p:sp>
+        <p:nvSpPr>
+          <p:cNvPr id="12291" name="Text Box 3"/>
+          <p:cNvSpPr txBox="1">
+            <a:spLocks noChangeArrowheads="1"/>
+          </p:cNvSpPr>
+          <p:nvPr/>
+        </p:nvSpPr>
+        <p:spPr bwMode="auto">
+          <a:xfrm>
+            <a:off x="381000" y="1371600"/>
+            <a:ext cx="8458200" cy="4489450"/>
+          </a:xfrm>
+          <a:prstGeom prst="rect">
+            <a:avLst/>
+          </a:prstGeom>
+          <a:noFill/>
+          <a:ln>
+            <a:noFill/>
+          </a:ln>
+          <a:extLst>
+            <a:ext uri="{909E8E84-426E-40dd-AFC4-6F175D3DCCD1}">
+              <a14:hiddenFill xmlns:a14="http://schemas.microsoft.com/office/drawing/2010/main">
+                <a:solidFill>
+                  <a:srgbClr val="FFFFFF"/>
+                </a:solidFill>
+              </a14:hiddenFill>
+            </a:ext>
+            <a:ext uri="{91240B29-F687-4f45-9708-019B960494DF}">
+              <a14:hiddenLine xmlns:a14="http://schemas.microsoft.com/office/drawing/2010/main" w="9525">
+                <a:solidFill>
+                  <a:srgbClr val="000000"/>
+                </a:solidFill>
+                <a:miter lim="800000"/>
+                <a:headEnd/>
+                <a:tailEnd/>
+              </a14:hiddenLine>
+            </a:ext>
+          </a:extLst>
+        </p:spPr>
+        <p:txBody>
+          <a:bodyPr>
+            <a:spAutoFit/>
+          </a:bodyPr>
+          <a:lstStyle>
+            <a:lvl1pPr>
+              <a:defRPr sz="3000">
+                <a:solidFill>
+                  <a:schemeClr val="tx1"/>
+                </a:solidFill>
+                <a:latin typeface="Arial" charset="0"/>
+                <a:ea typeface="ＭＳ Ｐゴシック" charset="0"/>
+              </a:defRPr>
+            </a:lvl1pPr>
+            <a:lvl2pPr marL="742950" indent="-285750">
+              <a:defRPr sz="2600">
+                <a:solidFill>
+                  <a:schemeClr val="tx1"/>
+                </a:solidFill>
+                <a:latin typeface="Arial" charset="0"/>
+                <a:ea typeface="ＭＳ Ｐゴシック" charset="0"/>
+              </a:defRPr>
+            </a:lvl2pPr>
+            <a:lvl3pPr marL="1143000" indent="-228600">
+              <a:defRPr sz="2200">
+                <a:solidFill>
+                  <a:schemeClr val="tx1"/>
+                </a:solidFill>
+                <a:latin typeface="Arial" charset="0"/>
+                <a:ea typeface="ＭＳ Ｐゴシック" charset="0"/>
+              </a:defRPr>
+            </a:lvl3pPr>
+            <a:lvl4pPr marL="1600200" indent="-228600">
+              <a:defRPr sz="2000">
+                <a:solidFill>
+                  <a:schemeClr val="tx1"/>
+                </a:solidFill>
+                <a:latin typeface="Arial" charset="0"/>
+                <a:ea typeface="ＭＳ Ｐゴシック" charset="0"/>
+              </a:defRPr>
+            </a:lvl4pPr>
+            <a:lvl5pPr marL="2057400" indent="-228600">
+              <a:defRPr sz="2000">
+                <a:solidFill>
+                  <a:schemeClr val="tx1"/>
+                </a:solidFill>
+                <a:latin typeface="Arial" charset="0"/>
+                <a:ea typeface="ＭＳ Ｐゴシック" charset="0"/>
+              </a:defRPr>
+            </a:lvl5pPr>
+            <a:lvl6pPr marL="2514600" indent="-228600" eaLnBrk="0" hangingPunct="0">
+              <a:buFont typeface="Wingdings" charset="0"/>
+              <a:defRPr sz="2000">
+                <a:solidFill>
+                  <a:schemeClr val="tx1"/>
+                </a:solidFill>
+                <a:latin typeface="Arial" charset="0"/>
+                <a:ea typeface="ＭＳ Ｐゴシック" charset="0"/>
+              </a:defRPr>
+            </a:lvl6pPr>
+            <a:lvl7pPr marL="2971800" indent="-228600" eaLnBrk="0" hangingPunct="0">
+              <a:buFont typeface="Wingdings" charset="0"/>
+              <a:defRPr sz="2000">
+                <a:solidFill>
+                  <a:schemeClr val="tx1"/>
+                </a:solidFill>
+                <a:latin typeface="Arial" charset="0"/>
+                <a:ea typeface="ＭＳ Ｐゴシック" charset="0"/>
+              </a:defRPr>
+            </a:lvl7pPr>
+            <a:lvl8pPr marL="3429000" indent="-228600" eaLnBrk="0" hangingPunct="0">
+              <a:buFont typeface="Wingdings" charset="0"/>
+              <a:defRPr sz="2000">
+                <a:solidFill>
+                  <a:schemeClr val="tx1"/>
+                </a:solidFill>
+                <a:latin typeface="Arial" charset="0"/>
+                <a:ea typeface="ＭＳ Ｐゴシック" charset="0"/>
+              </a:defRPr>
+            </a:lvl8pPr>
+            <a:lvl9pPr marL="3886200" indent="-228600" eaLnBrk="0" hangingPunct="0">
+              <a:buFont typeface="Wingdings" charset="0"/>
+              <a:defRPr sz="2000">
+                <a:solidFill>
+                  <a:schemeClr val="tx1"/>
+                </a:solidFill>
+                <a:latin typeface="Arial" charset="0"/>
+                <a:ea typeface="ＭＳ Ｐゴシック" charset="0"/>
+              </a:defRPr>
+            </a:lvl9pPr>
+          </a:lstStyle>
+          <a:p>
+            <a:pPr>
+              <a:spcBef>
+                <a:spcPct val="50000"/>
+              </a:spcBef>
+            </a:pPr>
+            <a:r>
+              <a:rPr lang="en-US" sz="1800">
                 <a:latin typeface="Courier New" charset="0"/>
-                <a:cs typeface="Courier New" charset="0"/>
-              </a:rPr>
-              <a:t>if</a:t>
-            </a:r>
-            <a:r>
-              <a:rPr lang="en-US">
-                <a:latin typeface="Garamond" charset="0"/>
-              </a:rPr>
-              <a:t> statements (cont.)</a:t>
-            </a:r>
-          </a:p>
-        </p:txBody>
-      </p:sp>
-      <p:sp>
-        <p:nvSpPr>
-          <p:cNvPr id="11267" name="Content Placeholder 2"/>
-          <p:cNvSpPr>
-            <a:spLocks noGrp="1"/>
-          </p:cNvSpPr>
-          <p:nvPr>
-            <p:ph idx="1"/>
-          </p:nvPr>
-        </p:nvSpPr>
-        <p:spPr/>
-        <p:txBody>
-          <a:bodyPr/>
-          <a:lstStyle/>
-          <a:p>
-            <a:r>
-              <a:rPr lang="en-US">
+              </a:rPr>
+              <a:t>if (a &gt; b)</a:t>
+            </a:r>
+            <a:br>
+              <a:rPr lang="en-US" sz="1800">
                 <a:latin typeface="Courier New" charset="0"/>
-                <a:cs typeface="Courier New" charset="0"/>
-              </a:rPr>
-              <a:t>&lt;statement&gt; </a:t>
-            </a:r>
-            <a:r>
-              <a:rPr lang="en-US">
-                <a:latin typeface="Arial" charset="0"/>
-              </a:rPr>
-              <a:t>can be one or more lines</a:t>
-            </a:r>
-          </a:p>
-          <a:p>
-            <a:pPr lvl="1"/>
-            <a:r>
-              <a:rPr lang="en-US">
-                <a:latin typeface="Arial" charset="0"/>
-              </a:rPr>
-              <a:t>If just one line, no additional formatting needed</a:t>
-            </a:r>
-          </a:p>
-          <a:p>
-            <a:pPr lvl="2"/>
-            <a:r>
-              <a:rPr lang="en-US">
+              </a:rPr>
+            </a:br>
+            <a:r>
+              <a:rPr lang="en-US" sz="1800">
                 <a:latin typeface="Courier New" charset="0"/>
-                <a:cs typeface="Courier New" charset="0"/>
-              </a:rPr>
-              <a:t>if (x &lt; 3)</a:t>
-            </a:r>
-          </a:p>
-          <a:p>
-            <a:pPr lvl="2">
-              <a:buFont typeface="Wingdings" charset="0"/>
-              <a:buNone/>
+              </a:rPr>
+              <a:t>    big = a;</a:t>
+            </a:r>
+            <a:br>
+              <a:rPr lang="en-US" sz="1800">
+                <a:latin typeface="Courier New" charset="0"/>
+              </a:rPr>
+            </a:br>
+            <a:r>
+              <a:rPr lang="en-US" sz="1800">
+                <a:latin typeface="Courier New" charset="0"/>
+              </a:rPr>
+              <a:t>else</a:t>
+            </a:r>
+            <a:br>
+              <a:rPr lang="en-US" sz="1800">
+                <a:latin typeface="Courier New" charset="0"/>
+              </a:rPr>
+            </a:br>
+            <a:r>
+              <a:rPr lang="en-US" sz="1800">
+                <a:latin typeface="Courier New" charset="0"/>
+              </a:rPr>
+              <a:t>    big = b;</a:t>
+            </a:r>
+          </a:p>
+          <a:p>
+            <a:pPr>
+              <a:spcBef>
+                <a:spcPct val="50000"/>
+              </a:spcBef>
             </a:pPr>
-            <a:r>
-              <a:rPr lang="en-US">
+            <a:endParaRPr lang="en-US" sz="1800">
+              <a:latin typeface="Courier New" charset="0"/>
+            </a:endParaRPr>
+          </a:p>
+          <a:p>
+            <a:pPr>
+              <a:spcBef>
+                <a:spcPct val="50000"/>
+              </a:spcBef>
+            </a:pPr>
+            <a:endParaRPr lang="en-US" sz="1800">
+              <a:latin typeface="Courier New" charset="0"/>
+            </a:endParaRPr>
+          </a:p>
+          <a:p>
+            <a:pPr>
+              <a:spcBef>
+                <a:spcPct val="50000"/>
+              </a:spcBef>
+            </a:pPr>
+            <a:r>
+              <a:rPr lang="en-US" sz="1800">
                 <a:latin typeface="Courier New" charset="0"/>
-                <a:cs typeface="Courier New" charset="0"/>
-              </a:rPr>
-              <a:t>		printf(“x = %d\n”, x);</a:t>
-            </a:r>
-          </a:p>
-          <a:p>
-            <a:pPr lvl="1"/>
-            <a:r>
-              <a:rPr lang="en-US">
-                <a:latin typeface="Arial" charset="0"/>
-                <a:cs typeface="Courier New" charset="0"/>
-              </a:rPr>
-              <a:t>If multiple lines, statement is block enclosed by { }</a:t>
-            </a:r>
-          </a:p>
-          <a:p>
-            <a:pPr lvl="2"/>
-            <a:r>
-              <a:rPr lang="en-US">
+              </a:rPr>
+              <a:t>if (a+6*3-43)</a:t>
+            </a:r>
+            <a:br>
+              <a:rPr lang="en-US" sz="1800">
                 <a:latin typeface="Courier New" charset="0"/>
-                <a:cs typeface="Courier New" charset="0"/>
-              </a:rPr>
-              <a:t>if (x &lt; 3)	 {</a:t>
-            </a:r>
-          </a:p>
-          <a:p>
-            <a:pPr lvl="2">
-              <a:buFont typeface="Wingdings" charset="0"/>
-              <a:buNone/>
+              </a:rPr>
+            </a:br>
+            <a:r>
+              <a:rPr lang="en-US" sz="1800">
+                <a:latin typeface="Courier New" charset="0"/>
+              </a:rPr>
+              <a:t>    printf("wow is this not cool");</a:t>
+            </a:r>
+            <a:br>
+              <a:rPr lang="en-US" sz="1800">
+                <a:latin typeface="Courier New" charset="0"/>
+              </a:rPr>
+            </a:br>
+            <a:r>
+              <a:rPr lang="en-US" sz="1800">
+                <a:latin typeface="Courier New" charset="0"/>
+              </a:rPr>
+              <a:t>else</a:t>
+            </a:r>
+            <a:br>
+              <a:rPr lang="en-US" sz="1800">
+                <a:latin typeface="Courier New" charset="0"/>
+              </a:rPr>
+            </a:br>
+            <a:r>
+              <a:rPr lang="en-US" sz="1800">
+                <a:latin typeface="Courier New" charset="0"/>
+              </a:rPr>
+              <a:t>    printf("this is not cool");</a:t>
+            </a:r>
+            <a:br>
+              <a:rPr lang="en-US" sz="1800">
+                <a:latin typeface="Courier New" charset="0"/>
+              </a:rPr>
+            </a:br>
+            <a:r>
+              <a:rPr lang="en-US" sz="1800">
+                <a:latin typeface="Courier New" charset="0"/>
+              </a:rPr>
+              <a:t/>
+            </a:r>
+            <a:br>
+              <a:rPr lang="en-US" sz="1800">
+                <a:latin typeface="Courier New" charset="0"/>
+              </a:rPr>
+            </a:br>
+            <a:r>
+              <a:rPr lang="en-US" sz="1800">
+                <a:latin typeface="Courier New" charset="0"/>
+              </a:rPr>
+              <a:t/>
+            </a:r>
+            <a:br>
+              <a:rPr lang="en-US" sz="1800">
+                <a:latin typeface="Courier New" charset="0"/>
+              </a:rPr>
+            </a:br>
+            <a:r>
+              <a:rPr lang="en-US" sz="1800">
+                <a:latin typeface="Courier New" charset="0"/>
+              </a:rPr>
+              <a:t> </a:t>
+            </a:r>
+          </a:p>
+          <a:p>
+            <a:pPr>
+              <a:spcBef>
+                <a:spcPct val="50000"/>
+              </a:spcBef>
             </a:pPr>
-            <a:r>
-              <a:rPr lang="en-US">
-                <a:latin typeface="Courier New" charset="0"/>
-                <a:cs typeface="Courier New" charset="0"/>
-              </a:rPr>
-              <a:t>		printf(“x = %d\n”, x);</a:t>
-            </a:r>
-          </a:p>
-          <a:p>
-            <a:pPr lvl="2">
-              <a:buFont typeface="Wingdings" charset="0"/>
-              <a:buNone/>
-            </a:pPr>
-            <a:r>
-              <a:rPr lang="en-US">
-                <a:latin typeface="Courier New" charset="0"/>
-                <a:cs typeface="Courier New" charset="0"/>
-              </a:rPr>
-              <a:t>		x = x + 3;</a:t>
-            </a:r>
-          </a:p>
-          <a:p>
-            <a:pPr lvl="2">
-              <a:buFont typeface="Wingdings" charset="0"/>
-              <a:buNone/>
-            </a:pPr>
-            <a:r>
-              <a:rPr lang="en-US">
-                <a:latin typeface="Courier New" charset="0"/>
-                <a:cs typeface="Courier New" charset="0"/>
-              </a:rPr>
-              <a:t>	}</a:t>
-            </a:r>
-          </a:p>
-          <a:p>
-            <a:r>
-              <a:rPr lang="en-US">
-                <a:latin typeface="Courier New" charset="0"/>
-                <a:cs typeface="Courier New" charset="0"/>
-              </a:rPr>
-              <a:t>else</a:t>
-            </a:r>
-            <a:r>
-              <a:rPr lang="en-US">
-                <a:latin typeface="Arial" charset="0"/>
-                <a:cs typeface="Courier New" charset="0"/>
-              </a:rPr>
-              <a:t> part is optional—covers cases if condition is not true</a:t>
-            </a:r>
+            <a:endParaRPr lang="en-US" sz="1800">
+              <a:latin typeface="Courier New" charset="0"/>
+            </a:endParaRPr>
           </a:p>
         </p:txBody>
       </p:sp>
@@ -5794,12 +5935,12 @@
           </a:lstStyle>
           <a:p>
             <a:pPr eaLnBrk="1" hangingPunct="1"/>
-            <a:fld id="{F68AE51A-21E9-D043-8212-57DB323066BF}" type="datetime1">
+            <a:fld id="{48DC4869-5364-2B4F-9F6F-CD8FCD2819AC}" type="datetime1">
               <a:rPr lang="en-US">
                 <a:latin typeface="Garamond" charset="0"/>
               </a:rPr>
               <a:pPr eaLnBrk="1" hangingPunct="1"/>
-              <a:t>9/18/17</a:t>
+              <a:t>9/21/17</a:t>
             </a:fld>
             <a:endParaRPr lang="en-US">
               <a:latin typeface="Garamond" charset="0"/>
@@ -5809,32 +5950,7 @@
       </p:sp>
       <p:sp>
         <p:nvSpPr>
-          <p:cNvPr id="5" name="Footer Placeholder 4"/>
-          <p:cNvSpPr>
-            <a:spLocks noGrp="1"/>
-          </p:cNvSpPr>
-          <p:nvPr>
-            <p:ph type="ftr" sz="quarter" idx="11"/>
-          </p:nvPr>
-        </p:nvSpPr>
-        <p:spPr/>
-        <p:txBody>
-          <a:bodyPr/>
-          <a:lstStyle/>
-          <a:p>
-            <a:pPr>
-              <a:defRPr/>
-            </a:pPr>
-            <a:r>
-              <a:rPr lang="en-US" altLang="en-US"/>
-              <a:t>ECE Application Programming: Lecture 7</a:t>
-            </a:r>
-          </a:p>
-        </p:txBody>
-      </p:sp>
-      <p:sp>
-        <p:nvSpPr>
-          <p:cNvPr id="6" name="Slide Number Placeholder 5"/>
+          <p:cNvPr id="5" name="Slide Number Placeholder 4"/>
           <p:cNvSpPr>
             <a:spLocks noGrp="1"/>
           </p:cNvSpPr>
@@ -5963,7 +6079,7 @@
           </a:lstStyle>
           <a:p>
             <a:pPr eaLnBrk="1" hangingPunct="1"/>
-            <a:fld id="{9E87E618-74C8-924D-946D-51F1B146BE6D}" type="slidenum">
+            <a:fld id="{61914567-F7BB-3C4E-B9A2-863BFFB3E022}" type="slidenum">
               <a:rPr lang="en-US">
                 <a:latin typeface="Garamond" charset="0"/>
               </a:rPr>
@@ -5973,6 +6089,31 @@
             <a:endParaRPr lang="en-US">
               <a:latin typeface="Garamond" charset="0"/>
             </a:endParaRPr>
+          </a:p>
+        </p:txBody>
+      </p:sp>
+      <p:sp>
+        <p:nvSpPr>
+          <p:cNvPr id="6" name="Footer Placeholder 5"/>
+          <p:cNvSpPr>
+            <a:spLocks noGrp="1"/>
+          </p:cNvSpPr>
+          <p:nvPr>
+            <p:ph type="ftr" sz="quarter" idx="11"/>
+          </p:nvPr>
+        </p:nvSpPr>
+        <p:spPr/>
+        <p:txBody>
+          <a:bodyPr/>
+          <a:lstStyle/>
+          <a:p>
+            <a:pPr>
+              <a:defRPr/>
+            </a:pPr>
+            <a:r>
+              <a:rPr lang="en-US" altLang="en-US"/>
+              <a:t>ECE Application Programming: Lecture 7</a:t>
+            </a:r>
           </a:p>
         </p:txBody>
       </p:sp>
@@ -6010,7 +6151,7 @@
       </p:grpSpPr>
       <p:sp>
         <p:nvSpPr>
-          <p:cNvPr id="12290" name="Rectangle 2"/>
+          <p:cNvPr id="13314" name="Rectangle 2"/>
           <p:cNvSpPr>
             <a:spLocks noGrp="1" noChangeArrowheads="1"/>
           </p:cNvSpPr>
@@ -6032,14 +6173,14 @@
               <a:rPr lang="en-US">
                 <a:latin typeface="Garamond" charset="0"/>
               </a:rPr>
-              <a:t>if  </a:t>
-            </a:r>
-          </a:p>
-        </p:txBody>
-      </p:sp>
-      <p:sp>
-        <p:nvSpPr>
-          <p:cNvPr id="12291" name="Text Box 3"/>
+              <a:t>if  (common pitfalls) </a:t>
+            </a:r>
+          </a:p>
+        </p:txBody>
+      </p:sp>
+      <p:sp>
+        <p:nvSpPr>
+          <p:cNvPr id="13315" name="Text Box 3"/>
           <p:cNvSpPr txBox="1">
             <a:spLocks noChangeArrowheads="1"/>
           </p:cNvSpPr>
@@ -6048,7 +6189,7 @@
         <p:spPr bwMode="auto">
           <a:xfrm>
             <a:off x="381000" y="1371600"/>
-            <a:ext cx="8458200" cy="4489450"/>
+            <a:ext cx="8458200" cy="5021263"/>
           </a:xfrm>
           <a:prstGeom prst="rect">
             <a:avLst/>
@@ -6178,7 +6319,20 @@
               <a:rPr lang="en-US" sz="1800">
                 <a:latin typeface="Courier New" charset="0"/>
               </a:rPr>
-              <a:t>if (a &gt; b)</a:t>
+              <a:t>x=12345;</a:t>
+            </a:r>
+          </a:p>
+          <a:p>
+            <a:pPr>
+              <a:spcBef>
+                <a:spcPct val="50000"/>
+              </a:spcBef>
+            </a:pPr>
+            <a:r>
+              <a:rPr lang="en-US" sz="1800">
+                <a:latin typeface="Courier New" charset="0"/>
+              </a:rPr>
+              <a:t>if (x=3)</a:t>
             </a:r>
             <a:br>
               <a:rPr lang="en-US" sz="1800">
@@ -6189,7 +6343,7 @@
               <a:rPr lang="en-US" sz="1800">
                 <a:latin typeface="Courier New" charset="0"/>
               </a:rPr>
-              <a:t>    big = a;</a:t>
+              <a:t>{</a:t>
             </a:r>
             <a:br>
               <a:rPr lang="en-US" sz="1800">
@@ -6200,7 +6354,7 @@
               <a:rPr lang="en-US" sz="1800">
                 <a:latin typeface="Courier New" charset="0"/>
               </a:rPr>
-              <a:t>else</a:t>
+              <a:t>	printf("x is 3\n");</a:t>
             </a:r>
             <a:br>
               <a:rPr lang="en-US" sz="1800">
@@ -6211,7 +6365,51 @@
               <a:rPr lang="en-US" sz="1800">
                 <a:latin typeface="Courier New" charset="0"/>
               </a:rPr>
-              <a:t>    big = b;</a:t>
+              <a:t>}</a:t>
+            </a:r>
+            <a:br>
+              <a:rPr lang="en-US" sz="1800">
+                <a:latin typeface="Courier New" charset="0"/>
+              </a:rPr>
+            </a:br>
+            <a:r>
+              <a:rPr lang="en-US" sz="1800">
+                <a:latin typeface="Courier New" charset="0"/>
+              </a:rPr>
+              <a:t>else</a:t>
+            </a:r>
+            <a:br>
+              <a:rPr lang="en-US" sz="1800">
+                <a:latin typeface="Courier New" charset="0"/>
+              </a:rPr>
+            </a:br>
+            <a:r>
+              <a:rPr lang="en-US" sz="1800">
+                <a:latin typeface="Courier New" charset="0"/>
+              </a:rPr>
+              <a:t>{</a:t>
+            </a:r>
+            <a:br>
+              <a:rPr lang="en-US" sz="1800">
+                <a:latin typeface="Courier New" charset="0"/>
+              </a:rPr>
+            </a:br>
+            <a:r>
+              <a:rPr lang="en-US" sz="1800">
+                <a:latin typeface="Courier New" charset="0"/>
+              </a:rPr>
+              <a:t>	printf("x is not 3\n");</a:t>
+            </a:r>
+            <a:br>
+              <a:rPr lang="en-US" sz="1800">
+                <a:latin typeface="Courier New" charset="0"/>
+              </a:rPr>
+            </a:br>
+            <a:r>
+              <a:rPr lang="en-US" sz="1800">
+                <a:latin typeface="Courier New" charset="0"/>
+              </a:rPr>
+              <a:t>}</a:t>
             </a:r>
           </a:p>
           <a:p>
@@ -6230,10 +6428,153 @@
                 <a:spcPct val="50000"/>
               </a:spcBef>
             </a:pPr>
-            <a:endParaRPr lang="en-US" sz="1800">
-              <a:latin typeface="Courier New" charset="0"/>
-            </a:endParaRPr>
-          </a:p>
+            <a:r>
+              <a:rPr lang="en-US" sz="1800"/>
+              <a:t>This code will ALWAYS print:</a:t>
+            </a:r>
+            <a:br>
+              <a:rPr lang="en-US" sz="1800"/>
+            </a:br>
+            <a:r>
+              <a:rPr lang="en-US" sz="1800">
+                <a:latin typeface="Courier New" charset="0"/>
+              </a:rPr>
+              <a:t>x is 3</a:t>
+            </a:r>
+          </a:p>
+        </p:txBody>
+      </p:sp>
+      <p:sp>
+        <p:nvSpPr>
+          <p:cNvPr id="13316" name="Text Box 4"/>
+          <p:cNvSpPr txBox="1">
+            <a:spLocks noChangeArrowheads="1"/>
+          </p:cNvSpPr>
+          <p:nvPr/>
+        </p:nvSpPr>
+        <p:spPr bwMode="auto">
+          <a:xfrm>
+            <a:off x="3810000" y="1219200"/>
+            <a:ext cx="4267200" cy="1370013"/>
+          </a:xfrm>
+          <a:prstGeom prst="rect">
+            <a:avLst/>
+          </a:prstGeom>
+          <a:noFill/>
+          <a:ln>
+            <a:noFill/>
+          </a:ln>
+          <a:extLst>
+            <a:ext uri="{909E8E84-426E-40dd-AFC4-6F175D3DCCD1}">
+              <a14:hiddenFill xmlns:a14="http://schemas.microsoft.com/office/drawing/2010/main">
+                <a:solidFill>
+                  <a:srgbClr val="FFFFFF"/>
+                </a:solidFill>
+              </a14:hiddenFill>
+            </a:ext>
+            <a:ext uri="{91240B29-F687-4f45-9708-019B960494DF}">
+              <a14:hiddenLine xmlns:a14="http://schemas.microsoft.com/office/drawing/2010/main" w="9525">
+                <a:solidFill>
+                  <a:srgbClr val="000000"/>
+                </a:solidFill>
+                <a:miter lim="800000"/>
+                <a:headEnd/>
+                <a:tailEnd/>
+              </a14:hiddenLine>
+            </a:ext>
+          </a:extLst>
+        </p:spPr>
+        <p:txBody>
+          <a:bodyPr>
+            <a:spAutoFit/>
+          </a:bodyPr>
+          <a:lstStyle>
+            <a:lvl1pPr>
+              <a:defRPr sz="3000">
+                <a:solidFill>
+                  <a:schemeClr val="tx1"/>
+                </a:solidFill>
+                <a:latin typeface="Arial" charset="0"/>
+                <a:ea typeface="ＭＳ Ｐゴシック" charset="0"/>
+              </a:defRPr>
+            </a:lvl1pPr>
+            <a:lvl2pPr marL="742950" indent="-285750">
+              <a:defRPr sz="2600">
+                <a:solidFill>
+                  <a:schemeClr val="tx1"/>
+                </a:solidFill>
+                <a:latin typeface="Arial" charset="0"/>
+                <a:ea typeface="ＭＳ Ｐゴシック" charset="0"/>
+              </a:defRPr>
+            </a:lvl2pPr>
+            <a:lvl3pPr marL="1143000" indent="-228600">
+              <a:defRPr sz="2200">
+                <a:solidFill>
+                  <a:schemeClr val="tx1"/>
+                </a:solidFill>
+                <a:latin typeface="Arial" charset="0"/>
+                <a:ea typeface="ＭＳ Ｐゴシック" charset="0"/>
+              </a:defRPr>
+            </a:lvl3pPr>
+            <a:lvl4pPr marL="1600200" indent="-228600">
+              <a:defRPr sz="2000">
+                <a:solidFill>
+                  <a:schemeClr val="tx1"/>
+                </a:solidFill>
+                <a:latin typeface="Arial" charset="0"/>
+                <a:ea typeface="ＭＳ Ｐゴシック" charset="0"/>
+              </a:defRPr>
+            </a:lvl4pPr>
+            <a:lvl5pPr marL="2057400" indent="-228600">
+              <a:defRPr sz="2000">
+                <a:solidFill>
+                  <a:schemeClr val="tx1"/>
+                </a:solidFill>
+                <a:latin typeface="Arial" charset="0"/>
+                <a:ea typeface="ＭＳ Ｐゴシック" charset="0"/>
+              </a:defRPr>
+            </a:lvl5pPr>
+            <a:lvl6pPr marL="2514600" indent="-228600" eaLnBrk="0" hangingPunct="0">
+              <a:buFont typeface="Wingdings" charset="0"/>
+              <a:defRPr sz="2000">
+                <a:solidFill>
+                  <a:schemeClr val="tx1"/>
+                </a:solidFill>
+                <a:latin typeface="Arial" charset="0"/>
+                <a:ea typeface="ＭＳ Ｐゴシック" charset="0"/>
+              </a:defRPr>
+            </a:lvl6pPr>
+            <a:lvl7pPr marL="2971800" indent="-228600" eaLnBrk="0" hangingPunct="0">
+              <a:buFont typeface="Wingdings" charset="0"/>
+              <a:defRPr sz="2000">
+                <a:solidFill>
+                  <a:schemeClr val="tx1"/>
+                </a:solidFill>
+                <a:latin typeface="Arial" charset="0"/>
+                <a:ea typeface="ＭＳ Ｐゴシック" charset="0"/>
+              </a:defRPr>
+            </a:lvl7pPr>
+            <a:lvl8pPr marL="3429000" indent="-228600" eaLnBrk="0" hangingPunct="0">
+              <a:buFont typeface="Wingdings" charset="0"/>
+              <a:defRPr sz="2000">
+                <a:solidFill>
+                  <a:schemeClr val="tx1"/>
+                </a:solidFill>
+                <a:latin typeface="Arial" charset="0"/>
+                <a:ea typeface="ＭＳ Ｐゴシック" charset="0"/>
+              </a:defRPr>
+            </a:lvl8pPr>
+            <a:lvl9pPr marL="3886200" indent="-228600" eaLnBrk="0" hangingPunct="0">
+              <a:buFont typeface="Wingdings" charset="0"/>
+              <a:defRPr sz="2000">
+                <a:solidFill>
+                  <a:schemeClr val="tx1"/>
+                </a:solidFill>
+                <a:latin typeface="Arial" charset="0"/>
+                <a:ea typeface="ＭＳ Ｐゴシック" charset="0"/>
+              </a:defRPr>
+            </a:lvl9pPr>
+          </a:lstStyle>
           <a:p>
             <a:pPr>
               <a:spcBef>
@@ -6241,76 +6582,8 @@
               </a:spcBef>
             </a:pPr>
             <a:r>
-              <a:rPr lang="en-US" sz="1800">
-                <a:latin typeface="Courier New" charset="0"/>
-              </a:rPr>
-              <a:t>if (a+6*3-43)</a:t>
-            </a:r>
-            <a:br>
-              <a:rPr lang="en-US" sz="1800">
-                <a:latin typeface="Courier New" charset="0"/>
-              </a:rPr>
-            </a:br>
-            <a:r>
-              <a:rPr lang="en-US" sz="1800">
-                <a:latin typeface="Courier New" charset="0"/>
-              </a:rPr>
-              <a:t>    printf("wow is this not cool");</a:t>
-            </a:r>
-            <a:br>
-              <a:rPr lang="en-US" sz="1800">
-                <a:latin typeface="Courier New" charset="0"/>
-              </a:rPr>
-            </a:br>
-            <a:r>
-              <a:rPr lang="en-US" sz="1800">
-                <a:latin typeface="Courier New" charset="0"/>
-              </a:rPr>
-              <a:t>else</a:t>
-            </a:r>
-            <a:br>
-              <a:rPr lang="en-US" sz="1800">
-                <a:latin typeface="Courier New" charset="0"/>
-              </a:rPr>
-            </a:br>
-            <a:r>
-              <a:rPr lang="en-US" sz="1800">
-                <a:latin typeface="Courier New" charset="0"/>
-              </a:rPr>
-              <a:t>    printf("this is not cool");</a:t>
-            </a:r>
-            <a:br>
-              <a:rPr lang="en-US" sz="1800">
-                <a:latin typeface="Courier New" charset="0"/>
-              </a:rPr>
-            </a:br>
-            <a:r>
-              <a:rPr lang="en-US" sz="1800">
-                <a:latin typeface="Courier New" charset="0"/>
-              </a:rPr>
-              <a:t/>
-            </a:r>
-            <a:br>
-              <a:rPr lang="en-US" sz="1800">
-                <a:latin typeface="Courier New" charset="0"/>
-              </a:rPr>
-            </a:br>
-            <a:r>
-              <a:rPr lang="en-US" sz="1800">
-                <a:latin typeface="Courier New" charset="0"/>
-              </a:rPr>
-              <a:t/>
-            </a:r>
-            <a:br>
-              <a:rPr lang="en-US" sz="1800">
-                <a:latin typeface="Courier New" charset="0"/>
-              </a:rPr>
-            </a:br>
-            <a:r>
-              <a:rPr lang="en-US" sz="1800">
-                <a:latin typeface="Courier New" charset="0"/>
-              </a:rPr>
-              <a:t> </a:t>
+              <a:rPr lang="en-US" sz="1800"/>
+              <a:t>a single equals means ASSIGN.</a:t>
             </a:r>
           </a:p>
           <a:p>
@@ -6319,15 +6592,57 @@
                 <a:spcPct val="50000"/>
               </a:spcBef>
             </a:pPr>
-            <a:endParaRPr lang="en-US" sz="1800">
-              <a:latin typeface="Courier New" charset="0"/>
-            </a:endParaRPr>
-          </a:p>
-        </p:txBody>
-      </p:sp>
-      <p:sp>
-        <p:nvSpPr>
-          <p:cNvPr id="4" name="Date Placeholder 3"/>
+            <a:r>
+              <a:rPr lang="en-US" sz="1800"/>
+              <a:t>a double equal must be used to check for equality.</a:t>
+            </a:r>
+          </a:p>
+        </p:txBody>
+      </p:sp>
+      <p:sp>
+        <p:nvSpPr>
+          <p:cNvPr id="13317" name="Line 5"/>
+          <p:cNvSpPr>
+            <a:spLocks noChangeShapeType="1"/>
+          </p:cNvSpPr>
+          <p:nvPr/>
+        </p:nvSpPr>
+        <p:spPr bwMode="auto">
+          <a:xfrm flipH="1">
+            <a:off x="1524000" y="1447800"/>
+            <a:ext cx="2209800" cy="533400"/>
+          </a:xfrm>
+          <a:prstGeom prst="line">
+            <a:avLst/>
+          </a:prstGeom>
+          <a:noFill/>
+          <a:ln w="9525">
+            <a:solidFill>
+              <a:schemeClr val="tx1"/>
+            </a:solidFill>
+            <a:round/>
+            <a:headEnd/>
+            <a:tailEnd type="triangle" w="med" len="med"/>
+          </a:ln>
+          <a:extLst>
+            <a:ext uri="{909E8E84-426E-40dd-AFC4-6F175D3DCCD1}">
+              <a14:hiddenFill xmlns:a14="http://schemas.microsoft.com/office/drawing/2010/main">
+                <a:noFill/>
+              </a14:hiddenFill>
+            </a:ext>
+          </a:extLst>
+        </p:spPr>
+        <p:txBody>
+          <a:bodyPr/>
+          <a:lstStyle/>
+          <a:p>
+            <a:endParaRPr lang="en-US"/>
+          </a:p>
+        </p:txBody>
+      </p:sp>
+      <p:sp>
+        <p:nvSpPr>
+          <p:cNvPr id="6" name="Date Placeholder 5"/>
           <p:cNvSpPr>
             <a:spLocks noGrp="1"/>
           </p:cNvSpPr>
@@ -6456,12 +6771,12 @@
           </a:lstStyle>
           <a:p>
             <a:pPr eaLnBrk="1" hangingPunct="1"/>
-            <a:fld id="{48DC4869-5364-2B4F-9F6F-CD8FCD2819AC}" type="datetime1">
+            <a:fld id="{B2520AAB-2424-4D47-82E5-4C4D277201F3}" type="datetime1">
               <a:rPr lang="en-US">
                 <a:latin typeface="Garamond" charset="0"/>
               </a:rPr>
               <a:pPr eaLnBrk="1" hangingPunct="1"/>
-              <a:t>9/18/17</a:t>
+              <a:t>9/21/17</a:t>
             </a:fld>
             <a:endParaRPr lang="en-US">
               <a:latin typeface="Garamond" charset="0"/>
@@ -6471,7 +6786,7 @@
       </p:sp>
       <p:sp>
         <p:nvSpPr>
-          <p:cNvPr id="5" name="Slide Number Placeholder 4"/>
+          <p:cNvPr id="7" name="Slide Number Placeholder 6"/>
           <p:cNvSpPr>
             <a:spLocks noGrp="1"/>
           </p:cNvSpPr>
@@ -6600,7 +6915,7 @@
           </a:lstStyle>
           <a:p>
             <a:pPr eaLnBrk="1" hangingPunct="1"/>
-            <a:fld id="{61914567-F7BB-3C4E-B9A2-863BFFB3E022}" type="slidenum">
+            <a:fld id="{ADADECEB-20E9-5241-A87C-DA70ECD9CCD5}" type="slidenum">
               <a:rPr lang="en-US">
                 <a:latin typeface="Garamond" charset="0"/>
               </a:rPr>
@@ -6615,7 +6930,7 @@
       </p:sp>
       <p:sp>
         <p:nvSpPr>
-          <p:cNvPr id="6" name="Footer Placeholder 5"/>
+          <p:cNvPr id="8" name="Footer Placeholder 7"/>
           <p:cNvSpPr>
             <a:spLocks noGrp="1"/>
           </p:cNvSpPr>
@@ -6672,7 +6987,7 @@
       </p:grpSpPr>
       <p:sp>
         <p:nvSpPr>
-          <p:cNvPr id="13314" name="Rectangle 2"/>
+          <p:cNvPr id="14338" name="Rectangle 2"/>
           <p:cNvSpPr>
             <a:spLocks noGrp="1" noChangeArrowheads="1"/>
           </p:cNvSpPr>
@@ -6682,8 +6997,8 @@
         </p:nvSpPr>
         <p:spPr>
           <a:xfrm>
-            <a:off x="685800" y="228600"/>
-            <a:ext cx="7772400" cy="1143000"/>
+            <a:off x="4800600" y="228600"/>
+            <a:ext cx="4038600" cy="685800"/>
           </a:xfrm>
         </p:spPr>
         <p:txBody>
@@ -6694,14 +7009,14 @@
               <a:rPr lang="en-US">
                 <a:latin typeface="Garamond" charset="0"/>
               </a:rPr>
-              <a:t>if  (common pitfalls) </a:t>
-            </a:r>
-          </a:p>
-        </p:txBody>
-      </p:sp>
-      <p:sp>
-        <p:nvSpPr>
-          <p:cNvPr id="13315" name="Text Box 3"/>
+              <a:t>if  (example) </a:t>
+            </a:r>
+          </a:p>
+        </p:txBody>
+      </p:sp>
+      <p:sp>
+        <p:nvSpPr>
+          <p:cNvPr id="14339" name="Text Box 3"/>
           <p:cNvSpPr txBox="1">
             <a:spLocks noChangeArrowheads="1"/>
           </p:cNvSpPr>
@@ -6709,8 +7024,8 @@
         </p:nvSpPr>
         <p:spPr bwMode="auto">
           <a:xfrm>
-            <a:off x="381000" y="1371600"/>
-            <a:ext cx="8458200" cy="5021263"/>
+            <a:off x="342900" y="381000"/>
+            <a:ext cx="8458200" cy="6272213"/>
           </a:xfrm>
           <a:prstGeom prst="rect">
             <a:avLst/>
@@ -6840,7 +7155,227 @@
               <a:rPr lang="en-US" sz="1800">
                 <a:latin typeface="Courier New" charset="0"/>
               </a:rPr>
-              <a:t>x=12345;</a:t>
+              <a:t>void main(void)</a:t>
+            </a:r>
+            <a:br>
+              <a:rPr lang="en-US" sz="1800">
+                <a:latin typeface="Courier New" charset="0"/>
+              </a:rPr>
+            </a:br>
+            <a:r>
+              <a:rPr lang="en-US" sz="1800">
+                <a:latin typeface="Courier New" charset="0"/>
+              </a:rPr>
+              <a:t>{</a:t>
+            </a:r>
+            <a:br>
+              <a:rPr lang="en-US" sz="1800">
+                <a:latin typeface="Courier New" charset="0"/>
+              </a:rPr>
+            </a:br>
+            <a:r>
+              <a:rPr lang="en-US" sz="1800">
+                <a:latin typeface="Courier New" charset="0"/>
+              </a:rPr>
+              <a:t>	float a,b,c,disc;</a:t>
+            </a:r>
+            <a:br>
+              <a:rPr lang="en-US" sz="1800">
+                <a:latin typeface="Courier New" charset="0"/>
+              </a:rPr>
+            </a:br>
+            <a:r>
+              <a:rPr lang="en-US" sz="1800">
+                <a:latin typeface="Courier New" charset="0"/>
+              </a:rPr>
+              <a:t>		:</a:t>
+            </a:r>
+            <a:br>
+              <a:rPr lang="en-US" sz="1800">
+                <a:latin typeface="Courier New" charset="0"/>
+              </a:rPr>
+            </a:br>
+            <a:r>
+              <a:rPr lang="en-US" sz="1800">
+                <a:latin typeface="Courier New" charset="0"/>
+              </a:rPr>
+              <a:t>	scanf("%f %f %f",&amp;a,&amp;b,&amp;c);</a:t>
+            </a:r>
+            <a:br>
+              <a:rPr lang="en-US" sz="1800">
+                <a:latin typeface="Courier New" charset="0"/>
+              </a:rPr>
+            </a:br>
+            <a:r>
+              <a:rPr lang="en-US" sz="1800">
+                <a:latin typeface="Courier New" charset="0"/>
+              </a:rPr>
+              <a:t>	if (a==0)</a:t>
+            </a:r>
+            <a:br>
+              <a:rPr lang="en-US" sz="1800">
+                <a:latin typeface="Courier New" charset="0"/>
+              </a:rPr>
+            </a:br>
+            <a:r>
+              <a:rPr lang="en-US" sz="1800">
+                <a:latin typeface="Courier New" charset="0"/>
+              </a:rPr>
+              <a:t>	{</a:t>
+            </a:r>
+            <a:br>
+              <a:rPr lang="en-US" sz="1800">
+                <a:latin typeface="Courier New" charset="0"/>
+              </a:rPr>
+            </a:br>
+            <a:r>
+              <a:rPr lang="en-US" sz="1800">
+                <a:latin typeface="Courier New" charset="0"/>
+              </a:rPr>
+              <a:t>		// statements</a:t>
+            </a:r>
+            <a:br>
+              <a:rPr lang="en-US" sz="1800">
+                <a:latin typeface="Courier New" charset="0"/>
+              </a:rPr>
+            </a:br>
+            <a:r>
+              <a:rPr lang="en-US" sz="1800">
+                <a:latin typeface="Courier New" charset="0"/>
+              </a:rPr>
+              <a:t>	}</a:t>
+            </a:r>
+            <a:br>
+              <a:rPr lang="en-US" sz="1800">
+                <a:latin typeface="Courier New" charset="0"/>
+              </a:rPr>
+            </a:br>
+            <a:r>
+              <a:rPr lang="en-US" sz="1800">
+                <a:latin typeface="Courier New" charset="0"/>
+              </a:rPr>
+              <a:t>	else</a:t>
+            </a:r>
+            <a:br>
+              <a:rPr lang="en-US" sz="1800">
+                <a:latin typeface="Courier New" charset="0"/>
+              </a:rPr>
+            </a:br>
+            <a:r>
+              <a:rPr lang="en-US" sz="1800">
+                <a:latin typeface="Courier New" charset="0"/>
+              </a:rPr>
+              <a:t>	{</a:t>
+            </a:r>
+            <a:br>
+              <a:rPr lang="en-US" sz="1800">
+                <a:latin typeface="Courier New" charset="0"/>
+              </a:rPr>
+            </a:br>
+            <a:r>
+              <a:rPr lang="en-US" sz="1800">
+                <a:latin typeface="Courier New" charset="0"/>
+              </a:rPr>
+              <a:t>		disc = b*b-4*a*c;</a:t>
+            </a:r>
+            <a:br>
+              <a:rPr lang="en-US" sz="1800">
+                <a:latin typeface="Courier New" charset="0"/>
+              </a:rPr>
+            </a:br>
+            <a:r>
+              <a:rPr lang="en-US" sz="1800">
+                <a:latin typeface="Courier New" charset="0"/>
+              </a:rPr>
+              <a:t>		if (  disc &lt; 0 )</a:t>
+            </a:r>
+            <a:br>
+              <a:rPr lang="en-US" sz="1800">
+                <a:latin typeface="Courier New" charset="0"/>
+              </a:rPr>
+            </a:br>
+            <a:r>
+              <a:rPr lang="en-US" sz="1800">
+                <a:latin typeface="Courier New" charset="0"/>
+              </a:rPr>
+              <a:t>		{</a:t>
+            </a:r>
+            <a:br>
+              <a:rPr lang="en-US" sz="1800">
+                <a:latin typeface="Courier New" charset="0"/>
+              </a:rPr>
+            </a:br>
+            <a:r>
+              <a:rPr lang="en-US" sz="1800">
+                <a:latin typeface="Courier New" charset="0"/>
+              </a:rPr>
+              <a:t>			// statements</a:t>
+            </a:r>
+            <a:br>
+              <a:rPr lang="en-US" sz="1800">
+                <a:latin typeface="Courier New" charset="0"/>
+              </a:rPr>
+            </a:br>
+            <a:r>
+              <a:rPr lang="en-US" sz="1800">
+                <a:latin typeface="Courier New" charset="0"/>
+              </a:rPr>
+              <a:t>		}</a:t>
+            </a:r>
+            <a:br>
+              <a:rPr lang="en-US" sz="1800">
+                <a:latin typeface="Courier New" charset="0"/>
+              </a:rPr>
+            </a:br>
+            <a:r>
+              <a:rPr lang="en-US" sz="1800">
+                <a:latin typeface="Courier New" charset="0"/>
+              </a:rPr>
+              <a:t>		else</a:t>
+            </a:r>
+            <a:br>
+              <a:rPr lang="en-US" sz="1800">
+                <a:latin typeface="Courier New" charset="0"/>
+              </a:rPr>
+            </a:br>
+            <a:r>
+              <a:rPr lang="en-US" sz="1800">
+                <a:latin typeface="Courier New" charset="0"/>
+              </a:rPr>
+              <a:t>		{</a:t>
+            </a:r>
+            <a:br>
+              <a:rPr lang="en-US" sz="1800">
+                <a:latin typeface="Courier New" charset="0"/>
+              </a:rPr>
+            </a:br>
+            <a:r>
+              <a:rPr lang="en-US" sz="1800">
+                <a:latin typeface="Courier New" charset="0"/>
+              </a:rPr>
+              <a:t>			// statements</a:t>
+            </a:r>
+            <a:br>
+              <a:rPr lang="en-US" sz="1800">
+                <a:latin typeface="Courier New" charset="0"/>
+              </a:rPr>
+            </a:br>
+            <a:r>
+              <a:rPr lang="en-US" sz="1800">
+                <a:latin typeface="Courier New" charset="0"/>
+              </a:rPr>
+              <a:t>		}</a:t>
+            </a:r>
+            <a:br>
+              <a:rPr lang="en-US" sz="1800">
+                <a:latin typeface="Courier New" charset="0"/>
+              </a:rPr>
+            </a:br>
+            <a:r>
+              <a:rPr lang="en-US" sz="1800">
+                <a:latin typeface="Courier New" charset="0"/>
+              </a:rPr>
+              <a:t>	}</a:t>
             </a:r>
           </a:p>
           <a:p>
@@ -6853,317 +7388,14 @@
               <a:rPr lang="en-US" sz="1800">
                 <a:latin typeface="Courier New" charset="0"/>
               </a:rPr>
-              <a:t>if (x=3)</a:t>
-            </a:r>
-            <a:br>
-              <a:rPr lang="en-US" sz="1800">
-                <a:latin typeface="Courier New" charset="0"/>
-              </a:rPr>
-            </a:br>
-            <a:r>
-              <a:rPr lang="en-US" sz="1800">
-                <a:latin typeface="Courier New" charset="0"/>
-              </a:rPr>
-              <a:t>{</a:t>
-            </a:r>
-            <a:br>
-              <a:rPr lang="en-US" sz="1800">
-                <a:latin typeface="Courier New" charset="0"/>
-              </a:rPr>
-            </a:br>
-            <a:r>
-              <a:rPr lang="en-US" sz="1800">
-                <a:latin typeface="Courier New" charset="0"/>
-              </a:rPr>
-              <a:t>	printf("x is 3\n");</a:t>
-            </a:r>
-            <a:br>
-              <a:rPr lang="en-US" sz="1800">
-                <a:latin typeface="Courier New" charset="0"/>
-              </a:rPr>
-            </a:br>
-            <a:r>
-              <a:rPr lang="en-US" sz="1800">
-                <a:latin typeface="Courier New" charset="0"/>
-              </a:rPr>
               <a:t>}</a:t>
             </a:r>
-            <a:br>
-              <a:rPr lang="en-US" sz="1800">
-                <a:latin typeface="Courier New" charset="0"/>
-              </a:rPr>
-            </a:br>
-            <a:r>
-              <a:rPr lang="en-US" sz="1800">
-                <a:latin typeface="Courier New" charset="0"/>
-              </a:rPr>
-              <a:t>else</a:t>
-            </a:r>
-            <a:br>
-              <a:rPr lang="en-US" sz="1800">
-                <a:latin typeface="Courier New" charset="0"/>
-              </a:rPr>
-            </a:br>
-            <a:r>
-              <a:rPr lang="en-US" sz="1800">
-                <a:latin typeface="Courier New" charset="0"/>
-              </a:rPr>
-              <a:t>{</a:t>
-            </a:r>
-            <a:br>
-              <a:rPr lang="en-US" sz="1800">
-                <a:latin typeface="Courier New" charset="0"/>
-              </a:rPr>
-            </a:br>
-            <a:r>
-              <a:rPr lang="en-US" sz="1800">
-                <a:latin typeface="Courier New" charset="0"/>
-              </a:rPr>
-              <a:t>	printf("x is not 3\n");</a:t>
-            </a:r>
-            <a:br>
-              <a:rPr lang="en-US" sz="1800">
-                <a:latin typeface="Courier New" charset="0"/>
-              </a:rPr>
-            </a:br>
-            <a:r>
-              <a:rPr lang="en-US" sz="1800">
-                <a:latin typeface="Courier New" charset="0"/>
-              </a:rPr>
-              <a:t>}</a:t>
-            </a:r>
-          </a:p>
-          <a:p>
-            <a:pPr>
-              <a:spcBef>
-                <a:spcPct val="50000"/>
-              </a:spcBef>
-            </a:pPr>
-            <a:endParaRPr lang="en-US" sz="1800">
-              <a:latin typeface="Courier New" charset="0"/>
-            </a:endParaRPr>
-          </a:p>
-          <a:p>
-            <a:pPr>
-              <a:spcBef>
-                <a:spcPct val="50000"/>
-              </a:spcBef>
-            </a:pPr>
-            <a:r>
-              <a:rPr lang="en-US" sz="1800"/>
-              <a:t>This code will ALWAYS print:</a:t>
-            </a:r>
-            <a:br>
-              <a:rPr lang="en-US" sz="1800"/>
-            </a:br>
-            <a:r>
-              <a:rPr lang="en-US" sz="1800">
-                <a:latin typeface="Courier New" charset="0"/>
-              </a:rPr>
-              <a:t>x is 3</a:t>
-            </a:r>
-          </a:p>
-        </p:txBody>
-      </p:sp>
-      <p:sp>
-        <p:nvSpPr>
-          <p:cNvPr id="13316" name="Text Box 4"/>
-          <p:cNvSpPr txBox="1">
-            <a:spLocks noChangeArrowheads="1"/>
-          </p:cNvSpPr>
-          <p:nvPr/>
-        </p:nvSpPr>
-        <p:spPr bwMode="auto">
-          <a:xfrm>
-            <a:off x="3810000" y="1219200"/>
-            <a:ext cx="4267200" cy="1370013"/>
-          </a:xfrm>
-          <a:prstGeom prst="rect">
-            <a:avLst/>
-          </a:prstGeom>
-          <a:noFill/>
-          <a:ln>
-            <a:noFill/>
-          </a:ln>
-          <a:extLst>
-            <a:ext uri="{909E8E84-426E-40dd-AFC4-6F175D3DCCD1}">
-              <a14:hiddenFill xmlns:a14="http://schemas.microsoft.com/office/drawing/2010/main">
-                <a:solidFill>
-                  <a:srgbClr val="FFFFFF"/>
-                </a:solidFill>
-              </a14:hiddenFill>
-            </a:ext>
-            <a:ext uri="{91240B29-F687-4f45-9708-019B960494DF}">
-              <a14:hiddenLine xmlns:a14="http://schemas.microsoft.com/office/drawing/2010/main" w="9525">
-                <a:solidFill>
-                  <a:srgbClr val="000000"/>
-                </a:solidFill>
-                <a:miter lim="800000"/>
-                <a:headEnd/>
-                <a:tailEnd/>
-              </a14:hiddenLine>
-            </a:ext>
-          </a:extLst>
-        </p:spPr>
-        <p:txBody>
-          <a:bodyPr>
-            <a:spAutoFit/>
-          </a:bodyPr>
-          <a:lstStyle>
-            <a:lvl1pPr>
-              <a:defRPr sz="3000">
-                <a:solidFill>
-                  <a:schemeClr val="tx1"/>
-                </a:solidFill>
-                <a:latin typeface="Arial" charset="0"/>
-                <a:ea typeface="ＭＳ Ｐゴシック" charset="0"/>
-              </a:defRPr>
-            </a:lvl1pPr>
-            <a:lvl2pPr marL="742950" indent="-285750">
-              <a:defRPr sz="2600">
-                <a:solidFill>
-                  <a:schemeClr val="tx1"/>
-                </a:solidFill>
-                <a:latin typeface="Arial" charset="0"/>
-                <a:ea typeface="ＭＳ Ｐゴシック" charset="0"/>
-              </a:defRPr>
-            </a:lvl2pPr>
-            <a:lvl3pPr marL="1143000" indent="-228600">
-              <a:defRPr sz="2200">
-                <a:solidFill>
-                  <a:schemeClr val="tx1"/>
-                </a:solidFill>
-                <a:latin typeface="Arial" charset="0"/>
-                <a:ea typeface="ＭＳ Ｐゴシック" charset="0"/>
-              </a:defRPr>
-            </a:lvl3pPr>
-            <a:lvl4pPr marL="1600200" indent="-228600">
-              <a:defRPr sz="2000">
-                <a:solidFill>
-                  <a:schemeClr val="tx1"/>
-                </a:solidFill>
-                <a:latin typeface="Arial" charset="0"/>
-                <a:ea typeface="ＭＳ Ｐゴシック" charset="0"/>
-              </a:defRPr>
-            </a:lvl4pPr>
-            <a:lvl5pPr marL="2057400" indent="-228600">
-              <a:defRPr sz="2000">
-                <a:solidFill>
-                  <a:schemeClr val="tx1"/>
-                </a:solidFill>
-                <a:latin typeface="Arial" charset="0"/>
-                <a:ea typeface="ＭＳ Ｐゴシック" charset="0"/>
-              </a:defRPr>
-            </a:lvl5pPr>
-            <a:lvl6pPr marL="2514600" indent="-228600" eaLnBrk="0" hangingPunct="0">
-              <a:buFont typeface="Wingdings" charset="0"/>
-              <a:defRPr sz="2000">
-                <a:solidFill>
-                  <a:schemeClr val="tx1"/>
-                </a:solidFill>
-                <a:latin typeface="Arial" charset="0"/>
-                <a:ea typeface="ＭＳ Ｐゴシック" charset="0"/>
-              </a:defRPr>
-            </a:lvl6pPr>
-            <a:lvl7pPr marL="2971800" indent="-228600" eaLnBrk="0" hangingPunct="0">
-              <a:buFont typeface="Wingdings" charset="0"/>
-              <a:defRPr sz="2000">
-                <a:solidFill>
-                  <a:schemeClr val="tx1"/>
-                </a:solidFill>
-                <a:latin typeface="Arial" charset="0"/>
-                <a:ea typeface="ＭＳ Ｐゴシック" charset="0"/>
-              </a:defRPr>
-            </a:lvl7pPr>
-            <a:lvl8pPr marL="3429000" indent="-228600" eaLnBrk="0" hangingPunct="0">
-              <a:buFont typeface="Wingdings" charset="0"/>
-              <a:defRPr sz="2000">
-                <a:solidFill>
-                  <a:schemeClr val="tx1"/>
-                </a:solidFill>
-                <a:latin typeface="Arial" charset="0"/>
-                <a:ea typeface="ＭＳ Ｐゴシック" charset="0"/>
-              </a:defRPr>
-            </a:lvl8pPr>
-            <a:lvl9pPr marL="3886200" indent="-228600" eaLnBrk="0" hangingPunct="0">
-              <a:buFont typeface="Wingdings" charset="0"/>
-              <a:defRPr sz="2000">
-                <a:solidFill>
-                  <a:schemeClr val="tx1"/>
-                </a:solidFill>
-                <a:latin typeface="Arial" charset="0"/>
-                <a:ea typeface="ＭＳ Ｐゴシック" charset="0"/>
-              </a:defRPr>
-            </a:lvl9pPr>
-          </a:lstStyle>
-          <a:p>
-            <a:pPr>
-              <a:spcBef>
-                <a:spcPct val="50000"/>
-              </a:spcBef>
-            </a:pPr>
-            <a:r>
-              <a:rPr lang="en-US" sz="1800"/>
-              <a:t>a single equals means ASSIGN.</a:t>
-            </a:r>
-          </a:p>
-          <a:p>
-            <a:pPr>
-              <a:spcBef>
-                <a:spcPct val="50000"/>
-              </a:spcBef>
-            </a:pPr>
-            <a:r>
-              <a:rPr lang="en-US" sz="1800"/>
-              <a:t>a double equal must be used to check for equality.</a:t>
-            </a:r>
-          </a:p>
-        </p:txBody>
-      </p:sp>
-      <p:sp>
-        <p:nvSpPr>
-          <p:cNvPr id="13317" name="Line 5"/>
-          <p:cNvSpPr>
-            <a:spLocks noChangeShapeType="1"/>
-          </p:cNvSpPr>
-          <p:nvPr/>
-        </p:nvSpPr>
-        <p:spPr bwMode="auto">
-          <a:xfrm flipH="1">
-            <a:off x="1524000" y="1447800"/>
-            <a:ext cx="2209800" cy="533400"/>
-          </a:xfrm>
-          <a:prstGeom prst="line">
-            <a:avLst/>
-          </a:prstGeom>
-          <a:noFill/>
-          <a:ln w="9525">
-            <a:solidFill>
-              <a:schemeClr val="tx1"/>
-            </a:solidFill>
-            <a:round/>
-            <a:headEnd/>
-            <a:tailEnd type="triangle" w="med" len="med"/>
-          </a:ln>
-          <a:extLst>
-            <a:ext uri="{909E8E84-426E-40dd-AFC4-6F175D3DCCD1}">
-              <a14:hiddenFill xmlns:a14="http://schemas.microsoft.com/office/drawing/2010/main">
-                <a:noFill/>
-              </a14:hiddenFill>
-            </a:ext>
-          </a:extLst>
-        </p:spPr>
-        <p:txBody>
-          <a:bodyPr/>
-          <a:lstStyle/>
-          <a:p>
-            <a:endParaRPr lang="en-US"/>
-          </a:p>
-        </p:txBody>
-      </p:sp>
-      <p:sp>
-        <p:nvSpPr>
-          <p:cNvPr id="6" name="Date Placeholder 5"/>
+          </a:p>
+        </p:txBody>
+      </p:sp>
+      <p:sp>
+        <p:nvSpPr>
+          <p:cNvPr id="4" name="Date Placeholder 3"/>
           <p:cNvSpPr>
             <a:spLocks noGrp="1"/>
           </p:cNvSpPr>
@@ -7292,12 +7524,12 @@
           </a:lstStyle>
           <a:p>
             <a:pPr eaLnBrk="1" hangingPunct="1"/>
-            <a:fld id="{B2520AAB-2424-4D47-82E5-4C4D277201F3}" type="datetime1">
+            <a:fld id="{855783F3-4B33-8547-AEC0-4A0F0E0C1EF7}" type="datetime1">
               <a:rPr lang="en-US">
                 <a:latin typeface="Garamond" charset="0"/>
               </a:rPr>
               <a:pPr eaLnBrk="1" hangingPunct="1"/>
-              <a:t>9/18/17</a:t>
+              <a:t>9/21/17</a:t>
             </a:fld>
             <a:endParaRPr lang="en-US">
               <a:latin typeface="Garamond" charset="0"/>
@@ -7307,7 +7539,7 @@
       </p:sp>
       <p:sp>
         <p:nvSpPr>
-          <p:cNvPr id="7" name="Slide Number Placeholder 6"/>
+          <p:cNvPr id="5" name="Slide Number Placeholder 4"/>
           <p:cNvSpPr>
             <a:spLocks noGrp="1"/>
           </p:cNvSpPr>
@@ -7436,7 +7668,7 @@
           </a:lstStyle>
           <a:p>
             <a:pPr eaLnBrk="1" hangingPunct="1"/>
-            <a:fld id="{ADADECEB-20E9-5241-A87C-DA70ECD9CCD5}" type="slidenum">
+            <a:fld id="{CF7248EA-B196-7C47-93CF-1FA25E8F44A1}" type="slidenum">
               <a:rPr lang="en-US">
                 <a:latin typeface="Garamond" charset="0"/>
               </a:rPr>
@@ -7451,7 +7683,7 @@
       </p:sp>
       <p:sp>
         <p:nvSpPr>
-          <p:cNvPr id="8" name="Footer Placeholder 7"/>
+          <p:cNvPr id="6" name="Footer Placeholder 5"/>
           <p:cNvSpPr>
             <a:spLocks noGrp="1"/>
           </p:cNvSpPr>
@@ -7508,20 +7740,15 @@
       </p:grpSpPr>
       <p:sp>
         <p:nvSpPr>
-          <p:cNvPr id="14338" name="Rectangle 2"/>
+          <p:cNvPr id="15362" name="Title 1"/>
           <p:cNvSpPr>
-            <a:spLocks noGrp="1" noChangeArrowheads="1"/>
+            <a:spLocks noGrp="1"/>
           </p:cNvSpPr>
           <p:nvPr>
             <p:ph type="title"/>
           </p:nvPr>
         </p:nvSpPr>
-        <p:spPr>
-          <a:xfrm>
-            <a:off x="4800600" y="228600"/>
-            <a:ext cx="4038600" cy="685800"/>
-          </a:xfrm>
-        </p:spPr>
+        <p:spPr/>
         <p:txBody>
           <a:bodyPr/>
           <a:lstStyle/>
@@ -7530,393 +7757,355 @@
               <a:rPr lang="en-US">
                 <a:latin typeface="Garamond" charset="0"/>
               </a:rPr>
-              <a:t>if  (example) </a:t>
-            </a:r>
-          </a:p>
-        </p:txBody>
-      </p:sp>
-      <p:sp>
-        <p:nvSpPr>
-          <p:cNvPr id="14339" name="Text Box 3"/>
-          <p:cNvSpPr txBox="1">
-            <a:spLocks noChangeArrowheads="1"/>
-          </p:cNvSpPr>
-          <p:nvPr/>
-        </p:nvSpPr>
-        <p:spPr bwMode="auto">
-          <a:xfrm>
-            <a:off x="342900" y="381000"/>
-            <a:ext cx="8458200" cy="6272213"/>
-          </a:xfrm>
-          <a:prstGeom prst="rect">
-            <a:avLst/>
-          </a:prstGeom>
-          <a:noFill/>
-          <a:ln>
-            <a:noFill/>
-          </a:ln>
-          <a:extLst>
-            <a:ext uri="{909E8E84-426E-40dd-AFC4-6F175D3DCCD1}">
-              <a14:hiddenFill xmlns:a14="http://schemas.microsoft.com/office/drawing/2010/main">
-                <a:solidFill>
-                  <a:srgbClr val="FFFFFF"/>
-                </a:solidFill>
-              </a14:hiddenFill>
-            </a:ext>
-            <a:ext uri="{91240B29-F687-4f45-9708-019B960494DF}">
-              <a14:hiddenLine xmlns:a14="http://schemas.microsoft.com/office/drawing/2010/main" w="9525">
-                <a:solidFill>
-                  <a:srgbClr val="000000"/>
-                </a:solidFill>
-                <a:miter lim="800000"/>
-                <a:headEnd/>
-                <a:tailEnd/>
-              </a14:hiddenLine>
-            </a:ext>
-          </a:extLst>
-        </p:spPr>
+              <a:t>Example: if statements </a:t>
+            </a:r>
+          </a:p>
+        </p:txBody>
+      </p:sp>
+      <p:sp>
+        <p:nvSpPr>
+          <p:cNvPr id="6" name="Content Placeholder 5"/>
+          <p:cNvSpPr>
+            <a:spLocks noGrp="1"/>
+          </p:cNvSpPr>
+          <p:nvPr>
+            <p:ph idx="1"/>
+          </p:nvPr>
+        </p:nvSpPr>
+        <p:spPr/>
         <p:txBody>
           <a:bodyPr>
-            <a:spAutoFit/>
+            <a:normAutofit fontScale="55000" lnSpcReduction="20000"/>
           </a:bodyPr>
-          <a:lstStyle>
-            <a:lvl1pPr>
-              <a:defRPr sz="3000">
-                <a:solidFill>
-                  <a:schemeClr val="tx1"/>
-                </a:solidFill>
-                <a:latin typeface="Arial" charset="0"/>
-                <a:ea typeface="ＭＳ Ｐゴシック" charset="0"/>
-              </a:defRPr>
-            </a:lvl1pPr>
-            <a:lvl2pPr marL="742950" indent="-285750">
-              <a:defRPr sz="2600">
-                <a:solidFill>
-                  <a:schemeClr val="tx1"/>
-                </a:solidFill>
-                <a:latin typeface="Arial" charset="0"/>
-                <a:ea typeface="ＭＳ Ｐゴシック" charset="0"/>
-              </a:defRPr>
-            </a:lvl2pPr>
-            <a:lvl3pPr marL="1143000" indent="-228600">
-              <a:defRPr sz="2200">
-                <a:solidFill>
-                  <a:schemeClr val="tx1"/>
-                </a:solidFill>
-                <a:latin typeface="Arial" charset="0"/>
-                <a:ea typeface="ＭＳ Ｐゴシック" charset="0"/>
-              </a:defRPr>
-            </a:lvl3pPr>
-            <a:lvl4pPr marL="1600200" indent="-228600">
-              <a:defRPr sz="2000">
-                <a:solidFill>
-                  <a:schemeClr val="tx1"/>
-                </a:solidFill>
-                <a:latin typeface="Arial" charset="0"/>
-                <a:ea typeface="ＭＳ Ｐゴシック" charset="0"/>
-              </a:defRPr>
-            </a:lvl4pPr>
-            <a:lvl5pPr marL="2057400" indent="-228600">
-              <a:defRPr sz="2000">
-                <a:solidFill>
-                  <a:schemeClr val="tx1"/>
-                </a:solidFill>
-                <a:latin typeface="Arial" charset="0"/>
-                <a:ea typeface="ＭＳ Ｐゴシック" charset="0"/>
-              </a:defRPr>
-            </a:lvl5pPr>
-            <a:lvl6pPr marL="2514600" indent="-228600" eaLnBrk="0" hangingPunct="0">
-              <a:buFont typeface="Wingdings" charset="0"/>
-              <a:defRPr sz="2000">
-                <a:solidFill>
-                  <a:schemeClr val="tx1"/>
-                </a:solidFill>
-                <a:latin typeface="Arial" charset="0"/>
-                <a:ea typeface="ＭＳ Ｐゴシック" charset="0"/>
-              </a:defRPr>
-            </a:lvl6pPr>
-            <a:lvl7pPr marL="2971800" indent="-228600" eaLnBrk="0" hangingPunct="0">
-              <a:buFont typeface="Wingdings" charset="0"/>
-              <a:defRPr sz="2000">
-                <a:solidFill>
-                  <a:schemeClr val="tx1"/>
-                </a:solidFill>
-                <a:latin typeface="Arial" charset="0"/>
-                <a:ea typeface="ＭＳ Ｐゴシック" charset="0"/>
-              </a:defRPr>
-            </a:lvl7pPr>
-            <a:lvl8pPr marL="3429000" indent="-228600" eaLnBrk="0" hangingPunct="0">
-              <a:buFont typeface="Wingdings" charset="0"/>
-              <a:defRPr sz="2000">
-                <a:solidFill>
-                  <a:schemeClr val="tx1"/>
-                </a:solidFill>
-                <a:latin typeface="Arial" charset="0"/>
-                <a:ea typeface="ＭＳ Ｐゴシック" charset="0"/>
-              </a:defRPr>
-            </a:lvl8pPr>
-            <a:lvl9pPr marL="3886200" indent="-228600" eaLnBrk="0" hangingPunct="0">
-              <a:buFont typeface="Wingdings" charset="0"/>
-              <a:defRPr sz="2000">
-                <a:solidFill>
-                  <a:schemeClr val="tx1"/>
-                </a:solidFill>
-                <a:latin typeface="Arial" charset="0"/>
-                <a:ea typeface="ＭＳ Ｐゴシック" charset="0"/>
-              </a:defRPr>
-            </a:lvl9pPr>
-          </a:lstStyle>
+          <a:lstStyle/>
           <a:p>
             <a:pPr>
-              <a:spcBef>
-                <a:spcPct val="50000"/>
-              </a:spcBef>
+              <a:buFont typeface="Wingdings" pitchFamily="2" charset="2"/>
+              <a:buChar char="n"/>
+              <a:defRPr/>
             </a:pPr>
             <a:r>
-              <a:rPr lang="en-US" sz="1800">
-                <a:latin typeface="Courier New" charset="0"/>
-              </a:rPr>
-              <a:t>void main(void)</a:t>
-            </a:r>
-            <a:br>
-              <a:rPr lang="en-US" sz="1800">
-                <a:latin typeface="Courier New" charset="0"/>
-              </a:rPr>
-            </a:br>
-            <a:r>
-              <a:rPr lang="en-US" sz="1800">
-                <a:latin typeface="Courier New" charset="0"/>
+              <a:rPr lang="en-US" dirty="0" smtClean="0">
+                <a:ea typeface="+mn-ea"/>
+              </a:rPr>
+              <a:t>What does the following code print?</a:t>
+            </a:r>
+          </a:p>
+          <a:p>
+            <a:pPr>
+              <a:buFont typeface="Wingdings" pitchFamily="2" charset="2"/>
+              <a:buChar char="n"/>
+              <a:defRPr/>
+            </a:pPr>
+            <a:endParaRPr lang="en-US" dirty="0" smtClean="0">
+              <a:ea typeface="+mn-ea"/>
+            </a:endParaRPr>
+          </a:p>
+          <a:p>
+            <a:pPr>
+              <a:buFont typeface="Wingdings" pitchFamily="2" charset="2"/>
+              <a:buNone/>
+              <a:defRPr/>
+            </a:pPr>
+            <a:r>
+              <a:rPr lang="en-US" dirty="0" err="1" smtClean="0">
+                <a:latin typeface="Courier New" pitchFamily="49" charset="0"/>
+                <a:ea typeface="+mn-ea"/>
+                <a:cs typeface="Courier New" pitchFamily="49" charset="0"/>
+              </a:rPr>
+              <a:t>int</a:t>
+            </a:r>
+            <a:r>
+              <a:rPr lang="en-US" dirty="0" smtClean="0">
+                <a:latin typeface="Courier New" pitchFamily="49" charset="0"/>
+                <a:ea typeface="+mn-ea"/>
+                <a:cs typeface="Courier New" pitchFamily="49" charset="0"/>
+              </a:rPr>
+              <a:t> main() {</a:t>
+            </a:r>
+          </a:p>
+          <a:p>
+            <a:pPr lvl="1">
+              <a:buFont typeface="Wingdings" pitchFamily="2" charset="2"/>
+              <a:buNone/>
+              <a:defRPr/>
+            </a:pPr>
+            <a:r>
+              <a:rPr lang="en-US" dirty="0" err="1" smtClean="0">
+                <a:latin typeface="Courier New" pitchFamily="49" charset="0"/>
+                <a:cs typeface="Courier New" pitchFamily="49" charset="0"/>
+              </a:rPr>
+              <a:t>int</a:t>
+            </a:r>
+            <a:r>
+              <a:rPr lang="en-US" dirty="0" smtClean="0">
+                <a:latin typeface="Courier New" pitchFamily="49" charset="0"/>
+                <a:cs typeface="Courier New" pitchFamily="49" charset="0"/>
+              </a:rPr>
+              <a:t> x = 3;</a:t>
+            </a:r>
+          </a:p>
+          <a:p>
+            <a:pPr lvl="1">
+              <a:buFont typeface="Wingdings" pitchFamily="2" charset="2"/>
+              <a:buNone/>
+              <a:defRPr/>
+            </a:pPr>
+            <a:r>
+              <a:rPr lang="en-US" dirty="0" err="1" smtClean="0">
+                <a:latin typeface="Courier New" pitchFamily="49" charset="0"/>
+                <a:cs typeface="Courier New" pitchFamily="49" charset="0"/>
+              </a:rPr>
+              <a:t>int</a:t>
+            </a:r>
+            <a:r>
+              <a:rPr lang="en-US" dirty="0" smtClean="0">
+                <a:latin typeface="Courier New" pitchFamily="49" charset="0"/>
+                <a:cs typeface="Courier New" pitchFamily="49" charset="0"/>
+              </a:rPr>
+              <a:t> y = 7;</a:t>
+            </a:r>
+          </a:p>
+          <a:p>
+            <a:pPr lvl="1">
+              <a:buFont typeface="Wingdings" pitchFamily="2" charset="2"/>
+              <a:buNone/>
+              <a:defRPr/>
+            </a:pPr>
+            <a:endParaRPr lang="en-US" dirty="0" smtClean="0">
+              <a:latin typeface="Courier New" pitchFamily="49" charset="0"/>
+              <a:cs typeface="Courier New" pitchFamily="49" charset="0"/>
+            </a:endParaRPr>
+          </a:p>
+          <a:p>
+            <a:pPr lvl="1">
+              <a:buFont typeface="Wingdings" pitchFamily="2" charset="2"/>
+              <a:buNone/>
+              <a:defRPr/>
+            </a:pPr>
+            <a:r>
+              <a:rPr lang="en-US" dirty="0" smtClean="0">
+                <a:latin typeface="Courier New" pitchFamily="49" charset="0"/>
+                <a:cs typeface="Courier New" pitchFamily="49" charset="0"/>
+              </a:rPr>
+              <a:t>if (x &gt; 2)</a:t>
+            </a:r>
+          </a:p>
+          <a:p>
+            <a:pPr lvl="1">
+              <a:buFont typeface="Wingdings" pitchFamily="2" charset="2"/>
+              <a:buNone/>
+              <a:defRPr/>
+            </a:pPr>
+            <a:r>
+              <a:rPr lang="en-US" dirty="0" smtClean="0">
+                <a:latin typeface="Courier New" pitchFamily="49" charset="0"/>
+                <a:cs typeface="Courier New" pitchFamily="49" charset="0"/>
+              </a:rPr>
+              <a:t>	x = x - 2;</a:t>
+            </a:r>
+          </a:p>
+          <a:p>
+            <a:pPr lvl="1">
+              <a:buFont typeface="Wingdings" pitchFamily="2" charset="2"/>
+              <a:buNone/>
+              <a:defRPr/>
+            </a:pPr>
+            <a:r>
+              <a:rPr lang="en-US" dirty="0" smtClean="0">
+                <a:latin typeface="Courier New" pitchFamily="49" charset="0"/>
+                <a:cs typeface="Courier New" pitchFamily="49" charset="0"/>
+              </a:rPr>
+              <a:t>else</a:t>
+            </a:r>
+          </a:p>
+          <a:p>
+            <a:pPr lvl="1">
+              <a:buFont typeface="Wingdings" pitchFamily="2" charset="2"/>
+              <a:buNone/>
+              <a:defRPr/>
+            </a:pPr>
+            <a:r>
+              <a:rPr lang="en-US" dirty="0" smtClean="0">
+                <a:latin typeface="Courier New" pitchFamily="49" charset="0"/>
+                <a:cs typeface="Courier New" pitchFamily="49" charset="0"/>
+              </a:rPr>
+              <a:t>	x = x + 2;</a:t>
+            </a:r>
+          </a:p>
+          <a:p>
+            <a:pPr lvl="1">
+              <a:buFont typeface="Wingdings" pitchFamily="2" charset="2"/>
+              <a:buNone/>
+              <a:defRPr/>
+            </a:pPr>
+            <a:endParaRPr lang="en-US" dirty="0" smtClean="0">
+              <a:latin typeface="Courier New" pitchFamily="49" charset="0"/>
+              <a:cs typeface="Courier New" pitchFamily="49" charset="0"/>
+            </a:endParaRPr>
+          </a:p>
+          <a:p>
+            <a:pPr lvl="1">
+              <a:buFont typeface="Wingdings" pitchFamily="2" charset="2"/>
+              <a:buNone/>
+              <a:defRPr/>
+            </a:pPr>
+            <a:r>
+              <a:rPr lang="en-US" dirty="0" smtClean="0">
+                <a:latin typeface="Courier New" pitchFamily="49" charset="0"/>
+                <a:cs typeface="Courier New" pitchFamily="49" charset="0"/>
+              </a:rPr>
+              <a:t>if ((y % 2) == 1) </a:t>
+            </a:r>
+          </a:p>
+          <a:p>
+            <a:pPr lvl="1">
+              <a:buFont typeface="Wingdings" pitchFamily="2" charset="2"/>
+              <a:buNone/>
+              <a:defRPr/>
+            </a:pPr>
+            <a:r>
+              <a:rPr lang="en-US" dirty="0" smtClean="0">
+                <a:latin typeface="Courier New" pitchFamily="49" charset="0"/>
+                <a:cs typeface="Courier New" pitchFamily="49" charset="0"/>
               </a:rPr>
               <a:t>{</a:t>
             </a:r>
-            <a:br>
-              <a:rPr lang="en-US" sz="1800">
-                <a:latin typeface="Courier New" charset="0"/>
-              </a:rPr>
-            </a:br>
-            <a:r>
-              <a:rPr lang="en-US" sz="1800">
-                <a:latin typeface="Courier New" charset="0"/>
-              </a:rPr>
-              <a:t>	float a,b,c,disc;</a:t>
-            </a:r>
-            <a:br>
-              <a:rPr lang="en-US" sz="1800">
-                <a:latin typeface="Courier New" charset="0"/>
-              </a:rPr>
-            </a:br>
-            <a:r>
-              <a:rPr lang="en-US" sz="1800">
-                <a:latin typeface="Courier New" charset="0"/>
-              </a:rPr>
-              <a:t>		:</a:t>
-            </a:r>
-            <a:br>
-              <a:rPr lang="en-US" sz="1800">
-                <a:latin typeface="Courier New" charset="0"/>
-              </a:rPr>
-            </a:br>
-            <a:r>
-              <a:rPr lang="en-US" sz="1800">
-                <a:latin typeface="Courier New" charset="0"/>
-              </a:rPr>
-              <a:t>	scanf("%f %f %f",&amp;a,&amp;b,&amp;c);</a:t>
-            </a:r>
-            <a:br>
-              <a:rPr lang="en-US" sz="1800">
-                <a:latin typeface="Courier New" charset="0"/>
-              </a:rPr>
-            </a:br>
-            <a:r>
-              <a:rPr lang="en-US" sz="1800">
-                <a:latin typeface="Courier New" charset="0"/>
-              </a:rPr>
-              <a:t>	if (a==0)</a:t>
-            </a:r>
-            <a:br>
-              <a:rPr lang="en-US" sz="1800">
-                <a:latin typeface="Courier New" charset="0"/>
-              </a:rPr>
-            </a:br>
-            <a:r>
-              <a:rPr lang="en-US" sz="1800">
-                <a:latin typeface="Courier New" charset="0"/>
-              </a:rPr>
-              <a:t>	{</a:t>
-            </a:r>
-            <a:br>
-              <a:rPr lang="en-US" sz="1800">
-                <a:latin typeface="Courier New" charset="0"/>
-              </a:rPr>
-            </a:br>
-            <a:r>
-              <a:rPr lang="en-US" sz="1800">
-                <a:latin typeface="Courier New" charset="0"/>
-              </a:rPr>
-              <a:t>		// statements</a:t>
-            </a:r>
-            <a:br>
-              <a:rPr lang="en-US" sz="1800">
-                <a:latin typeface="Courier New" charset="0"/>
-              </a:rPr>
-            </a:br>
-            <a:r>
-              <a:rPr lang="en-US" sz="1800">
-                <a:latin typeface="Courier New" charset="0"/>
-              </a:rPr>
-              <a:t>	}</a:t>
-            </a:r>
-            <a:br>
-              <a:rPr lang="en-US" sz="1800">
-                <a:latin typeface="Courier New" charset="0"/>
-              </a:rPr>
-            </a:br>
-            <a:r>
-              <a:rPr lang="en-US" sz="1800">
-                <a:latin typeface="Courier New" charset="0"/>
-              </a:rPr>
-              <a:t>	else</a:t>
-            </a:r>
-            <a:br>
-              <a:rPr lang="en-US" sz="1800">
-                <a:latin typeface="Courier New" charset="0"/>
-              </a:rPr>
-            </a:br>
-            <a:r>
-              <a:rPr lang="en-US" sz="1800">
-                <a:latin typeface="Courier New" charset="0"/>
-              </a:rPr>
-              <a:t>	{</a:t>
-            </a:r>
-            <a:br>
-              <a:rPr lang="en-US" sz="1800">
-                <a:latin typeface="Courier New" charset="0"/>
-              </a:rPr>
-            </a:br>
-            <a:r>
-              <a:rPr lang="en-US" sz="1800">
-                <a:latin typeface="Courier New" charset="0"/>
-              </a:rPr>
-              <a:t>		disc = b*b-4*a*c;</a:t>
-            </a:r>
-            <a:br>
-              <a:rPr lang="en-US" sz="1800">
-                <a:latin typeface="Courier New" charset="0"/>
-              </a:rPr>
-            </a:br>
-            <a:r>
-              <a:rPr lang="en-US" sz="1800">
-                <a:latin typeface="Courier New" charset="0"/>
-              </a:rPr>
-              <a:t>		if (  disc &lt; 0 )</a:t>
-            </a:r>
-            <a:br>
-              <a:rPr lang="en-US" sz="1800">
-                <a:latin typeface="Courier New" charset="0"/>
-              </a:rPr>
-            </a:br>
-            <a:r>
-              <a:rPr lang="en-US" sz="1800">
-                <a:latin typeface="Courier New" charset="0"/>
-              </a:rPr>
-              <a:t>		{</a:t>
-            </a:r>
-            <a:br>
-              <a:rPr lang="en-US" sz="1800">
-                <a:latin typeface="Courier New" charset="0"/>
-              </a:rPr>
-            </a:br>
-            <a:r>
-              <a:rPr lang="en-US" sz="1800">
-                <a:latin typeface="Courier New" charset="0"/>
-              </a:rPr>
-              <a:t>			// statements</a:t>
-            </a:r>
-            <a:br>
-              <a:rPr lang="en-US" sz="1800">
-                <a:latin typeface="Courier New" charset="0"/>
-              </a:rPr>
-            </a:br>
-            <a:r>
-              <a:rPr lang="en-US" sz="1800">
-                <a:latin typeface="Courier New" charset="0"/>
-              </a:rPr>
-              <a:t>		}</a:t>
-            </a:r>
-            <a:br>
-              <a:rPr lang="en-US" sz="1800">
-                <a:latin typeface="Courier New" charset="0"/>
-              </a:rPr>
-            </a:br>
-            <a:r>
-              <a:rPr lang="en-US" sz="1800">
-                <a:latin typeface="Courier New" charset="0"/>
-              </a:rPr>
-              <a:t>		else</a:t>
-            </a:r>
-            <a:br>
-              <a:rPr lang="en-US" sz="1800">
-                <a:latin typeface="Courier New" charset="0"/>
-              </a:rPr>
-            </a:br>
-            <a:r>
-              <a:rPr lang="en-US" sz="1800">
-                <a:latin typeface="Courier New" charset="0"/>
-              </a:rPr>
-              <a:t>		{</a:t>
-            </a:r>
-            <a:br>
-              <a:rPr lang="en-US" sz="1800">
-                <a:latin typeface="Courier New" charset="0"/>
-              </a:rPr>
-            </a:br>
-            <a:r>
-              <a:rPr lang="en-US" sz="1800">
-                <a:latin typeface="Courier New" charset="0"/>
-              </a:rPr>
-              <a:t>			// statements</a:t>
-            </a:r>
-            <a:br>
-              <a:rPr lang="en-US" sz="1800">
-                <a:latin typeface="Courier New" charset="0"/>
-              </a:rPr>
-            </a:br>
-            <a:r>
-              <a:rPr lang="en-US" sz="1800">
-                <a:latin typeface="Courier New" charset="0"/>
-              </a:rPr>
-              <a:t>		}</a:t>
-            </a:r>
-            <a:br>
-              <a:rPr lang="en-US" sz="1800">
-                <a:latin typeface="Courier New" charset="0"/>
-              </a:rPr>
-            </a:br>
-            <a:r>
-              <a:rPr lang="en-US" sz="1800">
-                <a:latin typeface="Courier New" charset="0"/>
-              </a:rPr>
-              <a:t>	}</a:t>
+          </a:p>
+          <a:p>
+            <a:pPr lvl="1">
+              <a:buFont typeface="Wingdings" pitchFamily="2" charset="2"/>
+              <a:buNone/>
+              <a:defRPr/>
+            </a:pPr>
+            <a:r>
+              <a:rPr lang="en-US" dirty="0" smtClean="0">
+                <a:latin typeface="Courier New" pitchFamily="49" charset="0"/>
+                <a:cs typeface="Courier New" pitchFamily="49" charset="0"/>
+              </a:rPr>
+              <a:t>	y = -x;</a:t>
+            </a:r>
+          </a:p>
+          <a:p>
+            <a:pPr lvl="1">
+              <a:buFont typeface="Wingdings" pitchFamily="2" charset="2"/>
+              <a:buNone/>
+              <a:defRPr/>
+            </a:pPr>
+            <a:r>
+              <a:rPr lang="en-US" dirty="0" smtClean="0">
+                <a:latin typeface="Courier New" pitchFamily="49" charset="0"/>
+                <a:cs typeface="Courier New" pitchFamily="49" charset="0"/>
+              </a:rPr>
+              <a:t>	if ((x != 0) &amp;&amp; (y != -1))</a:t>
+            </a:r>
+          </a:p>
+          <a:p>
+            <a:pPr lvl="1">
+              <a:buFont typeface="Wingdings" pitchFamily="2" charset="2"/>
+              <a:buNone/>
+              <a:defRPr/>
+            </a:pPr>
+            <a:r>
+              <a:rPr lang="en-US" dirty="0" smtClean="0">
+                <a:latin typeface="Courier New" pitchFamily="49" charset="0"/>
+                <a:cs typeface="Courier New" pitchFamily="49" charset="0"/>
+              </a:rPr>
+              <a:t>		y = 0;</a:t>
+            </a:r>
+          </a:p>
+          <a:p>
+            <a:pPr lvl="1">
+              <a:buFont typeface="Wingdings" pitchFamily="2" charset="2"/>
+              <a:buNone/>
+              <a:defRPr/>
+            </a:pPr>
+            <a:r>
+              <a:rPr lang="en-US" dirty="0" smtClean="0">
+                <a:latin typeface="Courier New" pitchFamily="49" charset="0"/>
+                <a:cs typeface="Courier New" pitchFamily="49" charset="0"/>
+              </a:rPr>
+              <a:t>}</a:t>
+            </a:r>
+          </a:p>
+          <a:p>
+            <a:pPr lvl="1">
+              <a:buFont typeface="Wingdings" pitchFamily="2" charset="2"/>
+              <a:buNone/>
+              <a:defRPr/>
+            </a:pPr>
+            <a:endParaRPr lang="en-US" dirty="0" smtClean="0">
+              <a:latin typeface="Courier New" pitchFamily="49" charset="0"/>
+              <a:cs typeface="Courier New" pitchFamily="49" charset="0"/>
+            </a:endParaRPr>
+          </a:p>
+          <a:p>
+            <a:pPr lvl="1">
+              <a:buFont typeface="Wingdings" pitchFamily="2" charset="2"/>
+              <a:buNone/>
+              <a:defRPr/>
+            </a:pPr>
+            <a:r>
+              <a:rPr lang="es-ES" dirty="0" err="1" smtClean="0">
+                <a:latin typeface="Courier New" pitchFamily="49" charset="0"/>
+                <a:cs typeface="Courier New" pitchFamily="49" charset="0"/>
+              </a:rPr>
+              <a:t>printf</a:t>
+            </a:r>
+            <a:r>
+              <a:rPr lang="es-ES" dirty="0" smtClean="0">
+                <a:latin typeface="Courier New" pitchFamily="49" charset="0"/>
+                <a:cs typeface="Courier New" pitchFamily="49" charset="0"/>
+              </a:rPr>
+              <a:t>("x = %d, y = %d\n", x, y);</a:t>
+            </a:r>
+          </a:p>
+          <a:p>
+            <a:pPr lvl="1">
+              <a:buFont typeface="Wingdings" pitchFamily="2" charset="2"/>
+              <a:buNone/>
+              <a:defRPr/>
+            </a:pPr>
+            <a:r>
+              <a:rPr lang="en-US" dirty="0" smtClean="0">
+                <a:latin typeface="Courier New" pitchFamily="49" charset="0"/>
+                <a:cs typeface="Courier New" pitchFamily="49" charset="0"/>
+              </a:rPr>
+              <a:t>return 0;</a:t>
             </a:r>
           </a:p>
           <a:p>
             <a:pPr>
-              <a:spcBef>
-                <a:spcPct val="50000"/>
-              </a:spcBef>
+              <a:buFont typeface="Wingdings" pitchFamily="2" charset="2"/>
+              <a:buNone/>
+              <a:defRPr/>
             </a:pPr>
             <a:r>
-              <a:rPr lang="en-US" sz="1800">
-                <a:latin typeface="Courier New" charset="0"/>
+              <a:rPr lang="en-US" dirty="0" smtClean="0">
+                <a:latin typeface="Courier New" pitchFamily="49" charset="0"/>
+                <a:ea typeface="+mn-ea"/>
+                <a:cs typeface="Courier New" pitchFamily="49" charset="0"/>
               </a:rPr>
               <a:t>}</a:t>
             </a:r>
           </a:p>
-        </p:txBody>
-      </p:sp>
-      <p:sp>
-        <p:nvSpPr>
-          <p:cNvPr id="4" name="Date Placeholder 3"/>
+          <a:p>
+            <a:pPr lvl="1">
+              <a:buFont typeface="Wingdings" pitchFamily="2" charset="2"/>
+              <a:buNone/>
+              <a:defRPr/>
+            </a:pPr>
+            <a:r>
+              <a:rPr lang="en-US" dirty="0" smtClean="0"/>
+              <a:t>	</a:t>
+            </a:r>
+            <a:endParaRPr lang="en-US" dirty="0"/>
+          </a:p>
+        </p:txBody>
+      </p:sp>
+      <p:sp>
+        <p:nvSpPr>
+          <p:cNvPr id="3" name="Date Placeholder 2"/>
           <p:cNvSpPr>
             <a:spLocks noGrp="1"/>
           </p:cNvSpPr>
@@ -8045,12 +8234,12 @@
           </a:lstStyle>
           <a:p>
             <a:pPr eaLnBrk="1" hangingPunct="1"/>
-            <a:fld id="{855783F3-4B33-8547-AEC0-4A0F0E0C1EF7}" type="datetime1">
+            <a:fld id="{E080A176-1A44-E642-8A0A-ED99D30B86F2}" type="datetime1">
               <a:rPr lang="en-US">
                 <a:latin typeface="Garamond" charset="0"/>
               </a:rPr>
               <a:pPr eaLnBrk="1" hangingPunct="1"/>
-              <a:t>9/18/17</a:t>
+              <a:t>9/21/17</a:t>
             </a:fld>
             <a:endParaRPr lang="en-US">
               <a:latin typeface="Garamond" charset="0"/>
@@ -8060,6 +8249,31 @@
       </p:sp>
       <p:sp>
         <p:nvSpPr>
+          <p:cNvPr id="4" name="Footer Placeholder 3"/>
+          <p:cNvSpPr>
+            <a:spLocks noGrp="1"/>
+          </p:cNvSpPr>
+          <p:nvPr>
+            <p:ph type="ftr" sz="quarter" idx="11"/>
+          </p:nvPr>
+        </p:nvSpPr>
+        <p:spPr/>
+        <p:txBody>
+          <a:bodyPr/>
+          <a:lstStyle/>
+          <a:p>
+            <a:pPr>
+              <a:defRPr/>
+            </a:pPr>
+            <a:r>
+              <a:rPr lang="en-US" altLang="en-US"/>
+              <a:t>ECE Application Programming: Lecture 7</a:t>
+            </a:r>
+          </a:p>
+        </p:txBody>
+      </p:sp>
+      <p:sp>
+        <p:nvSpPr>
           <p:cNvPr id="5" name="Slide Number Placeholder 4"/>
           <p:cNvSpPr>
             <a:spLocks noGrp="1"/>
@@ -8189,7 +8403,7 @@
           </a:lstStyle>
           <a:p>
             <a:pPr eaLnBrk="1" hangingPunct="1"/>
-            <a:fld id="{CF7248EA-B196-7C47-93CF-1FA25E8F44A1}" type="slidenum">
+            <a:fld id="{204A14EC-9402-2944-911E-0A2AB516C2A8}" type="slidenum">
               <a:rPr lang="en-US">
                 <a:latin typeface="Garamond" charset="0"/>
               </a:rPr>
@@ -8199,31 +8413,6 @@
             <a:endParaRPr lang="en-US">
               <a:latin typeface="Garamond" charset="0"/>
             </a:endParaRPr>
-          </a:p>
-        </p:txBody>
-      </p:sp>
-      <p:sp>
-        <p:nvSpPr>
-          <p:cNvPr id="6" name="Footer Placeholder 5"/>
-          <p:cNvSpPr>
-            <a:spLocks noGrp="1"/>
-          </p:cNvSpPr>
-          <p:nvPr>
-            <p:ph type="ftr" sz="quarter" idx="11"/>
-          </p:nvPr>
-        </p:nvSpPr>
-        <p:spPr/>
-        <p:txBody>
-          <a:bodyPr/>
-          <a:lstStyle/>
-          <a:p>
-            <a:pPr>
-              <a:defRPr/>
-            </a:pPr>
-            <a:r>
-              <a:rPr lang="en-US" altLang="en-US"/>
-              <a:t>ECE Application Programming: Lecture 7</a:t>
-            </a:r>
           </a:p>
         </p:txBody>
       </p:sp>
@@ -8261,7 +8450,7 @@
       </p:grpSpPr>
       <p:sp>
         <p:nvSpPr>
-          <p:cNvPr id="15362" name="Title 1"/>
+          <p:cNvPr id="16386" name="Title 1"/>
           <p:cNvSpPr>
             <a:spLocks noGrp="1"/>
           </p:cNvSpPr>
@@ -8278,7 +8467,7 @@
               <a:rPr lang="en-US">
                 <a:latin typeface="Garamond" charset="0"/>
               </a:rPr>
-              <a:t>Example: if statements </a:t>
+              <a:t>Example solution</a:t>
             </a:r>
           </a:p>
         </p:txBody>
@@ -8299,29 +8488,6 @@
             <a:normAutofit fontScale="55000" lnSpcReduction="20000"/>
           </a:bodyPr>
           <a:lstStyle/>
-          <a:p>
-            <a:pPr>
-              <a:buFont typeface="Wingdings" pitchFamily="2" charset="2"/>
-              <a:buChar char="n"/>
-              <a:defRPr/>
-            </a:pPr>
-            <a:r>
-              <a:rPr lang="en-US" dirty="0" smtClean="0">
-                <a:ea typeface="+mn-ea"/>
-              </a:rPr>
-              <a:t>What does the following code print?</a:t>
-            </a:r>
-          </a:p>
-          <a:p>
-            <a:pPr>
-              <a:buFont typeface="Wingdings" pitchFamily="2" charset="2"/>
-              <a:buChar char="n"/>
-              <a:defRPr/>
-            </a:pPr>
-            <a:endParaRPr lang="en-US" dirty="0" smtClean="0">
-              <a:ea typeface="+mn-ea"/>
-            </a:endParaRPr>
-          </a:p>
           <a:p>
             <a:pPr>
               <a:buFont typeface="Wingdings" pitchFamily="2" charset="2"/>
@@ -8409,8 +8575,30 @@
                 <a:latin typeface="Courier New" pitchFamily="49" charset="0"/>
                 <a:cs typeface="Courier New" pitchFamily="49" charset="0"/>
               </a:rPr>
-              <a:t>if (x &gt; 2)</a:t>
-            </a:r>
+              <a:t>if (x &gt; 2)		</a:t>
+            </a:r>
+            <a:r>
+              <a:rPr lang="en-US" dirty="0" smtClean="0">
+                <a:latin typeface="Courier New" pitchFamily="49" charset="0"/>
+                <a:cs typeface="Courier New" pitchFamily="49" charset="0"/>
+                <a:sym typeface="Wingdings" pitchFamily="2" charset="2"/>
+              </a:rPr>
+              <a:t> </a:t>
+            </a:r>
+            <a:r>
+              <a:rPr lang="en-US" b="1" dirty="0" smtClean="0">
+                <a:solidFill>
+                  <a:srgbClr val="FF0000"/>
+                </a:solidFill>
+                <a:latin typeface="Courier New" pitchFamily="49" charset="0"/>
+                <a:cs typeface="Courier New" pitchFamily="49" charset="0"/>
+              </a:rPr>
+              <a:t>Condition is true, since 3 &gt; 2</a:t>
+            </a:r>
+            <a:endParaRPr lang="en-US" b="1" dirty="0" smtClean="0">
+              <a:latin typeface="Courier New" pitchFamily="49" charset="0"/>
+              <a:cs typeface="Courier New" pitchFamily="49" charset="0"/>
+            </a:endParaRPr>
           </a:p>
           <a:p>
             <a:pPr lvl="1">
@@ -8423,8 +8611,30 @@
                 <a:latin typeface="Courier New" pitchFamily="49" charset="0"/>
                 <a:cs typeface="Courier New" pitchFamily="49" charset="0"/>
               </a:rPr>
-              <a:t>	x = x - 2;</a:t>
-            </a:r>
+              <a:t>	x = x - 2;		</a:t>
+            </a:r>
+            <a:r>
+              <a:rPr lang="en-US" dirty="0" smtClean="0">
+                <a:latin typeface="Courier New" pitchFamily="49" charset="0"/>
+                <a:cs typeface="Courier New" pitchFamily="49" charset="0"/>
+                <a:sym typeface="Wingdings" pitchFamily="2" charset="2"/>
+              </a:rPr>
+              <a:t> </a:t>
+            </a:r>
+            <a:r>
+              <a:rPr lang="en-US" b="1" dirty="0" smtClean="0">
+                <a:solidFill>
+                  <a:srgbClr val="FF0000"/>
+                </a:solidFill>
+                <a:latin typeface="Courier New" pitchFamily="49" charset="0"/>
+                <a:cs typeface="Courier New" pitchFamily="49" charset="0"/>
+              </a:rPr>
+              <a:t>x set to 1</a:t>
+            </a:r>
+            <a:endParaRPr lang="en-US" b="1" dirty="0" smtClean="0">
+              <a:latin typeface="Courier New" pitchFamily="49" charset="0"/>
+              <a:cs typeface="Courier New" pitchFamily="49" charset="0"/>
+            </a:endParaRPr>
           </a:p>
           <a:p>
             <a:pPr lvl="1">
@@ -8476,8 +8686,30 @@
                 <a:latin typeface="Courier New" pitchFamily="49" charset="0"/>
                 <a:cs typeface="Courier New" pitchFamily="49" charset="0"/>
               </a:rPr>
-              <a:t>if ((y % 2) == 1) </a:t>
-            </a:r>
+              <a:t>if ((y % 2) == 1) 	</a:t>
+            </a:r>
+            <a:r>
+              <a:rPr lang="en-US" dirty="0" smtClean="0">
+                <a:latin typeface="Courier New" pitchFamily="49" charset="0"/>
+                <a:cs typeface="Courier New" pitchFamily="49" charset="0"/>
+                <a:sym typeface="Wingdings" pitchFamily="2" charset="2"/>
+              </a:rPr>
+              <a:t> </a:t>
+            </a:r>
+            <a:r>
+              <a:rPr lang="en-US" b="1" dirty="0" smtClean="0">
+                <a:solidFill>
+                  <a:srgbClr val="FF0000"/>
+                </a:solidFill>
+                <a:latin typeface="Courier New" pitchFamily="49" charset="0"/>
+                <a:cs typeface="Courier New" pitchFamily="49" charset="0"/>
+              </a:rPr>
+              <a:t>Tests if y is an odd number--true condition</a:t>
+            </a:r>
+            <a:endParaRPr lang="en-US" dirty="0" smtClean="0">
+              <a:latin typeface="Courier New" pitchFamily="49" charset="0"/>
+              <a:cs typeface="Courier New" pitchFamily="49" charset="0"/>
+            </a:endParaRPr>
           </a:p>
           <a:p>
             <a:pPr lvl="1">
@@ -8504,8 +8736,30 @@
                 <a:latin typeface="Courier New" pitchFamily="49" charset="0"/>
                 <a:cs typeface="Courier New" pitchFamily="49" charset="0"/>
               </a:rPr>
-              <a:t>	y = -x;</a:t>
-            </a:r>
+              <a:t>	y = -x;			</a:t>
+            </a:r>
+            <a:r>
+              <a:rPr lang="en-US" dirty="0" smtClean="0">
+                <a:latin typeface="Courier New" pitchFamily="49" charset="0"/>
+                <a:cs typeface="Courier New" pitchFamily="49" charset="0"/>
+                <a:sym typeface="Wingdings" pitchFamily="2" charset="2"/>
+              </a:rPr>
+              <a:t> </a:t>
+            </a:r>
+            <a:r>
+              <a:rPr lang="en-US" b="1" dirty="0" smtClean="0">
+                <a:solidFill>
+                  <a:srgbClr val="FF0000"/>
+                </a:solidFill>
+                <a:latin typeface="Courier New" pitchFamily="49" charset="0"/>
+                <a:cs typeface="Courier New" pitchFamily="49" charset="0"/>
+              </a:rPr>
+              <a:t>y set to -1</a:t>
+            </a:r>
+            <a:endParaRPr lang="en-US" dirty="0" smtClean="0">
+              <a:latin typeface="Courier New" pitchFamily="49" charset="0"/>
+              <a:cs typeface="Courier New" pitchFamily="49" charset="0"/>
+            </a:endParaRPr>
           </a:p>
           <a:p>
             <a:pPr lvl="1">
@@ -8518,8 +8772,47 @@
                 <a:latin typeface="Courier New" pitchFamily="49" charset="0"/>
                 <a:cs typeface="Courier New" pitchFamily="49" charset="0"/>
               </a:rPr>
-              <a:t>	if ((x != 0) &amp;&amp; (y != -1))</a:t>
-            </a:r>
+              <a:t>	if ((x != 0) &amp;&amp; (y != -1))	</a:t>
+            </a:r>
+            <a:r>
+              <a:rPr lang="en-US" dirty="0" smtClean="0">
+                <a:latin typeface="Courier New" pitchFamily="49" charset="0"/>
+                <a:cs typeface="Courier New" pitchFamily="49" charset="0"/>
+                <a:sym typeface="Wingdings" pitchFamily="2" charset="2"/>
+              </a:rPr>
+              <a:t> </a:t>
+            </a:r>
+            <a:r>
+              <a:rPr lang="en-US" b="1" dirty="0" smtClean="0">
+                <a:solidFill>
+                  <a:srgbClr val="FF0000"/>
+                </a:solidFill>
+                <a:latin typeface="Courier New" pitchFamily="49" charset="0"/>
+                <a:cs typeface="Courier New" pitchFamily="49" charset="0"/>
+              </a:rPr>
+              <a:t>First part of condition is true,</a:t>
+            </a:r>
+          </a:p>
+          <a:p>
+            <a:pPr lvl="1">
+              <a:buFont typeface="Wingdings" pitchFamily="2" charset="2"/>
+              <a:buNone/>
+              <a:defRPr/>
+            </a:pPr>
+            <a:r>
+              <a:rPr lang="en-US" b="1" dirty="0" smtClean="0">
+                <a:solidFill>
+                  <a:srgbClr val="FF0000"/>
+                </a:solidFill>
+                <a:latin typeface="Courier New" pitchFamily="49" charset="0"/>
+                <a:cs typeface="Courier New" pitchFamily="49" charset="0"/>
+              </a:rPr>
+              <a:t>					   second part is false--overall false</a:t>
+            </a:r>
+            <a:endParaRPr lang="en-US" dirty="0" smtClean="0">
+              <a:latin typeface="Courier New" pitchFamily="49" charset="0"/>
+              <a:cs typeface="Courier New" pitchFamily="49" charset="0"/>
+            </a:endParaRPr>
           </a:p>
           <a:p>
             <a:pPr lvl="1">
@@ -8578,8 +8871,42 @@
                 <a:latin typeface="Courier New" pitchFamily="49" charset="0"/>
                 <a:cs typeface="Courier New" pitchFamily="49" charset="0"/>
               </a:rPr>
-              <a:t>("x = %d, y = %d\n", x, y);</a:t>
-            </a:r>
+              <a:t>("x = %d, y = %d\n", x, y);  </a:t>
+            </a:r>
+            <a:r>
+              <a:rPr lang="es-ES" dirty="0" smtClean="0">
+                <a:latin typeface="Courier New" pitchFamily="49" charset="0"/>
+                <a:cs typeface="Courier New" pitchFamily="49" charset="0"/>
+                <a:sym typeface="Wingdings" pitchFamily="2" charset="2"/>
+              </a:rPr>
+              <a:t> </a:t>
+            </a:r>
+            <a:r>
+              <a:rPr lang="es-ES" b="1" dirty="0" err="1" smtClean="0">
+                <a:solidFill>
+                  <a:srgbClr val="FF0000"/>
+                </a:solidFill>
+                <a:latin typeface="Courier New" pitchFamily="49" charset="0"/>
+                <a:cs typeface="Courier New" pitchFamily="49" charset="0"/>
+                <a:sym typeface="Wingdings" pitchFamily="2" charset="2"/>
+              </a:rPr>
+              <a:t>Prints</a:t>
+            </a:r>
+            <a:r>
+              <a:rPr lang="es-ES" b="1" dirty="0" smtClean="0">
+                <a:solidFill>
+                  <a:srgbClr val="FF0000"/>
+                </a:solidFill>
+                <a:latin typeface="Courier New" pitchFamily="49" charset="0"/>
+                <a:cs typeface="Courier New" pitchFamily="49" charset="0"/>
+                <a:sym typeface="Wingdings" pitchFamily="2" charset="2"/>
+              </a:rPr>
+              <a:t>: x = 1, y = -1</a:t>
+            </a:r>
+            <a:endParaRPr lang="es-ES" dirty="0" smtClean="0">
+              <a:latin typeface="Courier New" pitchFamily="49" charset="0"/>
+              <a:cs typeface="Courier New" pitchFamily="49" charset="0"/>
+            </a:endParaRPr>
           </a:p>
           <a:p>
             <a:pPr lvl="1">
@@ -8755,12 +9082,12 @@
           </a:lstStyle>
           <a:p>
             <a:pPr eaLnBrk="1" hangingPunct="1"/>
-            <a:fld id="{E080A176-1A44-E642-8A0A-ED99D30B86F2}" type="datetime1">
+            <a:fld id="{7ABBD831-81B9-694D-8B91-EE18CA912C1E}" type="datetime1">
               <a:rPr lang="en-US">
                 <a:latin typeface="Garamond" charset="0"/>
               </a:rPr>
               <a:pPr eaLnBrk="1" hangingPunct="1"/>
-              <a:t>9/18/17</a:t>
+              <a:t>9/21/17</a:t>
             </a:fld>
             <a:endParaRPr lang="en-US">
               <a:latin typeface="Garamond" charset="0"/>
@@ -8924,7 +9251,7 @@
           </a:lstStyle>
           <a:p>
             <a:pPr eaLnBrk="1" hangingPunct="1"/>
-            <a:fld id="{204A14EC-9402-2944-911E-0A2AB516C2A8}" type="slidenum">
+            <a:fld id="{EDAD4E12-6A1E-8448-A737-D0BFF7821C6F}" type="slidenum">
               <a:rPr lang="en-US">
                 <a:latin typeface="Garamond" charset="0"/>
               </a:rPr>
@@ -8971,7 +9298,7 @@
       </p:grpSpPr>
       <p:sp>
         <p:nvSpPr>
-          <p:cNvPr id="16386" name="Title 1"/>
+          <p:cNvPr id="17410" name="Title 1"/>
           <p:cNvSpPr>
             <a:spLocks noGrp="1"/>
           </p:cNvSpPr>
@@ -8988,14 +9315,14 @@
               <a:rPr lang="en-US">
                 <a:latin typeface="Garamond" charset="0"/>
               </a:rPr>
-              <a:t>Example solution</a:t>
-            </a:r>
-          </a:p>
-        </p:txBody>
-      </p:sp>
-      <p:sp>
-        <p:nvSpPr>
-          <p:cNvPr id="6" name="Content Placeholder 5"/>
+              <a:t>Final notes</a:t>
+            </a:r>
+          </a:p>
+        </p:txBody>
+      </p:sp>
+      <p:sp>
+        <p:nvSpPr>
+          <p:cNvPr id="17411" name="Content Placeholder 2"/>
           <p:cNvSpPr>
             <a:spLocks noGrp="1"/>
           </p:cNvSpPr>
@@ -9006,902 +9333,76 @@
         <p:spPr/>
         <p:txBody>
           <a:bodyPr>
-            <a:normAutofit fontScale="55000" lnSpcReduction="20000"/>
+            <a:normAutofit fontScale="92500" lnSpcReduction="10000"/>
           </a:bodyPr>
           <a:lstStyle/>
           <a:p>
-            <a:pPr>
-              <a:buFont typeface="Wingdings" pitchFamily="2" charset="2"/>
-              <a:buNone/>
-              <a:defRPr/>
-            </a:pPr>
-            <a:r>
-              <a:rPr lang="en-US" dirty="0" err="1" smtClean="0">
-                <a:latin typeface="Courier New" pitchFamily="49" charset="0"/>
-                <a:ea typeface="+mn-ea"/>
-                <a:cs typeface="Courier New" pitchFamily="49" charset="0"/>
-              </a:rPr>
-              <a:t>int</a:t>
-            </a:r>
+            <a:r>
+              <a:rPr lang="en-US" dirty="0">
+                <a:latin typeface="Arial" charset="0"/>
+              </a:rPr>
+              <a:t>Next time</a:t>
+            </a:r>
+          </a:p>
+          <a:p>
+            <a:pPr lvl="1"/>
             <a:r>
               <a:rPr lang="en-US" dirty="0" smtClean="0">
-                <a:latin typeface="Courier New" pitchFamily="49" charset="0"/>
-                <a:ea typeface="+mn-ea"/>
-                <a:cs typeface="Courier New" pitchFamily="49" charset="0"/>
-              </a:rPr>
-              <a:t> main() {</a:t>
-            </a:r>
-          </a:p>
-          <a:p>
-            <a:pPr lvl="1">
-              <a:buFont typeface="Wingdings" pitchFamily="2" charset="2"/>
-              <a:buNone/>
-              <a:defRPr/>
-            </a:pPr>
-            <a:r>
-              <a:rPr lang="en-US" dirty="0" err="1" smtClean="0">
-                <a:latin typeface="Courier New" pitchFamily="49" charset="0"/>
-                <a:cs typeface="Courier New" pitchFamily="49" charset="0"/>
-              </a:rPr>
-              <a:t>int</a:t>
-            </a:r>
+                <a:latin typeface="Arial" charset="0"/>
+              </a:rPr>
+              <a:t>Range checking with if statements</a:t>
+            </a:r>
+          </a:p>
+          <a:p>
+            <a:pPr lvl="1"/>
             <a:r>
               <a:rPr lang="en-US" dirty="0" smtClean="0">
-                <a:latin typeface="Courier New" pitchFamily="49" charset="0"/>
-                <a:cs typeface="Courier New" pitchFamily="49" charset="0"/>
-              </a:rPr>
-              <a:t> x = 3;</a:t>
-            </a:r>
-          </a:p>
-          <a:p>
-            <a:pPr lvl="1">
-              <a:buFont typeface="Wingdings" pitchFamily="2" charset="2"/>
-              <a:buNone/>
-              <a:defRPr/>
-            </a:pPr>
-            <a:r>
-              <a:rPr lang="en-US" dirty="0" err="1" smtClean="0">
-                <a:latin typeface="Courier New" pitchFamily="49" charset="0"/>
-                <a:cs typeface="Courier New" pitchFamily="49" charset="0"/>
-              </a:rPr>
-              <a:t>int</a:t>
-            </a:r>
-            <a:r>
-              <a:rPr lang="en-US" dirty="0" smtClean="0">
-                <a:latin typeface="Courier New" pitchFamily="49" charset="0"/>
-                <a:cs typeface="Courier New" pitchFamily="49" charset="0"/>
-              </a:rPr>
-              <a:t> y = 7;</a:t>
-            </a:r>
-          </a:p>
-          <a:p>
-            <a:pPr lvl="1">
-              <a:buFont typeface="Wingdings" pitchFamily="2" charset="2"/>
-              <a:buNone/>
-              <a:defRPr/>
-            </a:pPr>
-            <a:endParaRPr lang="en-US" dirty="0" smtClean="0">
-              <a:latin typeface="Courier New" pitchFamily="49" charset="0"/>
-              <a:cs typeface="Courier New" pitchFamily="49" charset="0"/>
-            </a:endParaRPr>
-          </a:p>
-          <a:p>
-            <a:pPr lvl="1">
-              <a:buFont typeface="Wingdings" pitchFamily="2" charset="2"/>
-              <a:buNone/>
-              <a:defRPr/>
-            </a:pPr>
-            <a:r>
-              <a:rPr lang="en-US" dirty="0" smtClean="0">
-                <a:latin typeface="Courier New" pitchFamily="49" charset="0"/>
-                <a:cs typeface="Courier New" pitchFamily="49" charset="0"/>
-              </a:rPr>
-              <a:t>if (x &gt; 2)		</a:t>
-            </a:r>
-            <a:r>
-              <a:rPr lang="en-US" dirty="0" smtClean="0">
-                <a:latin typeface="Courier New" pitchFamily="49" charset="0"/>
-                <a:cs typeface="Courier New" pitchFamily="49" charset="0"/>
-                <a:sym typeface="Wingdings" pitchFamily="2" charset="2"/>
-              </a:rPr>
-              <a:t> </a:t>
-            </a:r>
-            <a:r>
-              <a:rPr lang="en-US" b="1" dirty="0" smtClean="0">
-                <a:solidFill>
-                  <a:srgbClr val="FF0000"/>
-                </a:solidFill>
-                <a:latin typeface="Courier New" pitchFamily="49" charset="0"/>
-                <a:cs typeface="Courier New" pitchFamily="49" charset="0"/>
-              </a:rPr>
-              <a:t>Condition is true, since 3 &gt; 2</a:t>
-            </a:r>
-            <a:endParaRPr lang="en-US" b="1" dirty="0" smtClean="0">
-              <a:latin typeface="Courier New" pitchFamily="49" charset="0"/>
-              <a:cs typeface="Courier New" pitchFamily="49" charset="0"/>
-            </a:endParaRPr>
-          </a:p>
-          <a:p>
-            <a:pPr lvl="1">
-              <a:buFont typeface="Wingdings" pitchFamily="2" charset="2"/>
-              <a:buNone/>
-              <a:defRPr/>
-            </a:pPr>
-            <a:r>
-              <a:rPr lang="en-US" dirty="0" smtClean="0">
-                <a:latin typeface="Courier New" pitchFamily="49" charset="0"/>
-                <a:cs typeface="Courier New" pitchFamily="49" charset="0"/>
-              </a:rPr>
-              <a:t>	x = x - 2;		</a:t>
-            </a:r>
-            <a:r>
-              <a:rPr lang="en-US" dirty="0" smtClean="0">
-                <a:latin typeface="Courier New" pitchFamily="49" charset="0"/>
-                <a:cs typeface="Courier New" pitchFamily="49" charset="0"/>
-                <a:sym typeface="Wingdings" pitchFamily="2" charset="2"/>
-              </a:rPr>
-              <a:t> </a:t>
-            </a:r>
-            <a:r>
-              <a:rPr lang="en-US" b="1" dirty="0" smtClean="0">
-                <a:solidFill>
-                  <a:srgbClr val="FF0000"/>
-                </a:solidFill>
-                <a:latin typeface="Courier New" pitchFamily="49" charset="0"/>
-                <a:cs typeface="Courier New" pitchFamily="49" charset="0"/>
-              </a:rPr>
-              <a:t>x set to 1</a:t>
-            </a:r>
-            <a:endParaRPr lang="en-US" b="1" dirty="0" smtClean="0">
-              <a:latin typeface="Courier New" pitchFamily="49" charset="0"/>
-              <a:cs typeface="Courier New" pitchFamily="49" charset="0"/>
-            </a:endParaRPr>
-          </a:p>
-          <a:p>
-            <a:pPr lvl="1">
-              <a:buFont typeface="Wingdings" pitchFamily="2" charset="2"/>
-              <a:buNone/>
-              <a:defRPr/>
-            </a:pPr>
-            <a:r>
-              <a:rPr lang="en-US" dirty="0" smtClean="0">
-                <a:latin typeface="Courier New" pitchFamily="49" charset="0"/>
-                <a:cs typeface="Courier New" pitchFamily="49" charset="0"/>
-              </a:rPr>
-              <a:t>else</a:t>
-            </a:r>
-          </a:p>
-          <a:p>
-            <a:pPr lvl="1">
-              <a:buFont typeface="Wingdings" pitchFamily="2" charset="2"/>
-              <a:buNone/>
-              <a:defRPr/>
-            </a:pPr>
-            <a:r>
-              <a:rPr lang="en-US" dirty="0" smtClean="0">
-                <a:latin typeface="Courier New" pitchFamily="49" charset="0"/>
-                <a:cs typeface="Courier New" pitchFamily="49" charset="0"/>
-              </a:rPr>
-              <a:t>	x = x + 2;</a:t>
-            </a:r>
-          </a:p>
-          <a:p>
-            <a:pPr lvl="1">
-              <a:buFont typeface="Wingdings" pitchFamily="2" charset="2"/>
-              <a:buNone/>
-              <a:defRPr/>
-            </a:pPr>
-            <a:endParaRPr lang="en-US" dirty="0" smtClean="0">
-              <a:latin typeface="Courier New" pitchFamily="49" charset="0"/>
-              <a:cs typeface="Courier New" pitchFamily="49" charset="0"/>
-            </a:endParaRPr>
-          </a:p>
-          <a:p>
-            <a:pPr lvl="1">
-              <a:buFont typeface="Wingdings" pitchFamily="2" charset="2"/>
-              <a:buNone/>
-              <a:defRPr/>
-            </a:pPr>
-            <a:r>
-              <a:rPr lang="en-US" dirty="0" smtClean="0">
-                <a:latin typeface="Courier New" pitchFamily="49" charset="0"/>
-                <a:cs typeface="Courier New" pitchFamily="49" charset="0"/>
-              </a:rPr>
-              <a:t>if ((y % 2) == 1) 	</a:t>
-            </a:r>
-            <a:r>
-              <a:rPr lang="en-US" dirty="0" smtClean="0">
-                <a:latin typeface="Courier New" pitchFamily="49" charset="0"/>
-                <a:cs typeface="Courier New" pitchFamily="49" charset="0"/>
-                <a:sym typeface="Wingdings" pitchFamily="2" charset="2"/>
-              </a:rPr>
-              <a:t> </a:t>
-            </a:r>
-            <a:r>
-              <a:rPr lang="en-US" b="1" dirty="0" smtClean="0">
-                <a:solidFill>
-                  <a:srgbClr val="FF0000"/>
-                </a:solidFill>
-                <a:latin typeface="Courier New" pitchFamily="49" charset="0"/>
-                <a:cs typeface="Courier New" pitchFamily="49" charset="0"/>
-              </a:rPr>
-              <a:t>Tests if y is an odd number--true condition</a:t>
-            </a:r>
-            <a:endParaRPr lang="en-US" dirty="0" smtClean="0">
-              <a:latin typeface="Courier New" pitchFamily="49" charset="0"/>
-              <a:cs typeface="Courier New" pitchFamily="49" charset="0"/>
-            </a:endParaRPr>
-          </a:p>
-          <a:p>
-            <a:pPr lvl="1">
-              <a:buFont typeface="Wingdings" pitchFamily="2" charset="2"/>
-              <a:buNone/>
-              <a:defRPr/>
-            </a:pPr>
-            <a:r>
-              <a:rPr lang="en-US" dirty="0" smtClean="0">
-                <a:latin typeface="Courier New" pitchFamily="49" charset="0"/>
-                <a:cs typeface="Courier New" pitchFamily="49" charset="0"/>
-              </a:rPr>
-              <a:t>{</a:t>
-            </a:r>
-          </a:p>
-          <a:p>
-            <a:pPr lvl="1">
-              <a:buFont typeface="Wingdings" pitchFamily="2" charset="2"/>
-              <a:buNone/>
-              <a:defRPr/>
-            </a:pPr>
-            <a:r>
-              <a:rPr lang="en-US" dirty="0" smtClean="0">
-                <a:latin typeface="Courier New" pitchFamily="49" charset="0"/>
-                <a:cs typeface="Courier New" pitchFamily="49" charset="0"/>
-              </a:rPr>
-              <a:t>	y = -x;			</a:t>
-            </a:r>
-            <a:r>
-              <a:rPr lang="en-US" dirty="0" smtClean="0">
-                <a:latin typeface="Courier New" pitchFamily="49" charset="0"/>
-                <a:cs typeface="Courier New" pitchFamily="49" charset="0"/>
-                <a:sym typeface="Wingdings" pitchFamily="2" charset="2"/>
-              </a:rPr>
-              <a:t> </a:t>
-            </a:r>
-            <a:r>
-              <a:rPr lang="en-US" b="1" dirty="0" smtClean="0">
-                <a:solidFill>
-                  <a:srgbClr val="FF0000"/>
-                </a:solidFill>
-                <a:latin typeface="Courier New" pitchFamily="49" charset="0"/>
-                <a:cs typeface="Courier New" pitchFamily="49" charset="0"/>
-              </a:rPr>
-              <a:t>y set to -1</a:t>
-            </a:r>
-            <a:endParaRPr lang="en-US" dirty="0" smtClean="0">
-              <a:latin typeface="Courier New" pitchFamily="49" charset="0"/>
-              <a:cs typeface="Courier New" pitchFamily="49" charset="0"/>
-            </a:endParaRPr>
-          </a:p>
-          <a:p>
-            <a:pPr lvl="1">
-              <a:buFont typeface="Wingdings" pitchFamily="2" charset="2"/>
-              <a:buNone/>
-              <a:defRPr/>
-            </a:pPr>
-            <a:r>
-              <a:rPr lang="en-US" dirty="0" smtClean="0">
-                <a:latin typeface="Courier New" pitchFamily="49" charset="0"/>
-                <a:cs typeface="Courier New" pitchFamily="49" charset="0"/>
-              </a:rPr>
-              <a:t>	if ((x != 0) &amp;&amp; (y != -1))	</a:t>
-            </a:r>
-            <a:r>
-              <a:rPr lang="en-US" dirty="0" smtClean="0">
-                <a:latin typeface="Courier New" pitchFamily="49" charset="0"/>
-                <a:cs typeface="Courier New" pitchFamily="49" charset="0"/>
-                <a:sym typeface="Wingdings" pitchFamily="2" charset="2"/>
-              </a:rPr>
-              <a:t> </a:t>
-            </a:r>
-            <a:r>
-              <a:rPr lang="en-US" b="1" dirty="0" smtClean="0">
-                <a:solidFill>
-                  <a:srgbClr val="FF0000"/>
-                </a:solidFill>
-                <a:latin typeface="Courier New" pitchFamily="49" charset="0"/>
-                <a:cs typeface="Courier New" pitchFamily="49" charset="0"/>
-              </a:rPr>
-              <a:t>First part of condition is true,</a:t>
-            </a:r>
-          </a:p>
-          <a:p>
-            <a:pPr lvl="1">
-              <a:buFont typeface="Wingdings" pitchFamily="2" charset="2"/>
-              <a:buNone/>
-              <a:defRPr/>
-            </a:pPr>
-            <a:r>
-              <a:rPr lang="en-US" b="1" dirty="0" smtClean="0">
-                <a:solidFill>
-                  <a:srgbClr val="FF0000"/>
-                </a:solidFill>
-                <a:latin typeface="Courier New" pitchFamily="49" charset="0"/>
-                <a:cs typeface="Courier New" pitchFamily="49" charset="0"/>
-              </a:rPr>
-              <a:t>					   second part is false--overall false</a:t>
-            </a:r>
-            <a:endParaRPr lang="en-US" dirty="0" smtClean="0">
-              <a:latin typeface="Courier New" pitchFamily="49" charset="0"/>
-              <a:cs typeface="Courier New" pitchFamily="49" charset="0"/>
-            </a:endParaRPr>
-          </a:p>
-          <a:p>
-            <a:pPr lvl="1">
-              <a:buFont typeface="Wingdings" pitchFamily="2" charset="2"/>
-              <a:buNone/>
-              <a:defRPr/>
-            </a:pPr>
-            <a:r>
-              <a:rPr lang="en-US" dirty="0" smtClean="0">
-                <a:latin typeface="Courier New" pitchFamily="49" charset="0"/>
-                <a:cs typeface="Courier New" pitchFamily="49" charset="0"/>
-              </a:rPr>
-              <a:t>		y = 0;</a:t>
-            </a:r>
-          </a:p>
-          <a:p>
-            <a:pPr lvl="1">
-              <a:buFont typeface="Wingdings" pitchFamily="2" charset="2"/>
-              <a:buNone/>
-              <a:defRPr/>
-            </a:pPr>
-            <a:r>
-              <a:rPr lang="en-US" dirty="0" smtClean="0">
-                <a:latin typeface="Courier New" pitchFamily="49" charset="0"/>
-                <a:cs typeface="Courier New" pitchFamily="49" charset="0"/>
-              </a:rPr>
-              <a:t>}</a:t>
-            </a:r>
-          </a:p>
-          <a:p>
-            <a:pPr lvl="1">
-              <a:buFont typeface="Wingdings" pitchFamily="2" charset="2"/>
-              <a:buNone/>
-              <a:defRPr/>
-            </a:pPr>
-            <a:endParaRPr lang="en-US" dirty="0" smtClean="0">
-              <a:latin typeface="Courier New" pitchFamily="49" charset="0"/>
-              <a:cs typeface="Courier New" pitchFamily="49" charset="0"/>
-            </a:endParaRPr>
-          </a:p>
-          <a:p>
-            <a:pPr lvl="1">
-              <a:buFont typeface="Wingdings" pitchFamily="2" charset="2"/>
-              <a:buNone/>
-              <a:defRPr/>
-            </a:pPr>
-            <a:r>
-              <a:rPr lang="es-ES" dirty="0" err="1" smtClean="0">
-                <a:latin typeface="Courier New" pitchFamily="49" charset="0"/>
-                <a:cs typeface="Courier New" pitchFamily="49" charset="0"/>
-              </a:rPr>
-              <a:t>printf</a:t>
-            </a:r>
-            <a:r>
-              <a:rPr lang="es-ES" dirty="0" smtClean="0">
-                <a:latin typeface="Courier New" pitchFamily="49" charset="0"/>
-                <a:cs typeface="Courier New" pitchFamily="49" charset="0"/>
-              </a:rPr>
-              <a:t>("x = %d, y = %d\n", x, y);  </a:t>
-            </a:r>
-            <a:r>
-              <a:rPr lang="es-ES" dirty="0" smtClean="0">
-                <a:latin typeface="Courier New" pitchFamily="49" charset="0"/>
-                <a:cs typeface="Courier New" pitchFamily="49" charset="0"/>
-                <a:sym typeface="Wingdings" pitchFamily="2" charset="2"/>
-              </a:rPr>
-              <a:t> </a:t>
-            </a:r>
-            <a:r>
-              <a:rPr lang="es-ES" b="1" dirty="0" err="1" smtClean="0">
-                <a:solidFill>
-                  <a:srgbClr val="FF0000"/>
-                </a:solidFill>
-                <a:latin typeface="Courier New" pitchFamily="49" charset="0"/>
-                <a:cs typeface="Courier New" pitchFamily="49" charset="0"/>
-                <a:sym typeface="Wingdings" pitchFamily="2" charset="2"/>
-              </a:rPr>
-              <a:t>Prints</a:t>
-            </a:r>
-            <a:r>
-              <a:rPr lang="es-ES" b="1" dirty="0" smtClean="0">
-                <a:solidFill>
-                  <a:srgbClr val="FF0000"/>
-                </a:solidFill>
-                <a:latin typeface="Courier New" pitchFamily="49" charset="0"/>
-                <a:cs typeface="Courier New" pitchFamily="49" charset="0"/>
-                <a:sym typeface="Wingdings" pitchFamily="2" charset="2"/>
-              </a:rPr>
-              <a:t>: x = 1, y = -1</a:t>
-            </a:r>
-            <a:endParaRPr lang="es-ES" dirty="0" smtClean="0">
-              <a:latin typeface="Courier New" pitchFamily="49" charset="0"/>
-              <a:cs typeface="Courier New" pitchFamily="49" charset="0"/>
-            </a:endParaRPr>
-          </a:p>
-          <a:p>
-            <a:pPr lvl="1">
-              <a:buFont typeface="Wingdings" pitchFamily="2" charset="2"/>
-              <a:buNone/>
-              <a:defRPr/>
-            </a:pPr>
-            <a:r>
-              <a:rPr lang="en-US" dirty="0" smtClean="0">
-                <a:latin typeface="Courier New" pitchFamily="49" charset="0"/>
-                <a:cs typeface="Courier New" pitchFamily="49" charset="0"/>
-              </a:rPr>
-              <a:t>return 0;</a:t>
-            </a:r>
-          </a:p>
-          <a:p>
-            <a:pPr>
-              <a:buFont typeface="Wingdings" pitchFamily="2" charset="2"/>
-              <a:buNone/>
-              <a:defRPr/>
-            </a:pPr>
-            <a:r>
-              <a:rPr lang="en-US" dirty="0" smtClean="0">
-                <a:latin typeface="Courier New" pitchFamily="49" charset="0"/>
-                <a:ea typeface="+mn-ea"/>
-                <a:cs typeface="Courier New" pitchFamily="49" charset="0"/>
-              </a:rPr>
-              <a:t>}</a:t>
-            </a:r>
-          </a:p>
-          <a:p>
-            <a:pPr lvl="1">
-              <a:buFont typeface="Wingdings" pitchFamily="2" charset="2"/>
-              <a:buNone/>
-              <a:defRPr/>
-            </a:pPr>
+                <a:latin typeface="Arial" charset="0"/>
+              </a:rPr>
+              <a:t>Switch </a:t>
+            </a:r>
+            <a:r>
+              <a:rPr lang="en-US" dirty="0">
+                <a:latin typeface="Arial" charset="0"/>
+              </a:rPr>
+              <a:t>statements</a:t>
+            </a:r>
+          </a:p>
+          <a:p>
+            <a:r>
+              <a:rPr lang="en-US" dirty="0">
+                <a:latin typeface="Arial" charset="0"/>
+              </a:rPr>
+              <a:t>Reminders:</a:t>
+            </a:r>
+          </a:p>
+          <a:p>
+            <a:pPr lvl="1"/>
+            <a:r>
+              <a:rPr lang="en-US" dirty="0"/>
+              <a:t>Program 2 due </a:t>
+            </a:r>
             <a:r>
               <a:rPr lang="en-US" dirty="0" smtClean="0"/>
-              <a:t>	</a:t>
-            </a:r>
-            <a:endParaRPr lang="en-US" dirty="0"/>
-          </a:p>
-        </p:txBody>
-      </p:sp>
-      <p:sp>
-        <p:nvSpPr>
-          <p:cNvPr id="3" name="Date Placeholder 2"/>
-          <p:cNvSpPr>
-            <a:spLocks noGrp="1"/>
-          </p:cNvSpPr>
-          <p:nvPr>
-            <p:ph type="dt" sz="quarter" idx="10"/>
-          </p:nvPr>
-        </p:nvSpPr>
-        <p:spPr/>
-        <p:txBody>
-          <a:bodyPr/>
-          <a:lstStyle>
-            <a:lvl1pPr eaLnBrk="0" hangingPunct="0">
-              <a:defRPr>
-                <a:solidFill>
-                  <a:schemeClr val="tx1"/>
-                </a:solidFill>
-                <a:latin typeface="Arial" charset="0"/>
-                <a:ea typeface="ＭＳ Ｐゴシック" charset="0"/>
-                <a:cs typeface="Arial" charset="0"/>
-              </a:defRPr>
-            </a:lvl1pPr>
-            <a:lvl2pPr marL="742950" indent="-285750" eaLnBrk="0" hangingPunct="0">
-              <a:defRPr>
-                <a:solidFill>
-                  <a:schemeClr val="tx1"/>
-                </a:solidFill>
-                <a:latin typeface="Arial" charset="0"/>
-                <a:ea typeface="Arial" charset="0"/>
-                <a:cs typeface="Arial" charset="0"/>
-              </a:defRPr>
-            </a:lvl2pPr>
-            <a:lvl3pPr marL="1143000" indent="-228600" eaLnBrk="0" hangingPunct="0">
-              <a:defRPr>
-                <a:solidFill>
-                  <a:schemeClr val="tx1"/>
-                </a:solidFill>
-                <a:latin typeface="Arial" charset="0"/>
-                <a:ea typeface="Arial" charset="0"/>
-                <a:cs typeface="Arial" charset="0"/>
-              </a:defRPr>
-            </a:lvl3pPr>
-            <a:lvl4pPr marL="1600200" indent="-228600" eaLnBrk="0" hangingPunct="0">
-              <a:defRPr>
-                <a:solidFill>
-                  <a:schemeClr val="tx1"/>
-                </a:solidFill>
-                <a:latin typeface="Arial" charset="0"/>
-                <a:ea typeface="Arial" charset="0"/>
-                <a:cs typeface="Arial" charset="0"/>
-              </a:defRPr>
-            </a:lvl4pPr>
-            <a:lvl5pPr marL="2057400" indent="-228600" eaLnBrk="0" hangingPunct="0">
-              <a:defRPr>
-                <a:solidFill>
-                  <a:schemeClr val="tx1"/>
-                </a:solidFill>
-                <a:latin typeface="Arial" charset="0"/>
-                <a:ea typeface="Arial" charset="0"/>
-                <a:cs typeface="Arial" charset="0"/>
-              </a:defRPr>
-            </a:lvl5pPr>
-            <a:lvl6pPr marL="2514600" indent="-228600" eaLnBrk="0" fontAlgn="base" hangingPunct="0">
-              <a:spcBef>
-                <a:spcPct val="0"/>
-              </a:spcBef>
-              <a:spcAft>
-                <a:spcPct val="0"/>
-              </a:spcAft>
-              <a:defRPr>
-                <a:solidFill>
-                  <a:schemeClr val="tx1"/>
-                </a:solidFill>
-                <a:latin typeface="Arial" charset="0"/>
-                <a:ea typeface="Arial" charset="0"/>
-                <a:cs typeface="Arial" charset="0"/>
-              </a:defRPr>
-            </a:lvl6pPr>
-            <a:lvl7pPr marL="2971800" indent="-228600" eaLnBrk="0" fontAlgn="base" hangingPunct="0">
-              <a:spcBef>
-                <a:spcPct val="0"/>
-              </a:spcBef>
-              <a:spcAft>
-                <a:spcPct val="0"/>
-              </a:spcAft>
-              <a:defRPr>
-                <a:solidFill>
-                  <a:schemeClr val="tx1"/>
-                </a:solidFill>
-                <a:latin typeface="Arial" charset="0"/>
-                <a:ea typeface="Arial" charset="0"/>
-                <a:cs typeface="Arial" charset="0"/>
-              </a:defRPr>
-            </a:lvl7pPr>
-            <a:lvl8pPr marL="3429000" indent="-228600" eaLnBrk="0" fontAlgn="base" hangingPunct="0">
-              <a:spcBef>
-                <a:spcPct val="0"/>
-              </a:spcBef>
-              <a:spcAft>
-                <a:spcPct val="0"/>
-              </a:spcAft>
-              <a:defRPr>
-                <a:solidFill>
-                  <a:schemeClr val="tx1"/>
-                </a:solidFill>
-                <a:latin typeface="Arial" charset="0"/>
-                <a:ea typeface="Arial" charset="0"/>
-                <a:cs typeface="Arial" charset="0"/>
-              </a:defRPr>
-            </a:lvl8pPr>
-            <a:lvl9pPr marL="3886200" indent="-228600" eaLnBrk="0" fontAlgn="base" hangingPunct="0">
-              <a:spcBef>
-                <a:spcPct val="0"/>
-              </a:spcBef>
-              <a:spcAft>
-                <a:spcPct val="0"/>
-              </a:spcAft>
-              <a:defRPr>
-                <a:solidFill>
-                  <a:schemeClr val="tx1"/>
-                </a:solidFill>
-                <a:latin typeface="Arial" charset="0"/>
-                <a:ea typeface="Arial" charset="0"/>
-                <a:cs typeface="Arial" charset="0"/>
-              </a:defRPr>
-            </a:lvl9pPr>
-          </a:lstStyle>
-          <a:p>
-            <a:pPr eaLnBrk="1" hangingPunct="1"/>
-            <a:fld id="{7ABBD831-81B9-694D-8B91-EE18CA912C1E}" type="datetime1">
-              <a:rPr lang="en-US">
-                <a:latin typeface="Garamond" charset="0"/>
-              </a:rPr>
-              <a:pPr eaLnBrk="1" hangingPunct="1"/>
-              <a:t>9/18/17</a:t>
-            </a:fld>
-            <a:endParaRPr lang="en-US">
-              <a:latin typeface="Garamond" charset="0"/>
-            </a:endParaRPr>
-          </a:p>
-        </p:txBody>
-      </p:sp>
-      <p:sp>
-        <p:nvSpPr>
-          <p:cNvPr id="4" name="Footer Placeholder 3"/>
-          <p:cNvSpPr>
-            <a:spLocks noGrp="1"/>
-          </p:cNvSpPr>
-          <p:nvPr>
-            <p:ph type="ftr" sz="quarter" idx="11"/>
-          </p:nvPr>
-        </p:nvSpPr>
-        <p:spPr/>
-        <p:txBody>
-          <a:bodyPr/>
-          <a:lstStyle/>
-          <a:p>
-            <a:pPr>
-              <a:defRPr/>
-            </a:pPr>
-            <a:r>
-              <a:rPr lang="en-US" altLang="en-US"/>
-              <a:t>ECE Application Programming: Lecture 7</a:t>
-            </a:r>
-          </a:p>
-        </p:txBody>
-      </p:sp>
-      <p:sp>
-        <p:nvSpPr>
-          <p:cNvPr id="5" name="Slide Number Placeholder 4"/>
-          <p:cNvSpPr>
-            <a:spLocks noGrp="1"/>
-          </p:cNvSpPr>
-          <p:nvPr>
-            <p:ph type="sldNum" sz="quarter" idx="12"/>
-          </p:nvPr>
-        </p:nvSpPr>
-        <p:spPr/>
-        <p:txBody>
-          <a:bodyPr/>
-          <a:lstStyle>
-            <a:lvl1pPr eaLnBrk="0" hangingPunct="0">
-              <a:defRPr>
-                <a:solidFill>
-                  <a:schemeClr val="tx1"/>
-                </a:solidFill>
-                <a:latin typeface="Arial" charset="0"/>
-                <a:ea typeface="ＭＳ Ｐゴシック" charset="0"/>
-                <a:cs typeface="Arial" charset="0"/>
-              </a:defRPr>
-            </a:lvl1pPr>
-            <a:lvl2pPr marL="742950" indent="-285750" eaLnBrk="0" hangingPunct="0">
-              <a:defRPr>
-                <a:solidFill>
-                  <a:schemeClr val="tx1"/>
-                </a:solidFill>
-                <a:latin typeface="Arial" charset="0"/>
-                <a:ea typeface="Arial" charset="0"/>
-                <a:cs typeface="Arial" charset="0"/>
-              </a:defRPr>
-            </a:lvl2pPr>
-            <a:lvl3pPr marL="1143000" indent="-228600" eaLnBrk="0" hangingPunct="0">
-              <a:defRPr>
-                <a:solidFill>
-                  <a:schemeClr val="tx1"/>
-                </a:solidFill>
-                <a:latin typeface="Arial" charset="0"/>
-                <a:ea typeface="Arial" charset="0"/>
-                <a:cs typeface="Arial" charset="0"/>
-              </a:defRPr>
-            </a:lvl3pPr>
-            <a:lvl4pPr marL="1600200" indent="-228600" eaLnBrk="0" hangingPunct="0">
-              <a:defRPr>
-                <a:solidFill>
-                  <a:schemeClr val="tx1"/>
-                </a:solidFill>
-                <a:latin typeface="Arial" charset="0"/>
-                <a:ea typeface="Arial" charset="0"/>
-                <a:cs typeface="Arial" charset="0"/>
-              </a:defRPr>
-            </a:lvl4pPr>
-            <a:lvl5pPr marL="2057400" indent="-228600" eaLnBrk="0" hangingPunct="0">
-              <a:defRPr>
-                <a:solidFill>
-                  <a:schemeClr val="tx1"/>
-                </a:solidFill>
-                <a:latin typeface="Arial" charset="0"/>
-                <a:ea typeface="Arial" charset="0"/>
-                <a:cs typeface="Arial" charset="0"/>
-              </a:defRPr>
-            </a:lvl5pPr>
-            <a:lvl6pPr marL="2514600" indent="-228600" eaLnBrk="0" fontAlgn="base" hangingPunct="0">
-              <a:spcBef>
-                <a:spcPct val="0"/>
-              </a:spcBef>
-              <a:spcAft>
-                <a:spcPct val="0"/>
-              </a:spcAft>
-              <a:defRPr>
-                <a:solidFill>
-                  <a:schemeClr val="tx1"/>
-                </a:solidFill>
-                <a:latin typeface="Arial" charset="0"/>
-                <a:ea typeface="Arial" charset="0"/>
-                <a:cs typeface="Arial" charset="0"/>
-              </a:defRPr>
-            </a:lvl6pPr>
-            <a:lvl7pPr marL="2971800" indent="-228600" eaLnBrk="0" fontAlgn="base" hangingPunct="0">
-              <a:spcBef>
-                <a:spcPct val="0"/>
-              </a:spcBef>
-              <a:spcAft>
-                <a:spcPct val="0"/>
-              </a:spcAft>
-              <a:defRPr>
-                <a:solidFill>
-                  <a:schemeClr val="tx1"/>
-                </a:solidFill>
-                <a:latin typeface="Arial" charset="0"/>
-                <a:ea typeface="Arial" charset="0"/>
-                <a:cs typeface="Arial" charset="0"/>
-              </a:defRPr>
-            </a:lvl7pPr>
-            <a:lvl8pPr marL="3429000" indent="-228600" eaLnBrk="0" fontAlgn="base" hangingPunct="0">
-              <a:spcBef>
-                <a:spcPct val="0"/>
-              </a:spcBef>
-              <a:spcAft>
-                <a:spcPct val="0"/>
-              </a:spcAft>
-              <a:defRPr>
-                <a:solidFill>
-                  <a:schemeClr val="tx1"/>
-                </a:solidFill>
-                <a:latin typeface="Arial" charset="0"/>
-                <a:ea typeface="Arial" charset="0"/>
-                <a:cs typeface="Arial" charset="0"/>
-              </a:defRPr>
-            </a:lvl8pPr>
-            <a:lvl9pPr marL="3886200" indent="-228600" eaLnBrk="0" fontAlgn="base" hangingPunct="0">
-              <a:spcBef>
-                <a:spcPct val="0"/>
-              </a:spcBef>
-              <a:spcAft>
-                <a:spcPct val="0"/>
-              </a:spcAft>
-              <a:defRPr>
-                <a:solidFill>
-                  <a:schemeClr val="tx1"/>
-                </a:solidFill>
-                <a:latin typeface="Arial" charset="0"/>
-                <a:ea typeface="Arial" charset="0"/>
-                <a:cs typeface="Arial" charset="0"/>
-              </a:defRPr>
-            </a:lvl9pPr>
-          </a:lstStyle>
-          <a:p>
-            <a:pPr eaLnBrk="1" hangingPunct="1"/>
-            <a:fld id="{EDAD4E12-6A1E-8448-A737-D0BFF7821C6F}" type="slidenum">
-              <a:rPr lang="en-US">
-                <a:latin typeface="Garamond" charset="0"/>
-              </a:rPr>
-              <a:pPr eaLnBrk="1" hangingPunct="1"/>
-              <a:t>15</a:t>
-            </a:fld>
-            <a:endParaRPr lang="en-US">
-              <a:latin typeface="Garamond" charset="0"/>
-            </a:endParaRPr>
-          </a:p>
-        </p:txBody>
-      </p:sp>
-    </p:spTree>
-  </p:cSld>
-  <p:clrMapOvr>
-    <a:masterClrMapping/>
-  </p:clrMapOvr>
-  <p:timing>
-    <p:tnLst>
-      <p:par>
-        <p:cTn xmlns:p14="http://schemas.microsoft.com/office/powerpoint/2010/main" id="1" dur="indefinite" restart="never" nodeType="tmRoot"/>
-      </p:par>
-    </p:tnLst>
-  </p:timing>
-</p:sld>
-</file>
-
-<file path=ppt/slides/slide16.xml><?xml version="1.0" encoding="utf-8"?>
-<p:sld xmlns:a="http://schemas.openxmlformats.org/drawingml/2006/main" xmlns:r="http://schemas.openxmlformats.org/officeDocument/2006/relationships" xmlns:p="http://schemas.openxmlformats.org/presentationml/2006/main">
-  <p:cSld>
-    <p:spTree>
-      <p:nvGrpSpPr>
-        <p:cNvPr id="1" name=""/>
-        <p:cNvGrpSpPr/>
-        <p:nvPr/>
-      </p:nvGrpSpPr>
-      <p:grpSpPr>
-        <a:xfrm>
-          <a:off x="0" y="0"/>
-          <a:ext cx="0" cy="0"/>
-          <a:chOff x="0" y="0"/>
-          <a:chExt cx="0" cy="0"/>
-        </a:xfrm>
-      </p:grpSpPr>
-      <p:sp>
-        <p:nvSpPr>
-          <p:cNvPr id="17410" name="Title 1"/>
-          <p:cNvSpPr>
-            <a:spLocks noGrp="1"/>
-          </p:cNvSpPr>
-          <p:nvPr>
-            <p:ph type="title"/>
-          </p:nvPr>
-        </p:nvSpPr>
-        <p:spPr/>
-        <p:txBody>
-          <a:bodyPr/>
-          <a:lstStyle/>
-          <a:p>
-            <a:r>
-              <a:rPr lang="en-US">
-                <a:latin typeface="Garamond" charset="0"/>
-              </a:rPr>
-              <a:t>Final notes</a:t>
-            </a:r>
-          </a:p>
-        </p:txBody>
-      </p:sp>
-      <p:sp>
-        <p:nvSpPr>
-          <p:cNvPr id="17411" name="Content Placeholder 2"/>
-          <p:cNvSpPr>
-            <a:spLocks noGrp="1"/>
-          </p:cNvSpPr>
-          <p:nvPr>
-            <p:ph idx="1"/>
-          </p:nvPr>
-        </p:nvSpPr>
-        <p:spPr/>
-        <p:txBody>
-          <a:bodyPr>
-            <a:normAutofit lnSpcReduction="10000"/>
-          </a:bodyPr>
-          <a:lstStyle/>
-          <a:p>
-            <a:r>
-              <a:rPr lang="en-US" dirty="0">
-                <a:latin typeface="Arial" charset="0"/>
-              </a:rPr>
-              <a:t>Next time</a:t>
+              <a:t>today</a:t>
             </a:r>
           </a:p>
           <a:p>
             <a:pPr lvl="1"/>
             <a:r>
-              <a:rPr lang="en-US" dirty="0" smtClean="0">
-                <a:latin typeface="Arial" charset="0"/>
-              </a:rPr>
-              <a:t>Range checking with if statements</a:t>
-            </a:r>
-          </a:p>
-          <a:p>
-            <a:pPr lvl="1"/>
-            <a:r>
-              <a:rPr lang="en-US" dirty="0" smtClean="0">
-                <a:latin typeface="Arial" charset="0"/>
-              </a:rPr>
-              <a:t>Switch </a:t>
-            </a:r>
-            <a:r>
-              <a:rPr lang="en-US" dirty="0">
-                <a:latin typeface="Arial" charset="0"/>
-              </a:rPr>
-              <a:t>statements</a:t>
-            </a:r>
-          </a:p>
-          <a:p>
-            <a:r>
-              <a:rPr lang="en-US" dirty="0">
-                <a:latin typeface="Arial" charset="0"/>
-              </a:rPr>
-              <a:t>Reminders:</a:t>
-            </a:r>
-          </a:p>
-          <a:p>
-            <a:pPr lvl="1"/>
-            <a:r>
               <a:rPr lang="en-US" dirty="0"/>
-              <a:t>Program 2 due today</a:t>
+              <a:t>Program 1 regrades due Friday, 9/22</a:t>
+            </a:r>
+          </a:p>
+          <a:p>
+            <a:pPr lvl="2"/>
+            <a:r>
+              <a:rPr lang="en-US" dirty="0"/>
+              <a:t>When regrade submitted: e-mail TA &amp; CC </a:t>
+            </a:r>
+            <a:r>
+              <a:rPr lang="en-US" dirty="0" smtClean="0"/>
+              <a:t>me</a:t>
             </a:r>
             <a:endParaRPr lang="en-US" b="1" dirty="0">
               <a:solidFill>
@@ -10112,7 +9613,7 @@
                 <a:latin typeface="Garamond" charset="0"/>
               </a:rPr>
               <a:pPr eaLnBrk="1" hangingPunct="1"/>
-              <a:t>9/18/17</a:t>
+              <a:t>9/21/17</a:t>
             </a:fld>
             <a:endParaRPr lang="en-US">
               <a:latin typeface="Garamond" charset="0"/>
@@ -10281,7 +9782,7 @@
                 <a:latin typeface="Garamond" charset="0"/>
               </a:rPr>
               <a:pPr eaLnBrk="1" hangingPunct="1"/>
-              <a:t>16</a:t>
+              <a:t>15</a:t>
             </a:fld>
             <a:endParaRPr lang="en-US">
               <a:latin typeface="Garamond" charset="0"/>
@@ -10375,11 +9876,7 @@
             <a:pPr lvl="1"/>
             <a:r>
               <a:rPr lang="en-US" dirty="0" smtClean="0"/>
-              <a:t>Program 2 due </a:t>
-            </a:r>
-            <a:r>
-              <a:rPr lang="en-US" dirty="0" smtClean="0"/>
-              <a:t>today</a:t>
+              <a:t>Program 2 due today</a:t>
             </a:r>
           </a:p>
           <a:p>
@@ -10401,54 +9898,32 @@
             <a:pPr lvl="2"/>
             <a:r>
               <a:rPr lang="en-US" dirty="0" smtClean="0"/>
-              <a:t>When </a:t>
-            </a:r>
-            <a:r>
-              <a:rPr lang="en-US" dirty="0" err="1" smtClean="0"/>
-              <a:t>regrade</a:t>
-            </a:r>
+              <a:t>When regrade submitted: e-mail TA &amp; CC me</a:t>
+            </a:r>
+          </a:p>
+          <a:p>
+            <a:pPr lvl="1"/>
             <a:r>
               <a:rPr lang="en-US" dirty="0" smtClean="0"/>
-              <a:t> submitted: e</a:t>
-            </a:r>
-            <a:r>
-              <a:rPr lang="en-US" smtClean="0"/>
-              <a:t>-mail TA</a:t>
-            </a:r>
-            <a:endParaRPr lang="en-US" dirty="0" smtClean="0"/>
+              <a:t>Program 3 to be posted, due Friday, 9/29</a:t>
+            </a:r>
+          </a:p>
+          <a:p>
+            <a:pPr lvl="2"/>
+            <a:r>
+              <a:rPr lang="en-US" dirty="0" smtClean="0">
+                <a:solidFill>
+                  <a:srgbClr val="000000"/>
+                </a:solidFill>
+              </a:rPr>
+              <a:t>Will discuss in class this Friday</a:t>
+            </a:r>
           </a:p>
           <a:p>
             <a:pPr lvl="1"/>
             <a:r>
               <a:rPr lang="en-US" dirty="0" smtClean="0"/>
-              <a:t>Program 3 </a:t>
-            </a:r>
-            <a:r>
-              <a:rPr lang="en-US" dirty="0" smtClean="0"/>
-              <a:t>to be posted, due Friday, 9/29</a:t>
-            </a:r>
-            <a:endParaRPr lang="en-US" dirty="0" smtClean="0"/>
-          </a:p>
-          <a:p>
-            <a:pPr lvl="2"/>
-            <a:r>
-              <a:rPr lang="en-US" dirty="0" smtClean="0">
-                <a:solidFill>
-                  <a:srgbClr val="000000"/>
-                </a:solidFill>
-              </a:rPr>
-              <a:t>Will discuss in class this Friday</a:t>
-            </a:r>
-          </a:p>
-          <a:p>
-            <a:pPr lvl="1"/>
-            <a:r>
-              <a:rPr lang="en-US" dirty="0" smtClean="0"/>
-              <a:t>Looking ahead: Exam 1: Wednesday, </a:t>
-            </a:r>
-            <a:r>
-              <a:rPr lang="en-US" dirty="0" smtClean="0"/>
-              <a:t>10/4 (2 weeks)</a:t>
+              <a:t>Looking ahead: Exam 1: Wednesday, 10/4 (2 weeks)</a:t>
             </a:r>
             <a:endParaRPr lang="en-US" b="1" dirty="0" smtClean="0">
               <a:solidFill>
@@ -10491,11 +9966,7 @@
             <a:pPr lvl="1"/>
             <a:r>
               <a:rPr lang="en-US" dirty="0" smtClean="0"/>
-              <a:t>If </a:t>
-            </a:r>
-            <a:r>
-              <a:rPr lang="en-US" dirty="0" smtClean="0"/>
-              <a:t>statements</a:t>
+              <a:t>If statements</a:t>
             </a:r>
             <a:endParaRPr lang="en-US" dirty="0"/>
           </a:p>
@@ -10634,7 +10105,7 @@
             <a:fld id="{1E34281F-3328-3145-A61C-2F0909FF70B0}" type="datetime1">
               <a:rPr lang="en-US" smtClean="0"/>
               <a:pPr/>
-              <a:t>9/18/17</a:t>
+              <a:t>9/21/17</a:t>
             </a:fld>
             <a:endParaRPr lang="en-US"/>
           </a:p>
@@ -10836,7 +10307,7 @@
       </p:grpSpPr>
       <p:sp>
         <p:nvSpPr>
-          <p:cNvPr id="19458" name="Title 1"/>
+          <p:cNvPr id="5122" name="Title 1"/>
           <p:cNvSpPr>
             <a:spLocks noGrp="1"/>
           </p:cNvSpPr>
@@ -10853,14 +10324,14 @@
               <a:rPr lang="en-US">
                 <a:latin typeface="Garamond" charset="0"/>
               </a:rPr>
-              <a:t>Debugger demonstration</a:t>
-            </a:r>
-          </a:p>
-        </p:txBody>
-      </p:sp>
-      <p:sp>
-        <p:nvSpPr>
-          <p:cNvPr id="19459" name="Content Placeholder 2"/>
+              <a:t>Decisions</a:t>
+            </a:r>
+          </a:p>
+        </p:txBody>
+      </p:sp>
+      <p:sp>
+        <p:nvSpPr>
+          <p:cNvPr id="5123" name="Content Placeholder 12"/>
           <p:cNvSpPr>
             <a:spLocks noGrp="1"/>
           </p:cNvSpPr>
@@ -10877,7 +10348,7 @@
               <a:rPr lang="en-US">
                 <a:latin typeface="Arial" charset="0"/>
               </a:rPr>
-              <a:t>Demonstration of Visual Studio debugger</a:t>
+              <a:t>Recall that flowcharts can include decisions</a:t>
             </a:r>
           </a:p>
           <a:p>
@@ -10886,95 +10357,44 @@
               <a:rPr lang="en-US">
                 <a:latin typeface="Arial" charset="0"/>
               </a:rPr>
-              <a:t>Variables</a:t>
-            </a:r>
-          </a:p>
-          <a:p>
-            <a:pPr lvl="2"/>
-            <a:r>
-              <a:rPr lang="en-US">
-                <a:latin typeface="Arial" charset="0"/>
-              </a:rPr>
-              <a:t>Watch window</a:t>
-            </a:r>
-          </a:p>
-          <a:p>
-            <a:pPr lvl="2"/>
-            <a:r>
-              <a:rPr lang="en-US">
-                <a:latin typeface="Arial" charset="0"/>
-              </a:rPr>
-              <a:t>Autos window</a:t>
-            </a:r>
-          </a:p>
-          <a:p>
-            <a:pPr lvl="2"/>
-            <a:r>
-              <a:rPr lang="en-US">
-                <a:latin typeface="Arial" charset="0"/>
-              </a:rPr>
-              <a:t>Locals window</a:t>
+              <a:t>Conditionally execute some path</a:t>
             </a:r>
           </a:p>
           <a:p>
             <a:pPr lvl="1"/>
-            <a:r>
-              <a:rPr lang="en-US">
-                <a:latin typeface="Arial" charset="0"/>
-              </a:rPr>
-              <a:t>Single step options</a:t>
-            </a:r>
-          </a:p>
-          <a:p>
-            <a:pPr lvl="2"/>
-            <a:r>
-              <a:rPr lang="en-US">
-                <a:latin typeface="Arial" charset="0"/>
-              </a:rPr>
-              <a:t>Step over</a:t>
-            </a:r>
-          </a:p>
-          <a:p>
-            <a:pPr lvl="2"/>
-            <a:r>
-              <a:rPr lang="en-US">
-                <a:latin typeface="Arial" charset="0"/>
-              </a:rPr>
-              <a:t>Step into/step out</a:t>
-            </a:r>
-          </a:p>
-          <a:p>
-            <a:pPr lvl="1"/>
-            <a:r>
-              <a:rPr lang="en-US">
-                <a:latin typeface="Arial" charset="0"/>
-              </a:rPr>
-              <a:t>Breakpoints</a:t>
-            </a:r>
-          </a:p>
-          <a:p>
-            <a:pPr lvl="2"/>
-            <a:r>
-              <a:rPr lang="en-US">
-                <a:latin typeface="Arial" charset="0"/>
-              </a:rPr>
-              <a:t>Setting breakpoints</a:t>
-            </a:r>
-          </a:p>
-          <a:p>
-            <a:pPr lvl="2"/>
-            <a:r>
-              <a:rPr lang="en-US">
-                <a:latin typeface="Arial" charset="0"/>
-              </a:rPr>
-              <a:t>Running to next breakpoint</a:t>
-            </a:r>
-          </a:p>
-          <a:p>
             <a:endParaRPr lang="en-US">
               <a:latin typeface="Arial" charset="0"/>
             </a:endParaRPr>
           </a:p>
+          <a:p>
+            <a:pPr lvl="1"/>
+            <a:endParaRPr lang="en-US">
+              <a:latin typeface="Arial" charset="0"/>
+            </a:endParaRPr>
+          </a:p>
+          <a:p>
+            <a:pPr lvl="1"/>
+            <a:endParaRPr lang="en-US">
+              <a:latin typeface="Arial" charset="0"/>
+            </a:endParaRPr>
+          </a:p>
+          <a:p>
+            <a:r>
+              <a:rPr lang="en-US">
+                <a:latin typeface="Arial" charset="0"/>
+              </a:rPr>
+              <a:t>May want to:</a:t>
+            </a:r>
+          </a:p>
+          <a:p>
+            <a:pPr lvl="1"/>
+            <a:r>
+              <a:rPr lang="en-US">
+                <a:latin typeface="Arial" charset="0"/>
+              </a:rPr>
+              <a:t>Only perform operation if condition is true:</a:t>
+            </a:r>
+          </a:p>
         </p:txBody>
       </p:sp>
       <p:sp>
@@ -11108,11 +10528,12 @@
           </a:lstStyle>
           <a:p>
             <a:pPr eaLnBrk="1" hangingPunct="1"/>
-            <a:fld id="{83EC3FED-85E6-0E4A-9301-761DA1C0CC25}" type="datetime1">
-              <a:rPr lang="en-US" smtClean="0">
+            <a:fld id="{C4B996BB-DF6B-5140-9CC2-88D801077EBF}" type="datetime1">
+              <a:rPr lang="en-US">
                 <a:latin typeface="Garamond" charset="0"/>
               </a:rPr>
-              <a:t>9/18/17</a:t>
+              <a:pPr eaLnBrk="1" hangingPunct="1"/>
+              <a:t>9/21/17</a:t>
             </a:fld>
             <a:endParaRPr lang="en-US">
               <a:latin typeface="Garamond" charset="0"/>
@@ -11139,449 +10560,6 @@
               <a:defRPr/>
             </a:pPr>
             <a:r>
-              <a:rPr lang="en-US" altLang="en-US" smtClean="0"/>
-              <a:t>ECE Application Programming: Lecture 6</a:t>
-            </a:r>
-            <a:endParaRPr lang="en-US" altLang="en-US"/>
-          </a:p>
-        </p:txBody>
-      </p:sp>
-      <p:sp>
-        <p:nvSpPr>
-          <p:cNvPr id="6" name="Slide Number Placeholder 5"/>
-          <p:cNvSpPr>
-            <a:spLocks noGrp="1"/>
-          </p:cNvSpPr>
-          <p:nvPr>
-            <p:ph type="sldNum" sz="quarter" idx="12"/>
-          </p:nvPr>
-        </p:nvSpPr>
-        <p:spPr/>
-        <p:txBody>
-          <a:bodyPr/>
-          <a:lstStyle>
-            <a:lvl1pPr eaLnBrk="0" hangingPunct="0">
-              <a:defRPr>
-                <a:solidFill>
-                  <a:schemeClr val="tx1"/>
-                </a:solidFill>
-                <a:latin typeface="Arial" charset="0"/>
-                <a:ea typeface="ＭＳ Ｐゴシック" charset="0"/>
-                <a:cs typeface="Arial" charset="0"/>
-              </a:defRPr>
-            </a:lvl1pPr>
-            <a:lvl2pPr marL="742950" indent="-285750" eaLnBrk="0" hangingPunct="0">
-              <a:defRPr>
-                <a:solidFill>
-                  <a:schemeClr val="tx1"/>
-                </a:solidFill>
-                <a:latin typeface="Arial" charset="0"/>
-                <a:ea typeface="Arial" charset="0"/>
-                <a:cs typeface="Arial" charset="0"/>
-              </a:defRPr>
-            </a:lvl2pPr>
-            <a:lvl3pPr marL="1143000" indent="-228600" eaLnBrk="0" hangingPunct="0">
-              <a:defRPr>
-                <a:solidFill>
-                  <a:schemeClr val="tx1"/>
-                </a:solidFill>
-                <a:latin typeface="Arial" charset="0"/>
-                <a:ea typeface="Arial" charset="0"/>
-                <a:cs typeface="Arial" charset="0"/>
-              </a:defRPr>
-            </a:lvl3pPr>
-            <a:lvl4pPr marL="1600200" indent="-228600" eaLnBrk="0" hangingPunct="0">
-              <a:defRPr>
-                <a:solidFill>
-                  <a:schemeClr val="tx1"/>
-                </a:solidFill>
-                <a:latin typeface="Arial" charset="0"/>
-                <a:ea typeface="Arial" charset="0"/>
-                <a:cs typeface="Arial" charset="0"/>
-              </a:defRPr>
-            </a:lvl4pPr>
-            <a:lvl5pPr marL="2057400" indent="-228600" eaLnBrk="0" hangingPunct="0">
-              <a:defRPr>
-                <a:solidFill>
-                  <a:schemeClr val="tx1"/>
-                </a:solidFill>
-                <a:latin typeface="Arial" charset="0"/>
-                <a:ea typeface="Arial" charset="0"/>
-                <a:cs typeface="Arial" charset="0"/>
-              </a:defRPr>
-            </a:lvl5pPr>
-            <a:lvl6pPr marL="2514600" indent="-228600" eaLnBrk="0" fontAlgn="base" hangingPunct="0">
-              <a:spcBef>
-                <a:spcPct val="0"/>
-              </a:spcBef>
-              <a:spcAft>
-                <a:spcPct val="0"/>
-              </a:spcAft>
-              <a:defRPr>
-                <a:solidFill>
-                  <a:schemeClr val="tx1"/>
-                </a:solidFill>
-                <a:latin typeface="Arial" charset="0"/>
-                <a:ea typeface="Arial" charset="0"/>
-                <a:cs typeface="Arial" charset="0"/>
-              </a:defRPr>
-            </a:lvl6pPr>
-            <a:lvl7pPr marL="2971800" indent="-228600" eaLnBrk="0" fontAlgn="base" hangingPunct="0">
-              <a:spcBef>
-                <a:spcPct val="0"/>
-              </a:spcBef>
-              <a:spcAft>
-                <a:spcPct val="0"/>
-              </a:spcAft>
-              <a:defRPr>
-                <a:solidFill>
-                  <a:schemeClr val="tx1"/>
-                </a:solidFill>
-                <a:latin typeface="Arial" charset="0"/>
-                <a:ea typeface="Arial" charset="0"/>
-                <a:cs typeface="Arial" charset="0"/>
-              </a:defRPr>
-            </a:lvl7pPr>
-            <a:lvl8pPr marL="3429000" indent="-228600" eaLnBrk="0" fontAlgn="base" hangingPunct="0">
-              <a:spcBef>
-                <a:spcPct val="0"/>
-              </a:spcBef>
-              <a:spcAft>
-                <a:spcPct val="0"/>
-              </a:spcAft>
-              <a:defRPr>
-                <a:solidFill>
-                  <a:schemeClr val="tx1"/>
-                </a:solidFill>
-                <a:latin typeface="Arial" charset="0"/>
-                <a:ea typeface="Arial" charset="0"/>
-                <a:cs typeface="Arial" charset="0"/>
-              </a:defRPr>
-            </a:lvl8pPr>
-            <a:lvl9pPr marL="3886200" indent="-228600" eaLnBrk="0" fontAlgn="base" hangingPunct="0">
-              <a:spcBef>
-                <a:spcPct val="0"/>
-              </a:spcBef>
-              <a:spcAft>
-                <a:spcPct val="0"/>
-              </a:spcAft>
-              <a:defRPr>
-                <a:solidFill>
-                  <a:schemeClr val="tx1"/>
-                </a:solidFill>
-                <a:latin typeface="Arial" charset="0"/>
-                <a:ea typeface="Arial" charset="0"/>
-                <a:cs typeface="Arial" charset="0"/>
-              </a:defRPr>
-            </a:lvl9pPr>
-          </a:lstStyle>
-          <a:p>
-            <a:pPr eaLnBrk="1" hangingPunct="1"/>
-            <a:fld id="{54672413-27EC-A348-99F2-7DA6CF70FB20}" type="slidenum">
-              <a:rPr lang="en-US">
-                <a:latin typeface="Garamond" charset="0"/>
-              </a:rPr>
-              <a:pPr eaLnBrk="1" hangingPunct="1"/>
-              <a:t>3</a:t>
-            </a:fld>
-            <a:endParaRPr lang="en-US">
-              <a:latin typeface="Garamond" charset="0"/>
-            </a:endParaRPr>
-          </a:p>
-        </p:txBody>
-      </p:sp>
-    </p:spTree>
-    <p:extLst>
-      <p:ext uri="{BB962C8B-B14F-4D97-AF65-F5344CB8AC3E}">
-        <p14:creationId xmlns:p14="http://schemas.microsoft.com/office/powerpoint/2010/main" val="3774526969"/>
-      </p:ext>
-    </p:extLst>
-  </p:cSld>
-  <p:clrMapOvr>
-    <a:masterClrMapping/>
-  </p:clrMapOvr>
-  <p:timing>
-    <p:tnLst>
-      <p:par>
-        <p:cTn xmlns:p14="http://schemas.microsoft.com/office/powerpoint/2010/main" id="1" dur="indefinite" restart="never" nodeType="tmRoot"/>
-      </p:par>
-    </p:tnLst>
-  </p:timing>
-</p:sld>
-</file>
-
-<file path=ppt/slides/slide4.xml><?xml version="1.0" encoding="utf-8"?>
-<p:sld xmlns:a="http://schemas.openxmlformats.org/drawingml/2006/main" xmlns:r="http://schemas.openxmlformats.org/officeDocument/2006/relationships" xmlns:p="http://schemas.openxmlformats.org/presentationml/2006/main">
-  <p:cSld>
-    <p:spTree>
-      <p:nvGrpSpPr>
-        <p:cNvPr id="1" name=""/>
-        <p:cNvGrpSpPr/>
-        <p:nvPr/>
-      </p:nvGrpSpPr>
-      <p:grpSpPr>
-        <a:xfrm>
-          <a:off x="0" y="0"/>
-          <a:ext cx="0" cy="0"/>
-          <a:chOff x="0" y="0"/>
-          <a:chExt cx="0" cy="0"/>
-        </a:xfrm>
-      </p:grpSpPr>
-      <p:sp>
-        <p:nvSpPr>
-          <p:cNvPr id="5122" name="Title 1"/>
-          <p:cNvSpPr>
-            <a:spLocks noGrp="1"/>
-          </p:cNvSpPr>
-          <p:nvPr>
-            <p:ph type="title"/>
-          </p:nvPr>
-        </p:nvSpPr>
-        <p:spPr/>
-        <p:txBody>
-          <a:bodyPr/>
-          <a:lstStyle/>
-          <a:p>
-            <a:r>
-              <a:rPr lang="en-US">
-                <a:latin typeface="Garamond" charset="0"/>
-              </a:rPr>
-              <a:t>Decisions</a:t>
-            </a:r>
-          </a:p>
-        </p:txBody>
-      </p:sp>
-      <p:sp>
-        <p:nvSpPr>
-          <p:cNvPr id="5123" name="Content Placeholder 12"/>
-          <p:cNvSpPr>
-            <a:spLocks noGrp="1"/>
-          </p:cNvSpPr>
-          <p:nvPr>
-            <p:ph idx="1"/>
-          </p:nvPr>
-        </p:nvSpPr>
-        <p:spPr/>
-        <p:txBody>
-          <a:bodyPr/>
-          <a:lstStyle/>
-          <a:p>
-            <a:r>
-              <a:rPr lang="en-US">
-                <a:latin typeface="Arial" charset="0"/>
-              </a:rPr>
-              <a:t>Recall that flowcharts can include decisions</a:t>
-            </a:r>
-          </a:p>
-          <a:p>
-            <a:pPr lvl="1"/>
-            <a:r>
-              <a:rPr lang="en-US">
-                <a:latin typeface="Arial" charset="0"/>
-              </a:rPr>
-              <a:t>Conditionally execute some path</a:t>
-            </a:r>
-          </a:p>
-          <a:p>
-            <a:pPr lvl="1"/>
-            <a:endParaRPr lang="en-US">
-              <a:latin typeface="Arial" charset="0"/>
-            </a:endParaRPr>
-          </a:p>
-          <a:p>
-            <a:pPr lvl="1"/>
-            <a:endParaRPr lang="en-US">
-              <a:latin typeface="Arial" charset="0"/>
-            </a:endParaRPr>
-          </a:p>
-          <a:p>
-            <a:pPr lvl="1"/>
-            <a:endParaRPr lang="en-US">
-              <a:latin typeface="Arial" charset="0"/>
-            </a:endParaRPr>
-          </a:p>
-          <a:p>
-            <a:r>
-              <a:rPr lang="en-US">
-                <a:latin typeface="Arial" charset="0"/>
-              </a:rPr>
-              <a:t>May want to:</a:t>
-            </a:r>
-          </a:p>
-          <a:p>
-            <a:pPr lvl="1"/>
-            <a:r>
-              <a:rPr lang="en-US">
-                <a:latin typeface="Arial" charset="0"/>
-              </a:rPr>
-              <a:t>Only perform operation if condition is true:</a:t>
-            </a:r>
-          </a:p>
-        </p:txBody>
-      </p:sp>
-      <p:sp>
-        <p:nvSpPr>
-          <p:cNvPr id="4" name="Date Placeholder 3"/>
-          <p:cNvSpPr>
-            <a:spLocks noGrp="1"/>
-          </p:cNvSpPr>
-          <p:nvPr>
-            <p:ph type="dt" sz="quarter" idx="10"/>
-          </p:nvPr>
-        </p:nvSpPr>
-        <p:spPr/>
-        <p:txBody>
-          <a:bodyPr/>
-          <a:lstStyle>
-            <a:lvl1pPr eaLnBrk="0" hangingPunct="0">
-              <a:defRPr>
-                <a:solidFill>
-                  <a:schemeClr val="tx1"/>
-                </a:solidFill>
-                <a:latin typeface="Arial" charset="0"/>
-                <a:ea typeface="ＭＳ Ｐゴシック" charset="0"/>
-                <a:cs typeface="Arial" charset="0"/>
-              </a:defRPr>
-            </a:lvl1pPr>
-            <a:lvl2pPr marL="742950" indent="-285750" eaLnBrk="0" hangingPunct="0">
-              <a:defRPr>
-                <a:solidFill>
-                  <a:schemeClr val="tx1"/>
-                </a:solidFill>
-                <a:latin typeface="Arial" charset="0"/>
-                <a:ea typeface="Arial" charset="0"/>
-                <a:cs typeface="Arial" charset="0"/>
-              </a:defRPr>
-            </a:lvl2pPr>
-            <a:lvl3pPr marL="1143000" indent="-228600" eaLnBrk="0" hangingPunct="0">
-              <a:defRPr>
-                <a:solidFill>
-                  <a:schemeClr val="tx1"/>
-                </a:solidFill>
-                <a:latin typeface="Arial" charset="0"/>
-                <a:ea typeface="Arial" charset="0"/>
-                <a:cs typeface="Arial" charset="0"/>
-              </a:defRPr>
-            </a:lvl3pPr>
-            <a:lvl4pPr marL="1600200" indent="-228600" eaLnBrk="0" hangingPunct="0">
-              <a:defRPr>
-                <a:solidFill>
-                  <a:schemeClr val="tx1"/>
-                </a:solidFill>
-                <a:latin typeface="Arial" charset="0"/>
-                <a:ea typeface="Arial" charset="0"/>
-                <a:cs typeface="Arial" charset="0"/>
-              </a:defRPr>
-            </a:lvl4pPr>
-            <a:lvl5pPr marL="2057400" indent="-228600" eaLnBrk="0" hangingPunct="0">
-              <a:defRPr>
-                <a:solidFill>
-                  <a:schemeClr val="tx1"/>
-                </a:solidFill>
-                <a:latin typeface="Arial" charset="0"/>
-                <a:ea typeface="Arial" charset="0"/>
-                <a:cs typeface="Arial" charset="0"/>
-              </a:defRPr>
-            </a:lvl5pPr>
-            <a:lvl6pPr marL="2514600" indent="-228600" eaLnBrk="0" fontAlgn="base" hangingPunct="0">
-              <a:spcBef>
-                <a:spcPct val="0"/>
-              </a:spcBef>
-              <a:spcAft>
-                <a:spcPct val="0"/>
-              </a:spcAft>
-              <a:defRPr>
-                <a:solidFill>
-                  <a:schemeClr val="tx1"/>
-                </a:solidFill>
-                <a:latin typeface="Arial" charset="0"/>
-                <a:ea typeface="Arial" charset="0"/>
-                <a:cs typeface="Arial" charset="0"/>
-              </a:defRPr>
-            </a:lvl6pPr>
-            <a:lvl7pPr marL="2971800" indent="-228600" eaLnBrk="0" fontAlgn="base" hangingPunct="0">
-              <a:spcBef>
-                <a:spcPct val="0"/>
-              </a:spcBef>
-              <a:spcAft>
-                <a:spcPct val="0"/>
-              </a:spcAft>
-              <a:defRPr>
-                <a:solidFill>
-                  <a:schemeClr val="tx1"/>
-                </a:solidFill>
-                <a:latin typeface="Arial" charset="0"/>
-                <a:ea typeface="Arial" charset="0"/>
-                <a:cs typeface="Arial" charset="0"/>
-              </a:defRPr>
-            </a:lvl7pPr>
-            <a:lvl8pPr marL="3429000" indent="-228600" eaLnBrk="0" fontAlgn="base" hangingPunct="0">
-              <a:spcBef>
-                <a:spcPct val="0"/>
-              </a:spcBef>
-              <a:spcAft>
-                <a:spcPct val="0"/>
-              </a:spcAft>
-              <a:defRPr>
-                <a:solidFill>
-                  <a:schemeClr val="tx1"/>
-                </a:solidFill>
-                <a:latin typeface="Arial" charset="0"/>
-                <a:ea typeface="Arial" charset="0"/>
-                <a:cs typeface="Arial" charset="0"/>
-              </a:defRPr>
-            </a:lvl8pPr>
-            <a:lvl9pPr marL="3886200" indent="-228600" eaLnBrk="0" fontAlgn="base" hangingPunct="0">
-              <a:spcBef>
-                <a:spcPct val="0"/>
-              </a:spcBef>
-              <a:spcAft>
-                <a:spcPct val="0"/>
-              </a:spcAft>
-              <a:defRPr>
-                <a:solidFill>
-                  <a:schemeClr val="tx1"/>
-                </a:solidFill>
-                <a:latin typeface="Arial" charset="0"/>
-                <a:ea typeface="Arial" charset="0"/>
-                <a:cs typeface="Arial" charset="0"/>
-              </a:defRPr>
-            </a:lvl9pPr>
-          </a:lstStyle>
-          <a:p>
-            <a:pPr eaLnBrk="1" hangingPunct="1"/>
-            <a:fld id="{C4B996BB-DF6B-5140-9CC2-88D801077EBF}" type="datetime1">
-              <a:rPr lang="en-US">
-                <a:latin typeface="Garamond" charset="0"/>
-              </a:rPr>
-              <a:pPr eaLnBrk="1" hangingPunct="1"/>
-              <a:t>9/18/17</a:t>
-            </a:fld>
-            <a:endParaRPr lang="en-US">
-              <a:latin typeface="Garamond" charset="0"/>
-            </a:endParaRPr>
-          </a:p>
-        </p:txBody>
-      </p:sp>
-      <p:sp>
-        <p:nvSpPr>
-          <p:cNvPr id="5" name="Footer Placeholder 4"/>
-          <p:cNvSpPr>
-            <a:spLocks noGrp="1"/>
-          </p:cNvSpPr>
-          <p:nvPr>
-            <p:ph type="ftr" sz="quarter" idx="11"/>
-          </p:nvPr>
-        </p:nvSpPr>
-        <p:spPr/>
-        <p:txBody>
-          <a:bodyPr/>
-          <a:lstStyle/>
-          <a:p>
-            <a:pPr>
-              <a:defRPr/>
-            </a:pPr>
-            <a:r>
               <a:rPr lang="en-US" altLang="en-US"/>
               <a:t>ECE Application Programming: Lecture 7</a:t>
             </a:r>
@@ -11724,7 +10702,7 @@
                 <a:latin typeface="Garamond" charset="0"/>
               </a:rPr>
               <a:pPr eaLnBrk="1" hangingPunct="1"/>
-              <a:t>4</a:t>
+              <a:t>3</a:t>
             </a:fld>
             <a:endParaRPr lang="en-US">
               <a:latin typeface="Garamond" charset="0"/>
@@ -12752,7 +11730,7 @@
 </p:sld>
 </file>
 
-<file path=ppt/slides/slide5.xml><?xml version="1.0" encoding="utf-8"?>
+<file path=ppt/slides/slide4.xml><?xml version="1.0" encoding="utf-8"?>
 <p:sld xmlns:a="http://schemas.openxmlformats.org/drawingml/2006/main" xmlns:r="http://schemas.openxmlformats.org/officeDocument/2006/relationships" xmlns:p="http://schemas.openxmlformats.org/presentationml/2006/main">
   <p:cSld>
     <p:spTree>
@@ -12962,7 +11940,7 @@
                 <a:latin typeface="Garamond" charset="0"/>
               </a:rPr>
               <a:pPr eaLnBrk="1" hangingPunct="1"/>
-              <a:t>9/18/17</a:t>
+              <a:t>9/21/17</a:t>
             </a:fld>
             <a:endParaRPr lang="en-US">
               <a:latin typeface="Garamond" charset="0"/>
@@ -13131,7 +12109,7 @@
                 <a:latin typeface="Garamond" charset="0"/>
               </a:rPr>
               <a:pPr eaLnBrk="1" hangingPunct="1"/>
-              <a:t>5</a:t>
+              <a:t>4</a:t>
             </a:fld>
             <a:endParaRPr lang="en-US">
               <a:latin typeface="Garamond" charset="0"/>
@@ -13912,7 +12890,7 @@
 </p:sld>
 </file>
 
-<file path=ppt/slides/slide6.xml><?xml version="1.0" encoding="utf-8"?>
+<file path=ppt/slides/slide5.xml><?xml version="1.0" encoding="utf-8"?>
 <p:sld xmlns:a="http://schemas.openxmlformats.org/drawingml/2006/main" xmlns:r="http://schemas.openxmlformats.org/officeDocument/2006/relationships" xmlns:p="http://schemas.openxmlformats.org/presentationml/2006/main">
   <p:cSld>
     <p:spTree>
@@ -14122,7 +13100,7 @@
                 <a:latin typeface="Garamond" charset="0"/>
               </a:rPr>
               <a:pPr eaLnBrk="1" hangingPunct="1"/>
-              <a:t>9/18/17</a:t>
+              <a:t>9/21/17</a:t>
             </a:fld>
             <a:endParaRPr lang="en-US">
               <a:latin typeface="Garamond" charset="0"/>
@@ -14291,7 +13269,7 @@
                 <a:latin typeface="Garamond" charset="0"/>
               </a:rPr>
               <a:pPr eaLnBrk="1" hangingPunct="1"/>
-              <a:t>6</a:t>
+              <a:t>5</a:t>
             </a:fld>
             <a:endParaRPr lang="en-US">
               <a:latin typeface="Garamond" charset="0"/>
@@ -15655,6 +14633,589 @@
 </p:sld>
 </file>
 
+<file path=ppt/slides/slide6.xml><?xml version="1.0" encoding="utf-8"?>
+<p:sld xmlns:a="http://schemas.openxmlformats.org/drawingml/2006/main" xmlns:r="http://schemas.openxmlformats.org/officeDocument/2006/relationships" xmlns:p="http://schemas.openxmlformats.org/presentationml/2006/main">
+  <p:cSld>
+    <p:spTree>
+      <p:nvGrpSpPr>
+        <p:cNvPr id="1" name=""/>
+        <p:cNvGrpSpPr/>
+        <p:nvPr/>
+      </p:nvGrpSpPr>
+      <p:grpSpPr>
+        <a:xfrm>
+          <a:off x="0" y="0"/>
+          <a:ext cx="0" cy="0"/>
+          <a:chOff x="0" y="0"/>
+          <a:chExt cx="0" cy="0"/>
+        </a:xfrm>
+      </p:grpSpPr>
+      <p:sp>
+        <p:nvSpPr>
+          <p:cNvPr id="8194" name="Title 1"/>
+          <p:cNvSpPr>
+            <a:spLocks noGrp="1"/>
+          </p:cNvSpPr>
+          <p:nvPr>
+            <p:ph type="title"/>
+          </p:nvPr>
+        </p:nvSpPr>
+        <p:spPr/>
+        <p:txBody>
+          <a:bodyPr/>
+          <a:lstStyle/>
+          <a:p>
+            <a:r>
+              <a:rPr lang="en-US">
+                <a:latin typeface="Courier New" charset="0"/>
+                <a:cs typeface="Courier New" charset="0"/>
+              </a:rPr>
+              <a:t>if</a:t>
+            </a:r>
+            <a:r>
+              <a:rPr lang="en-US">
+                <a:latin typeface="Garamond" charset="0"/>
+              </a:rPr>
+              <a:t> statements</a:t>
+            </a:r>
+          </a:p>
+        </p:txBody>
+      </p:sp>
+      <p:sp>
+        <p:nvSpPr>
+          <p:cNvPr id="3" name="Content Placeholder 2"/>
+          <p:cNvSpPr>
+            <a:spLocks noGrp="1"/>
+          </p:cNvSpPr>
+          <p:nvPr>
+            <p:ph idx="1"/>
+          </p:nvPr>
+        </p:nvSpPr>
+        <p:spPr/>
+        <p:txBody>
+          <a:bodyPr>
+            <a:normAutofit lnSpcReduction="10000"/>
+          </a:bodyPr>
+          <a:lstStyle/>
+          <a:p>
+            <a:pPr>
+              <a:buFont typeface="Wingdings" pitchFamily="2" charset="2"/>
+              <a:buChar char="n"/>
+              <a:defRPr/>
+            </a:pPr>
+            <a:r>
+              <a:rPr lang="en-US" dirty="0" smtClean="0">
+                <a:ea typeface="+mn-ea"/>
+              </a:rPr>
+              <a:t>Frequently want to conditionally execute code</a:t>
+            </a:r>
+          </a:p>
+          <a:p>
+            <a:pPr lvl="1">
+              <a:buFont typeface="Wingdings" pitchFamily="2" charset="2"/>
+              <a:buChar char="q"/>
+              <a:defRPr/>
+            </a:pPr>
+            <a:r>
+              <a:rPr lang="en-US" dirty="0" smtClean="0"/>
+              <a:t>Range checking</a:t>
+            </a:r>
+          </a:p>
+          <a:p>
+            <a:pPr lvl="1">
+              <a:buFont typeface="Wingdings" pitchFamily="2" charset="2"/>
+              <a:buChar char="q"/>
+              <a:defRPr/>
+            </a:pPr>
+            <a:r>
+              <a:rPr lang="en-US" dirty="0" smtClean="0"/>
+              <a:t>Error checking</a:t>
+            </a:r>
+          </a:p>
+          <a:p>
+            <a:pPr lvl="1">
+              <a:buFont typeface="Wingdings" pitchFamily="2" charset="2"/>
+              <a:buChar char="q"/>
+              <a:defRPr/>
+            </a:pPr>
+            <a:r>
+              <a:rPr lang="en-US" dirty="0" smtClean="0"/>
+              <a:t>Different decisions based on input, or result of operation</a:t>
+            </a:r>
+          </a:p>
+          <a:p>
+            <a:pPr>
+              <a:buFont typeface="Wingdings" pitchFamily="2" charset="2"/>
+              <a:buChar char="n"/>
+              <a:defRPr/>
+            </a:pPr>
+            <a:r>
+              <a:rPr lang="en-US" dirty="0" smtClean="0">
+                <a:ea typeface="+mn-ea"/>
+              </a:rPr>
+              <a:t>Basic conditional execution: </a:t>
+            </a:r>
+            <a:r>
+              <a:rPr lang="en-US" dirty="0" smtClean="0">
+                <a:solidFill>
+                  <a:srgbClr val="FF0000"/>
+                </a:solidFill>
+                <a:latin typeface="Courier New" pitchFamily="49" charset="0"/>
+                <a:ea typeface="+mn-ea"/>
+                <a:cs typeface="Courier New" pitchFamily="49" charset="0"/>
+              </a:rPr>
+              <a:t>if</a:t>
+            </a:r>
+            <a:r>
+              <a:rPr lang="en-US" dirty="0" smtClean="0">
+                <a:ea typeface="+mn-ea"/>
+              </a:rPr>
+              <a:t> statement</a:t>
+            </a:r>
+          </a:p>
+          <a:p>
+            <a:pPr lvl="1">
+              <a:buFont typeface="Wingdings" pitchFamily="2" charset="2"/>
+              <a:buChar char="q"/>
+              <a:defRPr/>
+            </a:pPr>
+            <a:r>
+              <a:rPr lang="en-US" dirty="0" smtClean="0"/>
+              <a:t>Form: </a:t>
+            </a:r>
+          </a:p>
+          <a:p>
+            <a:pPr lvl="1">
+              <a:buFont typeface="Wingdings" pitchFamily="2" charset="2"/>
+              <a:buNone/>
+              <a:defRPr/>
+            </a:pPr>
+            <a:r>
+              <a:rPr lang="en-US" dirty="0" smtClean="0"/>
+              <a:t>	</a:t>
+            </a:r>
+            <a:r>
+              <a:rPr lang="en-US" dirty="0" smtClean="0">
+                <a:latin typeface="Courier New" pitchFamily="49" charset="0"/>
+                <a:cs typeface="Courier New" pitchFamily="49" charset="0"/>
+              </a:rPr>
+              <a:t>if (&lt;expression&gt;)</a:t>
+            </a:r>
+          </a:p>
+          <a:p>
+            <a:pPr lvl="1">
+              <a:buFont typeface="Wingdings" pitchFamily="2" charset="2"/>
+              <a:buNone/>
+              <a:defRPr/>
+            </a:pPr>
+            <a:r>
+              <a:rPr lang="en-US" dirty="0" smtClean="0">
+                <a:latin typeface="Courier New" pitchFamily="49" charset="0"/>
+                <a:cs typeface="Courier New" pitchFamily="49" charset="0"/>
+              </a:rPr>
+              <a:t>			&lt;statement&gt;</a:t>
+            </a:r>
+          </a:p>
+          <a:p>
+            <a:pPr lvl="1">
+              <a:buFont typeface="Wingdings" pitchFamily="2" charset="2"/>
+              <a:buNone/>
+              <a:defRPr/>
+            </a:pPr>
+            <a:r>
+              <a:rPr lang="en-US" dirty="0" smtClean="0">
+                <a:latin typeface="Courier New" pitchFamily="49" charset="0"/>
+                <a:cs typeface="Courier New" pitchFamily="49" charset="0"/>
+              </a:rPr>
+              <a:t>	[ else				</a:t>
+            </a:r>
+            <a:r>
+              <a:rPr lang="en-US" i="1" dirty="0" smtClean="0">
+                <a:solidFill>
+                  <a:srgbClr val="FF0000"/>
+                </a:solidFill>
+                <a:cs typeface="Courier New" pitchFamily="49" charset="0"/>
+              </a:rPr>
+              <a:t>brackets show</a:t>
+            </a:r>
+            <a:endParaRPr lang="en-US" i="1" dirty="0" smtClean="0">
+              <a:solidFill>
+                <a:srgbClr val="FF0000"/>
+              </a:solidFill>
+              <a:latin typeface="Courier New" pitchFamily="49" charset="0"/>
+              <a:cs typeface="Courier New" pitchFamily="49" charset="0"/>
+            </a:endParaRPr>
+          </a:p>
+          <a:p>
+            <a:pPr lvl="1">
+              <a:buFont typeface="Wingdings" pitchFamily="2" charset="2"/>
+              <a:buNone/>
+              <a:defRPr/>
+            </a:pPr>
+            <a:r>
+              <a:rPr lang="en-US" dirty="0" smtClean="0">
+                <a:latin typeface="Courier New" pitchFamily="49" charset="0"/>
+                <a:cs typeface="Courier New" pitchFamily="49" charset="0"/>
+              </a:rPr>
+              <a:t>			&lt;statement&gt; ]		</a:t>
+            </a:r>
+            <a:r>
+              <a:rPr lang="en-US" i="1" dirty="0" smtClean="0">
+                <a:solidFill>
+                  <a:srgbClr val="FF0000"/>
+                </a:solidFill>
+                <a:latin typeface="Courier New" pitchFamily="49" charset="0"/>
+                <a:cs typeface="Courier New" pitchFamily="49" charset="0"/>
+              </a:rPr>
+              <a:t>else</a:t>
+            </a:r>
+            <a:r>
+              <a:rPr lang="en-US" i="1" dirty="0" smtClean="0">
+                <a:solidFill>
+                  <a:srgbClr val="FF0000"/>
+                </a:solidFill>
+                <a:cs typeface="Courier New" pitchFamily="49" charset="0"/>
+              </a:rPr>
+              <a:t> is optional</a:t>
+            </a:r>
+            <a:endParaRPr lang="en-US" i="1" dirty="0">
+              <a:solidFill>
+                <a:srgbClr val="FF0000"/>
+              </a:solidFill>
+              <a:latin typeface="Courier New" pitchFamily="49" charset="0"/>
+              <a:cs typeface="Courier New" pitchFamily="49" charset="0"/>
+            </a:endParaRPr>
+          </a:p>
+        </p:txBody>
+      </p:sp>
+      <p:sp>
+        <p:nvSpPr>
+          <p:cNvPr id="4" name="Date Placeholder 3"/>
+          <p:cNvSpPr>
+            <a:spLocks noGrp="1"/>
+          </p:cNvSpPr>
+          <p:nvPr>
+            <p:ph type="dt" sz="quarter" idx="10"/>
+          </p:nvPr>
+        </p:nvSpPr>
+        <p:spPr/>
+        <p:txBody>
+          <a:bodyPr/>
+          <a:lstStyle>
+            <a:lvl1pPr eaLnBrk="0" hangingPunct="0">
+              <a:defRPr>
+                <a:solidFill>
+                  <a:schemeClr val="tx1"/>
+                </a:solidFill>
+                <a:latin typeface="Arial" charset="0"/>
+                <a:ea typeface="ＭＳ Ｐゴシック" charset="0"/>
+                <a:cs typeface="Arial" charset="0"/>
+              </a:defRPr>
+            </a:lvl1pPr>
+            <a:lvl2pPr marL="742950" indent="-285750" eaLnBrk="0" hangingPunct="0">
+              <a:defRPr>
+                <a:solidFill>
+                  <a:schemeClr val="tx1"/>
+                </a:solidFill>
+                <a:latin typeface="Arial" charset="0"/>
+                <a:ea typeface="Arial" charset="0"/>
+                <a:cs typeface="Arial" charset="0"/>
+              </a:defRPr>
+            </a:lvl2pPr>
+            <a:lvl3pPr marL="1143000" indent="-228600" eaLnBrk="0" hangingPunct="0">
+              <a:defRPr>
+                <a:solidFill>
+                  <a:schemeClr val="tx1"/>
+                </a:solidFill>
+                <a:latin typeface="Arial" charset="0"/>
+                <a:ea typeface="Arial" charset="0"/>
+                <a:cs typeface="Arial" charset="0"/>
+              </a:defRPr>
+            </a:lvl3pPr>
+            <a:lvl4pPr marL="1600200" indent="-228600" eaLnBrk="0" hangingPunct="0">
+              <a:defRPr>
+                <a:solidFill>
+                  <a:schemeClr val="tx1"/>
+                </a:solidFill>
+                <a:latin typeface="Arial" charset="0"/>
+                <a:ea typeface="Arial" charset="0"/>
+                <a:cs typeface="Arial" charset="0"/>
+              </a:defRPr>
+            </a:lvl4pPr>
+            <a:lvl5pPr marL="2057400" indent="-228600" eaLnBrk="0" hangingPunct="0">
+              <a:defRPr>
+                <a:solidFill>
+                  <a:schemeClr val="tx1"/>
+                </a:solidFill>
+                <a:latin typeface="Arial" charset="0"/>
+                <a:ea typeface="Arial" charset="0"/>
+                <a:cs typeface="Arial" charset="0"/>
+              </a:defRPr>
+            </a:lvl5pPr>
+            <a:lvl6pPr marL="2514600" indent="-228600" eaLnBrk="0" fontAlgn="base" hangingPunct="0">
+              <a:spcBef>
+                <a:spcPct val="0"/>
+              </a:spcBef>
+              <a:spcAft>
+                <a:spcPct val="0"/>
+              </a:spcAft>
+              <a:defRPr>
+                <a:solidFill>
+                  <a:schemeClr val="tx1"/>
+                </a:solidFill>
+                <a:latin typeface="Arial" charset="0"/>
+                <a:ea typeface="Arial" charset="0"/>
+                <a:cs typeface="Arial" charset="0"/>
+              </a:defRPr>
+            </a:lvl6pPr>
+            <a:lvl7pPr marL="2971800" indent="-228600" eaLnBrk="0" fontAlgn="base" hangingPunct="0">
+              <a:spcBef>
+                <a:spcPct val="0"/>
+              </a:spcBef>
+              <a:spcAft>
+                <a:spcPct val="0"/>
+              </a:spcAft>
+              <a:defRPr>
+                <a:solidFill>
+                  <a:schemeClr val="tx1"/>
+                </a:solidFill>
+                <a:latin typeface="Arial" charset="0"/>
+                <a:ea typeface="Arial" charset="0"/>
+                <a:cs typeface="Arial" charset="0"/>
+              </a:defRPr>
+            </a:lvl7pPr>
+            <a:lvl8pPr marL="3429000" indent="-228600" eaLnBrk="0" fontAlgn="base" hangingPunct="0">
+              <a:spcBef>
+                <a:spcPct val="0"/>
+              </a:spcBef>
+              <a:spcAft>
+                <a:spcPct val="0"/>
+              </a:spcAft>
+              <a:defRPr>
+                <a:solidFill>
+                  <a:schemeClr val="tx1"/>
+                </a:solidFill>
+                <a:latin typeface="Arial" charset="0"/>
+                <a:ea typeface="Arial" charset="0"/>
+                <a:cs typeface="Arial" charset="0"/>
+              </a:defRPr>
+            </a:lvl8pPr>
+            <a:lvl9pPr marL="3886200" indent="-228600" eaLnBrk="0" fontAlgn="base" hangingPunct="0">
+              <a:spcBef>
+                <a:spcPct val="0"/>
+              </a:spcBef>
+              <a:spcAft>
+                <a:spcPct val="0"/>
+              </a:spcAft>
+              <a:defRPr>
+                <a:solidFill>
+                  <a:schemeClr val="tx1"/>
+                </a:solidFill>
+                <a:latin typeface="Arial" charset="0"/>
+                <a:ea typeface="Arial" charset="0"/>
+                <a:cs typeface="Arial" charset="0"/>
+              </a:defRPr>
+            </a:lvl9pPr>
+          </a:lstStyle>
+          <a:p>
+            <a:pPr eaLnBrk="1" hangingPunct="1"/>
+            <a:fld id="{F6C90943-0A3A-8145-99A5-2CBB3BE03DAE}" type="datetime1">
+              <a:rPr lang="en-US">
+                <a:latin typeface="Garamond" charset="0"/>
+              </a:rPr>
+              <a:pPr eaLnBrk="1" hangingPunct="1"/>
+              <a:t>9/21/17</a:t>
+            </a:fld>
+            <a:endParaRPr lang="en-US">
+              <a:latin typeface="Garamond" charset="0"/>
+            </a:endParaRPr>
+          </a:p>
+        </p:txBody>
+      </p:sp>
+      <p:sp>
+        <p:nvSpPr>
+          <p:cNvPr id="5" name="Footer Placeholder 4"/>
+          <p:cNvSpPr>
+            <a:spLocks noGrp="1"/>
+          </p:cNvSpPr>
+          <p:nvPr>
+            <p:ph type="ftr" sz="quarter" idx="11"/>
+          </p:nvPr>
+        </p:nvSpPr>
+        <p:spPr/>
+        <p:txBody>
+          <a:bodyPr/>
+          <a:lstStyle/>
+          <a:p>
+            <a:pPr>
+              <a:defRPr/>
+            </a:pPr>
+            <a:r>
+              <a:rPr lang="en-US" altLang="en-US"/>
+              <a:t>ECE Application Programming: Lecture 7</a:t>
+            </a:r>
+          </a:p>
+        </p:txBody>
+      </p:sp>
+      <p:sp>
+        <p:nvSpPr>
+          <p:cNvPr id="6" name="Slide Number Placeholder 5"/>
+          <p:cNvSpPr>
+            <a:spLocks noGrp="1"/>
+          </p:cNvSpPr>
+          <p:nvPr>
+            <p:ph type="sldNum" sz="quarter" idx="12"/>
+          </p:nvPr>
+        </p:nvSpPr>
+        <p:spPr/>
+        <p:txBody>
+          <a:bodyPr/>
+          <a:lstStyle>
+            <a:lvl1pPr eaLnBrk="0" hangingPunct="0">
+              <a:defRPr>
+                <a:solidFill>
+                  <a:schemeClr val="tx1"/>
+                </a:solidFill>
+                <a:latin typeface="Arial" charset="0"/>
+                <a:ea typeface="ＭＳ Ｐゴシック" charset="0"/>
+                <a:cs typeface="Arial" charset="0"/>
+              </a:defRPr>
+            </a:lvl1pPr>
+            <a:lvl2pPr marL="742950" indent="-285750" eaLnBrk="0" hangingPunct="0">
+              <a:defRPr>
+                <a:solidFill>
+                  <a:schemeClr val="tx1"/>
+                </a:solidFill>
+                <a:latin typeface="Arial" charset="0"/>
+                <a:ea typeface="Arial" charset="0"/>
+                <a:cs typeface="Arial" charset="0"/>
+              </a:defRPr>
+            </a:lvl2pPr>
+            <a:lvl3pPr marL="1143000" indent="-228600" eaLnBrk="0" hangingPunct="0">
+              <a:defRPr>
+                <a:solidFill>
+                  <a:schemeClr val="tx1"/>
+                </a:solidFill>
+                <a:latin typeface="Arial" charset="0"/>
+                <a:ea typeface="Arial" charset="0"/>
+                <a:cs typeface="Arial" charset="0"/>
+              </a:defRPr>
+            </a:lvl3pPr>
+            <a:lvl4pPr marL="1600200" indent="-228600" eaLnBrk="0" hangingPunct="0">
+              <a:defRPr>
+                <a:solidFill>
+                  <a:schemeClr val="tx1"/>
+                </a:solidFill>
+                <a:latin typeface="Arial" charset="0"/>
+                <a:ea typeface="Arial" charset="0"/>
+                <a:cs typeface="Arial" charset="0"/>
+              </a:defRPr>
+            </a:lvl4pPr>
+            <a:lvl5pPr marL="2057400" indent="-228600" eaLnBrk="0" hangingPunct="0">
+              <a:defRPr>
+                <a:solidFill>
+                  <a:schemeClr val="tx1"/>
+                </a:solidFill>
+                <a:latin typeface="Arial" charset="0"/>
+                <a:ea typeface="Arial" charset="0"/>
+                <a:cs typeface="Arial" charset="0"/>
+              </a:defRPr>
+            </a:lvl5pPr>
+            <a:lvl6pPr marL="2514600" indent="-228600" eaLnBrk="0" fontAlgn="base" hangingPunct="0">
+              <a:spcBef>
+                <a:spcPct val="0"/>
+              </a:spcBef>
+              <a:spcAft>
+                <a:spcPct val="0"/>
+              </a:spcAft>
+              <a:defRPr>
+                <a:solidFill>
+                  <a:schemeClr val="tx1"/>
+                </a:solidFill>
+                <a:latin typeface="Arial" charset="0"/>
+                <a:ea typeface="Arial" charset="0"/>
+                <a:cs typeface="Arial" charset="0"/>
+              </a:defRPr>
+            </a:lvl6pPr>
+            <a:lvl7pPr marL="2971800" indent="-228600" eaLnBrk="0" fontAlgn="base" hangingPunct="0">
+              <a:spcBef>
+                <a:spcPct val="0"/>
+              </a:spcBef>
+              <a:spcAft>
+                <a:spcPct val="0"/>
+              </a:spcAft>
+              <a:defRPr>
+                <a:solidFill>
+                  <a:schemeClr val="tx1"/>
+                </a:solidFill>
+                <a:latin typeface="Arial" charset="0"/>
+                <a:ea typeface="Arial" charset="0"/>
+                <a:cs typeface="Arial" charset="0"/>
+              </a:defRPr>
+            </a:lvl7pPr>
+            <a:lvl8pPr marL="3429000" indent="-228600" eaLnBrk="0" fontAlgn="base" hangingPunct="0">
+              <a:spcBef>
+                <a:spcPct val="0"/>
+              </a:spcBef>
+              <a:spcAft>
+                <a:spcPct val="0"/>
+              </a:spcAft>
+              <a:defRPr>
+                <a:solidFill>
+                  <a:schemeClr val="tx1"/>
+                </a:solidFill>
+                <a:latin typeface="Arial" charset="0"/>
+                <a:ea typeface="Arial" charset="0"/>
+                <a:cs typeface="Arial" charset="0"/>
+              </a:defRPr>
+            </a:lvl8pPr>
+            <a:lvl9pPr marL="3886200" indent="-228600" eaLnBrk="0" fontAlgn="base" hangingPunct="0">
+              <a:spcBef>
+                <a:spcPct val="0"/>
+              </a:spcBef>
+              <a:spcAft>
+                <a:spcPct val="0"/>
+              </a:spcAft>
+              <a:defRPr>
+                <a:solidFill>
+                  <a:schemeClr val="tx1"/>
+                </a:solidFill>
+                <a:latin typeface="Arial" charset="0"/>
+                <a:ea typeface="Arial" charset="0"/>
+                <a:cs typeface="Arial" charset="0"/>
+              </a:defRPr>
+            </a:lvl9pPr>
+          </a:lstStyle>
+          <a:p>
+            <a:pPr eaLnBrk="1" hangingPunct="1"/>
+            <a:fld id="{C2383527-FDCC-B249-8BF7-C24A23F5C14A}" type="slidenum">
+              <a:rPr lang="en-US">
+                <a:latin typeface="Garamond" charset="0"/>
+              </a:rPr>
+              <a:pPr eaLnBrk="1" hangingPunct="1"/>
+              <a:t>6</a:t>
+            </a:fld>
+            <a:endParaRPr lang="en-US">
+              <a:latin typeface="Garamond" charset="0"/>
+            </a:endParaRPr>
+          </a:p>
+        </p:txBody>
+      </p:sp>
+    </p:spTree>
+  </p:cSld>
+  <p:clrMapOvr>
+    <a:masterClrMapping/>
+  </p:clrMapOvr>
+  <p:timing>
+    <p:tnLst>
+      <p:par>
+        <p:cTn xmlns:p14="http://schemas.microsoft.com/office/powerpoint/2010/main" id="1" dur="indefinite" restart="never" nodeType="tmRoot"/>
+      </p:par>
+    </p:tnLst>
+  </p:timing>
+</p:sld>
+</file>
+
 <file path=ppt/slides/slide7.xml><?xml version="1.0" encoding="utf-8"?>
 <p:sld xmlns:a="http://schemas.openxmlformats.org/drawingml/2006/main" xmlns:r="http://schemas.openxmlformats.org/officeDocument/2006/relationships" xmlns:p="http://schemas.openxmlformats.org/presentationml/2006/main">
   <p:cSld>
@@ -15674,7 +15235,7 @@
       </p:grpSpPr>
       <p:sp>
         <p:nvSpPr>
-          <p:cNvPr id="8194" name="Title 1"/>
+          <p:cNvPr id="9218" name="Title 1"/>
           <p:cNvSpPr>
             <a:spLocks noGrp="1"/>
           </p:cNvSpPr>
@@ -15698,14 +15259,14 @@
               <a:rPr lang="en-US">
                 <a:latin typeface="Garamond" charset="0"/>
               </a:rPr>
-              <a:t> statements</a:t>
-            </a:r>
-          </a:p>
-        </p:txBody>
-      </p:sp>
-      <p:sp>
-        <p:nvSpPr>
-          <p:cNvPr id="3" name="Content Placeholder 2"/>
+              <a:t> statements (cont.)</a:t>
+            </a:r>
+          </a:p>
+        </p:txBody>
+      </p:sp>
+      <p:sp>
+        <p:nvSpPr>
+          <p:cNvPr id="9219" name="Content Placeholder 2"/>
           <p:cNvSpPr>
             <a:spLocks noGrp="1"/>
           </p:cNvSpPr>
@@ -15715,198 +15276,138 @@
         </p:nvSpPr>
         <p:spPr/>
         <p:txBody>
-          <a:bodyPr>
-            <a:normAutofit fontScale="92500"/>
-          </a:bodyPr>
+          <a:bodyPr/>
           <a:lstStyle/>
           <a:p>
-            <a:pPr>
-              <a:buFont typeface="Wingdings" pitchFamily="2" charset="2"/>
-              <a:buChar char="n"/>
-              <a:defRPr/>
-            </a:pPr>
-            <a:r>
-              <a:rPr lang="en-US" dirty="0" smtClean="0">
-                <a:ea typeface="+mn-ea"/>
-              </a:rPr>
-              <a:t>Frequently want to conditionally execute code</a:t>
-            </a:r>
-          </a:p>
-          <a:p>
-            <a:pPr lvl="1">
-              <a:buFont typeface="Wingdings" pitchFamily="2" charset="2"/>
-              <a:buChar char="q"/>
-              <a:defRPr/>
-            </a:pPr>
-            <a:r>
-              <a:rPr lang="en-US" dirty="0" smtClean="0"/>
-              <a:t>Range checking</a:t>
-            </a:r>
-          </a:p>
-          <a:p>
-            <a:pPr lvl="1">
-              <a:buFont typeface="Wingdings" pitchFamily="2" charset="2"/>
-              <a:buChar char="q"/>
-              <a:defRPr/>
-            </a:pPr>
-            <a:r>
-              <a:rPr lang="en-US" dirty="0" smtClean="0"/>
-              <a:t>Error checking</a:t>
-            </a:r>
-          </a:p>
-          <a:p>
-            <a:pPr lvl="1">
-              <a:buFont typeface="Wingdings" pitchFamily="2" charset="2"/>
-              <a:buChar char="q"/>
-              <a:defRPr/>
-            </a:pPr>
-            <a:r>
-              <a:rPr lang="en-US" dirty="0" smtClean="0"/>
-              <a:t>Different decisions based on input, or result of operation</a:t>
-            </a:r>
-          </a:p>
-          <a:p>
-            <a:pPr>
-              <a:buFont typeface="Wingdings" pitchFamily="2" charset="2"/>
-              <a:buChar char="n"/>
-              <a:defRPr/>
-            </a:pPr>
-            <a:r>
-              <a:rPr lang="en-US" dirty="0" smtClean="0">
-                <a:ea typeface="+mn-ea"/>
-              </a:rPr>
-              <a:t>Basic conditional execution: </a:t>
-            </a:r>
-            <a:r>
-              <a:rPr lang="en-US" dirty="0" smtClean="0">
-                <a:solidFill>
-                  <a:srgbClr val="FF0000"/>
-                </a:solidFill>
-                <a:latin typeface="Courier New" pitchFamily="49" charset="0"/>
-                <a:ea typeface="+mn-ea"/>
-                <a:cs typeface="Courier New" pitchFamily="49" charset="0"/>
-              </a:rPr>
-              <a:t>if</a:t>
-            </a:r>
-            <a:r>
-              <a:rPr lang="en-US" dirty="0" smtClean="0">
-                <a:ea typeface="+mn-ea"/>
-              </a:rPr>
-              <a:t> statement</a:t>
-            </a:r>
-          </a:p>
-          <a:p>
-            <a:pPr lvl="1">
-              <a:buFont typeface="Wingdings" pitchFamily="2" charset="2"/>
-              <a:buChar char="q"/>
-              <a:defRPr/>
-            </a:pPr>
-            <a:r>
-              <a:rPr lang="en-US" dirty="0" smtClean="0"/>
-              <a:t>Form: </a:t>
-            </a:r>
-          </a:p>
-          <a:p>
-            <a:pPr lvl="1">
-              <a:buFont typeface="Wingdings" pitchFamily="2" charset="2"/>
-              <a:buNone/>
-              <a:defRPr/>
-            </a:pPr>
-            <a:r>
-              <a:rPr lang="en-US" dirty="0" smtClean="0"/>
-              <a:t>	</a:t>
-            </a:r>
-            <a:r>
-              <a:rPr lang="en-US" dirty="0" smtClean="0">
-                <a:latin typeface="Courier New" pitchFamily="49" charset="0"/>
-                <a:cs typeface="Courier New" pitchFamily="49" charset="0"/>
-              </a:rPr>
-              <a:t>if (&lt;expression&gt;)</a:t>
-            </a:r>
-          </a:p>
-          <a:p>
-            <a:pPr lvl="1">
-              <a:buFont typeface="Wingdings" pitchFamily="2" charset="2"/>
-              <a:buNone/>
-              <a:defRPr/>
-            </a:pPr>
-            <a:r>
-              <a:rPr lang="en-US" dirty="0" smtClean="0">
-                <a:latin typeface="Courier New" pitchFamily="49" charset="0"/>
-                <a:cs typeface="Courier New" pitchFamily="49" charset="0"/>
-              </a:rPr>
-              <a:t>			&lt;statement&gt;</a:t>
-            </a:r>
-          </a:p>
-          <a:p>
-            <a:pPr lvl="1">
-              <a:buFont typeface="Wingdings" pitchFamily="2" charset="2"/>
-              <a:buNone/>
-              <a:defRPr/>
-            </a:pPr>
-            <a:r>
-              <a:rPr lang="en-US" dirty="0" smtClean="0">
-                <a:latin typeface="Courier New" pitchFamily="49" charset="0"/>
-                <a:cs typeface="Courier New" pitchFamily="49" charset="0"/>
-              </a:rPr>
-              <a:t>	[ else				</a:t>
-            </a:r>
-            <a:r>
-              <a:rPr lang="en-US" i="1" dirty="0" smtClean="0">
-                <a:solidFill>
-                  <a:srgbClr val="FF0000"/>
-                </a:solidFill>
-                <a:cs typeface="Courier New" pitchFamily="49" charset="0"/>
-              </a:rPr>
-              <a:t>brackets show</a:t>
-            </a:r>
-            <a:endParaRPr lang="en-US" i="1" dirty="0" smtClean="0">
-              <a:solidFill>
-                <a:srgbClr val="FF0000"/>
-              </a:solidFill>
-              <a:latin typeface="Courier New" pitchFamily="49" charset="0"/>
-              <a:cs typeface="Courier New" pitchFamily="49" charset="0"/>
-            </a:endParaRPr>
-          </a:p>
-          <a:p>
-            <a:pPr lvl="1">
-              <a:buFont typeface="Wingdings" pitchFamily="2" charset="2"/>
-              <a:buNone/>
-              <a:defRPr/>
-            </a:pPr>
-            <a:r>
-              <a:rPr lang="en-US" dirty="0" smtClean="0">
-                <a:latin typeface="Courier New" pitchFamily="49" charset="0"/>
-                <a:cs typeface="Courier New" pitchFamily="49" charset="0"/>
-              </a:rPr>
-              <a:t>			&lt;statement&gt; ]		</a:t>
-            </a:r>
-            <a:r>
-              <a:rPr lang="en-US" i="1" dirty="0" smtClean="0">
-                <a:solidFill>
-                  <a:srgbClr val="FF0000"/>
-                </a:solidFill>
-                <a:latin typeface="Courier New" pitchFamily="49" charset="0"/>
-                <a:cs typeface="Courier New" pitchFamily="49" charset="0"/>
-              </a:rPr>
-              <a:t>else</a:t>
-            </a:r>
-            <a:r>
-              <a:rPr lang="en-US" i="1" dirty="0" smtClean="0">
-                <a:solidFill>
-                  <a:srgbClr val="FF0000"/>
-                </a:solidFill>
-                <a:cs typeface="Courier New" pitchFamily="49" charset="0"/>
-              </a:rPr>
-              <a:t> is optional</a:t>
-            </a:r>
-            <a:endParaRPr lang="en-US" i="1" dirty="0">
-              <a:solidFill>
-                <a:srgbClr val="FF0000"/>
-              </a:solidFill>
-              <a:latin typeface="Courier New" pitchFamily="49" charset="0"/>
-              <a:cs typeface="Courier New" pitchFamily="49" charset="0"/>
-            </a:endParaRPr>
+            <a:r>
+              <a:rPr lang="en-US">
+                <a:latin typeface="Courier New" charset="0"/>
+                <a:cs typeface="Courier New" charset="0"/>
+              </a:rPr>
+              <a:t>&lt;expression&gt;</a:t>
+            </a:r>
+            <a:r>
+              <a:rPr lang="en-US">
+                <a:latin typeface="Arial" charset="0"/>
+              </a:rPr>
+              <a:t> can be any valid expression</a:t>
+            </a:r>
+          </a:p>
+          <a:p>
+            <a:pPr lvl="1"/>
+            <a:r>
+              <a:rPr lang="en-US">
+                <a:latin typeface="Arial" charset="0"/>
+              </a:rPr>
+              <a:t>Considered “false” if 0, “true” if nonzero</a:t>
+            </a:r>
+          </a:p>
+          <a:p>
+            <a:pPr lvl="1"/>
+            <a:r>
+              <a:rPr lang="en-US">
+                <a:latin typeface="Arial" charset="0"/>
+              </a:rPr>
+              <a:t>Can use comparisons:</a:t>
+            </a:r>
+          </a:p>
+          <a:p>
+            <a:pPr lvl="2"/>
+            <a:r>
+              <a:rPr lang="en-US">
+                <a:latin typeface="Arial" charset="0"/>
+              </a:rPr>
+              <a:t>Greater than/less than:  </a:t>
+            </a:r>
+            <a:r>
+              <a:rPr lang="en-US">
+                <a:latin typeface="Courier New" charset="0"/>
+                <a:cs typeface="Courier New" charset="0"/>
+              </a:rPr>
+              <a:t>&gt;   &lt;</a:t>
+            </a:r>
+          </a:p>
+          <a:p>
+            <a:pPr lvl="3"/>
+            <a:r>
+              <a:rPr lang="en-US">
+                <a:latin typeface="Arial" charset="0"/>
+              </a:rPr>
+              <a:t>e.g. </a:t>
+            </a:r>
+            <a:r>
+              <a:rPr lang="en-US">
+                <a:latin typeface="Courier New" charset="0"/>
+                <a:cs typeface="Courier New" charset="0"/>
+              </a:rPr>
+              <a:t>if (a &lt; b)</a:t>
+            </a:r>
+          </a:p>
+          <a:p>
+            <a:pPr lvl="2"/>
+            <a:r>
+              <a:rPr lang="en-US">
+                <a:latin typeface="Arial" charset="0"/>
+                <a:cs typeface="Courier New" charset="0"/>
+              </a:rPr>
+              <a:t>Greater than or equal/less than or equal:	</a:t>
+            </a:r>
+            <a:r>
+              <a:rPr lang="en-US">
+                <a:latin typeface="Courier New" charset="0"/>
+                <a:cs typeface="Courier New" charset="0"/>
+              </a:rPr>
+              <a:t>&gt;=   &lt;=</a:t>
+            </a:r>
+          </a:p>
+          <a:p>
+            <a:pPr lvl="3"/>
+            <a:r>
+              <a:rPr lang="en-US">
+                <a:latin typeface="Arial" charset="0"/>
+              </a:rPr>
+              <a:t>e.g. </a:t>
+            </a:r>
+            <a:r>
+              <a:rPr lang="en-US">
+                <a:latin typeface="Courier New" charset="0"/>
+                <a:cs typeface="Courier New" charset="0"/>
+              </a:rPr>
+              <a:t>if (x &lt;= 20)</a:t>
+            </a:r>
+          </a:p>
+          <a:p>
+            <a:pPr lvl="2"/>
+            <a:r>
+              <a:rPr lang="en-US">
+                <a:latin typeface="Arial" charset="0"/>
+                <a:cs typeface="Courier New" charset="0"/>
+              </a:rPr>
+              <a:t>Equal/not equal:  </a:t>
+            </a:r>
+            <a:r>
+              <a:rPr lang="en-US">
+                <a:latin typeface="Courier New" charset="0"/>
+                <a:cs typeface="Courier New" charset="0"/>
+              </a:rPr>
+              <a:t>==   !=</a:t>
+            </a:r>
+          </a:p>
+          <a:p>
+            <a:pPr lvl="3"/>
+            <a:r>
+              <a:rPr lang="en-US">
+                <a:latin typeface="Arial" charset="0"/>
+              </a:rPr>
+              <a:t>e.g. </a:t>
+            </a:r>
+            <a:r>
+              <a:rPr lang="en-US">
+                <a:latin typeface="Courier New" charset="0"/>
+                <a:cs typeface="Courier New" charset="0"/>
+              </a:rPr>
+              <a:t>if (var == 10)</a:t>
+            </a:r>
           </a:p>
         </p:txBody>
       </p:sp>
@@ -16041,12 +15542,12 @@
           </a:lstStyle>
           <a:p>
             <a:pPr eaLnBrk="1" hangingPunct="1"/>
-            <a:fld id="{F6C90943-0A3A-8145-99A5-2CBB3BE03DAE}" type="datetime1">
+            <a:fld id="{1DB89CEB-8023-CE4F-B6D3-DCE1E2D40375}" type="datetime1">
               <a:rPr lang="en-US">
                 <a:latin typeface="Garamond" charset="0"/>
               </a:rPr>
               <a:pPr eaLnBrk="1" hangingPunct="1"/>
-              <a:t>9/18/17</a:t>
+              <a:t>9/21/17</a:t>
             </a:fld>
             <a:endParaRPr lang="en-US">
               <a:latin typeface="Garamond" charset="0"/>
@@ -16210,7 +15711,7 @@
           </a:lstStyle>
           <a:p>
             <a:pPr eaLnBrk="1" hangingPunct="1"/>
-            <a:fld id="{C2383527-FDCC-B249-8BF7-C24A23F5C14A}" type="slidenum">
+            <a:fld id="{086C8A69-C35B-F14F-981B-502E2261F577}" type="slidenum">
               <a:rPr lang="en-US">
                 <a:latin typeface="Garamond" charset="0"/>
               </a:rPr>
@@ -16257,7 +15758,7 @@
       </p:grpSpPr>
       <p:sp>
         <p:nvSpPr>
-          <p:cNvPr id="9218" name="Title 1"/>
+          <p:cNvPr id="10242" name="Title 1"/>
           <p:cNvSpPr>
             <a:spLocks noGrp="1"/>
           </p:cNvSpPr>
@@ -16281,14 +15782,14 @@
               <a:rPr lang="en-US">
                 <a:latin typeface="Garamond" charset="0"/>
               </a:rPr>
-              <a:t> statements (cont.)</a:t>
-            </a:r>
-          </a:p>
-        </p:txBody>
-      </p:sp>
-      <p:sp>
-        <p:nvSpPr>
-          <p:cNvPr id="9219" name="Content Placeholder 2"/>
+              <a:t> statements (cont.) </a:t>
+            </a:r>
+          </a:p>
+        </p:txBody>
+      </p:sp>
+      <p:sp>
+        <p:nvSpPr>
+          <p:cNvPr id="3" name="Content Placeholder 2"/>
           <p:cNvSpPr>
             <a:spLocks noGrp="1"/>
           </p:cNvSpPr>
@@ -16298,138 +15799,277 @@
         </p:nvSpPr>
         <p:spPr/>
         <p:txBody>
-          <a:bodyPr/>
+          <a:bodyPr>
+            <a:normAutofit/>
+          </a:bodyPr>
           <a:lstStyle/>
           <a:p>
-            <a:r>
-              <a:rPr lang="en-US">
+            <a:pPr>
+              <a:lnSpc>
+                <a:spcPct val="90000"/>
+              </a:lnSpc>
+            </a:pPr>
+            <a:r>
+              <a:rPr lang="en-US" dirty="0">
                 <a:latin typeface="Courier New" charset="0"/>
                 <a:cs typeface="Courier New" charset="0"/>
               </a:rPr>
               <a:t>&lt;expression&gt;</a:t>
             </a:r>
             <a:r>
-              <a:rPr lang="en-US">
+              <a:rPr lang="en-US" dirty="0">
                 <a:latin typeface="Arial" charset="0"/>
               </a:rPr>
               <a:t> can be any valid expression</a:t>
             </a:r>
-          </a:p>
-          <a:p>
-            <a:pPr lvl="1"/>
-            <a:r>
-              <a:rPr lang="en-US">
-                <a:latin typeface="Arial" charset="0"/>
-              </a:rPr>
-              <a:t>Considered “false” if 0, “true” if nonzero</a:t>
-            </a:r>
-          </a:p>
-          <a:p>
-            <a:pPr lvl="1"/>
-            <a:r>
-              <a:rPr lang="en-US">
-                <a:latin typeface="Arial" charset="0"/>
-              </a:rPr>
-              <a:t>Can use comparisons:</a:t>
-            </a:r>
-          </a:p>
-          <a:p>
-            <a:pPr lvl="2"/>
-            <a:r>
-              <a:rPr lang="en-US">
-                <a:latin typeface="Arial" charset="0"/>
-              </a:rPr>
-              <a:t>Greater than/less than:  </a:t>
-            </a:r>
-            <a:r>
-              <a:rPr lang="en-US">
+            <a:endParaRPr lang="en-US" dirty="0">
+              <a:latin typeface="Arial" charset="0"/>
+              <a:cs typeface="Courier New" charset="0"/>
+            </a:endParaRPr>
+          </a:p>
+          <a:p>
+            <a:pPr lvl="1">
+              <a:lnSpc>
+                <a:spcPct val="90000"/>
+              </a:lnSpc>
+            </a:pPr>
+            <a:r>
+              <a:rPr lang="en-US" dirty="0">
+                <a:latin typeface="Arial" charset="0"/>
+                <a:cs typeface="Courier New" charset="0"/>
+              </a:rPr>
+              <a:t>Can combine multiple conditions using</a:t>
+            </a:r>
+          </a:p>
+          <a:p>
+            <a:pPr lvl="2">
+              <a:lnSpc>
+                <a:spcPct val="90000"/>
+              </a:lnSpc>
+            </a:pPr>
+            <a:r>
+              <a:rPr lang="en-US" dirty="0">
+                <a:latin typeface="Arial" charset="0"/>
+                <a:cs typeface="Courier New" charset="0"/>
+              </a:rPr>
+              <a:t>Logical AND: </a:t>
+            </a:r>
+            <a:r>
+              <a:rPr lang="en-US" dirty="0">
                 <a:latin typeface="Courier New" charset="0"/>
                 <a:cs typeface="Courier New" charset="0"/>
               </a:rPr>
-              <a:t>&gt;   &lt;</a:t>
-            </a:r>
-          </a:p>
-          <a:p>
-            <a:pPr lvl="3"/>
-            <a:r>
-              <a:rPr lang="en-US">
-                <a:latin typeface="Arial" charset="0"/>
-              </a:rPr>
-              <a:t>e.g. </a:t>
-            </a:r>
-            <a:r>
-              <a:rPr lang="en-US">
+              <a:t>&amp;&amp;</a:t>
+            </a:r>
+            <a:endParaRPr lang="en-US" dirty="0">
+              <a:latin typeface="Arial" charset="0"/>
+              <a:cs typeface="Courier New" charset="0"/>
+            </a:endParaRPr>
+          </a:p>
+          <a:p>
+            <a:pPr lvl="2">
+              <a:lnSpc>
+                <a:spcPct val="90000"/>
+              </a:lnSpc>
+            </a:pPr>
+            <a:r>
+              <a:rPr lang="en-US" dirty="0">
+                <a:latin typeface="Arial" charset="0"/>
+                <a:cs typeface="Courier New" charset="0"/>
+              </a:rPr>
+              <a:t>Logical OR: </a:t>
+            </a:r>
+            <a:r>
+              <a:rPr lang="en-US" dirty="0">
                 <a:latin typeface="Courier New" charset="0"/>
                 <a:cs typeface="Courier New" charset="0"/>
               </a:rPr>
-              <a:t>if (a &lt; b)</a:t>
-            </a:r>
-          </a:p>
-          <a:p>
-            <a:pPr lvl="2"/>
-            <a:r>
-              <a:rPr lang="en-US">
+              <a:t>||</a:t>
+            </a:r>
+          </a:p>
+          <a:p>
+            <a:pPr lvl="3">
+              <a:lnSpc>
+                <a:spcPct val="90000"/>
+              </a:lnSpc>
+            </a:pPr>
+            <a:r>
+              <a:rPr lang="en-US" dirty="0">
                 <a:latin typeface="Arial" charset="0"/>
                 <a:cs typeface="Courier New" charset="0"/>
               </a:rPr>
-              <a:t>Greater than or equal/less than or equal:	</a:t>
-            </a:r>
-            <a:r>
-              <a:rPr lang="en-US">
+              <a:t>e.g. </a:t>
+            </a:r>
+            <a:r>
+              <a:rPr lang="en-US" dirty="0">
                 <a:latin typeface="Courier New" charset="0"/>
                 <a:cs typeface="Courier New" charset="0"/>
               </a:rPr>
-              <a:t>&gt;=   &lt;=</a:t>
-            </a:r>
-          </a:p>
-          <a:p>
-            <a:pPr lvl="3"/>
-            <a:r>
-              <a:rPr lang="en-US">
-                <a:latin typeface="Arial" charset="0"/>
-              </a:rPr>
-              <a:t>e.g. </a:t>
-            </a:r>
-            <a:r>
-              <a:rPr lang="en-US">
+              <a:t>if ((x &lt; 3) &amp;&amp; (y &gt; 5</a:t>
+            </a:r>
+            <a:r>
+              <a:rPr lang="en-US" dirty="0" smtClean="0">
                 <a:latin typeface="Courier New" charset="0"/>
                 <a:cs typeface="Courier New" charset="0"/>
               </a:rPr>
-              <a:t>if (x &lt;= 20)</a:t>
-            </a:r>
-          </a:p>
-          <a:p>
-            <a:pPr lvl="2"/>
-            <a:r>
-              <a:rPr lang="en-US">
+              <a:t>))</a:t>
+            </a:r>
+            <a:endParaRPr lang="en-US" dirty="0">
+              <a:solidFill>
+                <a:srgbClr val="FF0000"/>
+              </a:solidFill>
+              <a:latin typeface="Arial" charset="0"/>
+              <a:cs typeface="Courier New" charset="0"/>
+            </a:endParaRPr>
+          </a:p>
+          <a:p>
+            <a:pPr lvl="1">
+              <a:lnSpc>
+                <a:spcPct val="90000"/>
+              </a:lnSpc>
+            </a:pPr>
+            <a:r>
+              <a:rPr lang="en-US" dirty="0">
                 <a:latin typeface="Arial" charset="0"/>
                 <a:cs typeface="Courier New" charset="0"/>
               </a:rPr>
-              <a:t>Equal/not equal:  </a:t>
-            </a:r>
-            <a:r>
-              <a:rPr lang="en-US">
+              <a:t>Can test inverse of condition using logical NOT: !</a:t>
+            </a:r>
+          </a:p>
+          <a:p>
+            <a:pPr lvl="2">
+              <a:lnSpc>
+                <a:spcPct val="90000"/>
+              </a:lnSpc>
+            </a:pPr>
+            <a:r>
+              <a:rPr lang="en-US" dirty="0">
+                <a:latin typeface="Arial" charset="0"/>
+                <a:cs typeface="Courier New" charset="0"/>
+              </a:rPr>
+              <a:t>e.g. </a:t>
+            </a:r>
+            <a:r>
+              <a:rPr lang="en-US" dirty="0">
                 <a:latin typeface="Courier New" charset="0"/>
                 <a:cs typeface="Courier New" charset="0"/>
               </a:rPr>
-              <a:t>==   !=</a:t>
-            </a:r>
-          </a:p>
-          <a:p>
-            <a:pPr lvl="3"/>
-            <a:r>
-              <a:rPr lang="en-US">
-                <a:latin typeface="Arial" charset="0"/>
-              </a:rPr>
-              <a:t>e.g. </a:t>
-            </a:r>
-            <a:r>
-              <a:rPr lang="en-US">
+              <a:t>if (!(x &lt; 3)) </a:t>
+            </a:r>
+            <a:r>
+              <a:rPr lang="en-US" dirty="0">
                 <a:latin typeface="Courier New" charset="0"/>
                 <a:cs typeface="Courier New" charset="0"/>
-              </a:rPr>
-              <a:t>if (var == 10)</a:t>
-            </a:r>
+                <a:sym typeface="Wingdings" charset="0"/>
+              </a:rPr>
+              <a:t> </a:t>
+            </a:r>
+            <a:r>
+              <a:rPr lang="en-US" dirty="0">
+                <a:latin typeface="Arial" charset="0"/>
+                <a:cs typeface="Courier New" charset="0"/>
+                <a:sym typeface="Wingdings" charset="0"/>
+              </a:rPr>
+              <a:t>equivalent to </a:t>
+            </a:r>
+            <a:r>
+              <a:rPr lang="en-US" dirty="0">
+                <a:latin typeface="Courier New" charset="0"/>
+                <a:cs typeface="Courier New" charset="0"/>
+                <a:sym typeface="Wingdings" charset="0"/>
+              </a:rPr>
+              <a:t>if (x &gt;= 3)</a:t>
+            </a:r>
+            <a:endParaRPr lang="en-US" dirty="0">
+              <a:latin typeface="Courier New" charset="0"/>
+              <a:cs typeface="Courier New" charset="0"/>
+            </a:endParaRPr>
+          </a:p>
+          <a:p>
+            <a:pPr>
+              <a:lnSpc>
+                <a:spcPct val="90000"/>
+              </a:lnSpc>
+            </a:pPr>
+            <a:r>
+              <a:rPr lang="en-US" dirty="0">
+                <a:latin typeface="Arial" charset="0"/>
+              </a:rPr>
+              <a:t>These operators: </a:t>
+            </a:r>
+            <a:r>
+              <a:rPr lang="en-US" u="sng" dirty="0">
+                <a:latin typeface="Arial" charset="0"/>
+              </a:rPr>
+              <a:t>not</a:t>
+            </a:r>
+            <a:r>
+              <a:rPr lang="en-US" dirty="0">
+                <a:latin typeface="Arial" charset="0"/>
+              </a:rPr>
+              <a:t> bitwise operators!</a:t>
+            </a:r>
+          </a:p>
+          <a:p>
+            <a:pPr lvl="1">
+              <a:lnSpc>
+                <a:spcPct val="90000"/>
+              </a:lnSpc>
+            </a:pPr>
+            <a:r>
+              <a:rPr lang="en-US" dirty="0">
+                <a:latin typeface="Courier New" charset="0"/>
+                <a:cs typeface="Courier New" charset="0"/>
+              </a:rPr>
+              <a:t>A &amp; B</a:t>
+            </a:r>
+            <a:r>
+              <a:rPr lang="en-US" dirty="0">
+                <a:latin typeface="Arial" charset="0"/>
+              </a:rPr>
+              <a:t> is a bitwise operation</a:t>
+            </a:r>
+          </a:p>
+          <a:p>
+            <a:pPr lvl="1">
+              <a:lnSpc>
+                <a:spcPct val="90000"/>
+              </a:lnSpc>
+            </a:pPr>
+            <a:r>
+              <a:rPr lang="en-US" dirty="0">
+                <a:latin typeface="Courier New" charset="0"/>
+                <a:cs typeface="Courier New" charset="0"/>
+              </a:rPr>
+              <a:t>A &amp;&amp; B</a:t>
+            </a:r>
+            <a:r>
+              <a:rPr lang="en-US" dirty="0">
+                <a:latin typeface="Arial" charset="0"/>
+              </a:rPr>
+              <a:t> has only 2 possible results: 0 or </a:t>
+            </a:r>
+            <a:r>
+              <a:rPr lang="ja-JP" altLang="en-US" dirty="0">
+                <a:latin typeface="Arial" charset="0"/>
+              </a:rPr>
+              <a:t>“</a:t>
+            </a:r>
+            <a:r>
+              <a:rPr lang="en-US" dirty="0">
+                <a:latin typeface="Arial" charset="0"/>
+              </a:rPr>
+              <a:t>non-zero</a:t>
+            </a:r>
+            <a:r>
+              <a:rPr lang="ja-JP" altLang="en-US" dirty="0">
+                <a:latin typeface="Arial" charset="0"/>
+              </a:rPr>
+              <a:t>”</a:t>
+            </a:r>
+            <a:endParaRPr lang="en-US" dirty="0">
+              <a:latin typeface="Arial" charset="0"/>
+            </a:endParaRPr>
           </a:p>
         </p:txBody>
       </p:sp>
@@ -16564,12 +16204,12 @@
           </a:lstStyle>
           <a:p>
             <a:pPr eaLnBrk="1" hangingPunct="1"/>
-            <a:fld id="{1DB89CEB-8023-CE4F-B6D3-DCE1E2D40375}" type="datetime1">
+            <a:fld id="{0845F873-9C18-8041-98BD-18760D2F4E8D}" type="datetime1">
               <a:rPr lang="en-US">
                 <a:latin typeface="Garamond" charset="0"/>
               </a:rPr>
               <a:pPr eaLnBrk="1" hangingPunct="1"/>
-              <a:t>9/18/17</a:t>
+              <a:t>9/21/17</a:t>
             </a:fld>
             <a:endParaRPr lang="en-US">
               <a:latin typeface="Garamond" charset="0"/>
@@ -16733,7 +16373,7 @@
           </a:lstStyle>
           <a:p>
             <a:pPr eaLnBrk="1" hangingPunct="1"/>
-            <a:fld id="{086C8A69-C35B-F14F-981B-502E2261F577}" type="slidenum">
+            <a:fld id="{FB4729FC-98FA-E548-AB29-2CF34F08D77B}" type="slidenum">
               <a:rPr lang="en-US">
                 <a:latin typeface="Garamond" charset="0"/>
               </a:rPr>
@@ -16780,7 +16420,7 @@
       </p:grpSpPr>
       <p:sp>
         <p:nvSpPr>
-          <p:cNvPr id="10242" name="Title 1"/>
+          <p:cNvPr id="11266" name="Title 1"/>
           <p:cNvSpPr>
             <a:spLocks noGrp="1"/>
           </p:cNvSpPr>
@@ -16804,14 +16444,14 @@
               <a:rPr lang="en-US">
                 <a:latin typeface="Garamond" charset="0"/>
               </a:rPr>
-              <a:t> statements (cont.) </a:t>
-            </a:r>
-          </a:p>
-        </p:txBody>
-      </p:sp>
-      <p:sp>
-        <p:nvSpPr>
-          <p:cNvPr id="3" name="Content Placeholder 2"/>
+              <a:t> statements (cont.)</a:t>
+            </a:r>
+          </a:p>
+        </p:txBody>
+      </p:sp>
+      <p:sp>
+        <p:nvSpPr>
+          <p:cNvPr id="11267" name="Content Placeholder 2"/>
           <p:cNvSpPr>
             <a:spLocks noGrp="1"/>
           </p:cNvSpPr>
@@ -16821,277 +16461,129 @@
         </p:nvSpPr>
         <p:spPr/>
         <p:txBody>
-          <a:bodyPr>
-            <a:normAutofit/>
-          </a:bodyPr>
+          <a:bodyPr/>
           <a:lstStyle/>
           <a:p>
-            <a:pPr>
-              <a:lnSpc>
-                <a:spcPct val="90000"/>
-              </a:lnSpc>
-            </a:pPr>
-            <a:r>
-              <a:rPr lang="en-US" dirty="0">
+            <a:r>
+              <a:rPr lang="en-US">
                 <a:latin typeface="Courier New" charset="0"/>
                 <a:cs typeface="Courier New" charset="0"/>
               </a:rPr>
-              <a:t>&lt;expression&gt;</a:t>
-            </a:r>
-            <a:r>
-              <a:rPr lang="en-US" dirty="0">
-                <a:latin typeface="Arial" charset="0"/>
-              </a:rPr>
-              <a:t> can be any valid expression</a:t>
-            </a:r>
-            <a:endParaRPr lang="en-US" dirty="0">
-              <a:latin typeface="Arial" charset="0"/>
-              <a:cs typeface="Courier New" charset="0"/>
-            </a:endParaRPr>
-          </a:p>
-          <a:p>
-            <a:pPr lvl="1">
-              <a:lnSpc>
-                <a:spcPct val="90000"/>
-              </a:lnSpc>
-            </a:pPr>
-            <a:r>
-              <a:rPr lang="en-US" dirty="0">
-                <a:latin typeface="Arial" charset="0"/>
-                <a:cs typeface="Courier New" charset="0"/>
-              </a:rPr>
-              <a:t>Can combine multiple conditions using</a:t>
-            </a:r>
-          </a:p>
-          <a:p>
-            <a:pPr lvl="2">
-              <a:lnSpc>
-                <a:spcPct val="90000"/>
-              </a:lnSpc>
-            </a:pPr>
-            <a:r>
-              <a:rPr lang="en-US" dirty="0">
-                <a:latin typeface="Arial" charset="0"/>
-                <a:cs typeface="Courier New" charset="0"/>
-              </a:rPr>
-              <a:t>Logical AND: </a:t>
-            </a:r>
-            <a:r>
-              <a:rPr lang="en-US" dirty="0">
+              <a:t>&lt;statement&gt; </a:t>
+            </a:r>
+            <a:r>
+              <a:rPr lang="en-US">
+                <a:latin typeface="Arial" charset="0"/>
+              </a:rPr>
+              <a:t>can be one or more lines</a:t>
+            </a:r>
+          </a:p>
+          <a:p>
+            <a:pPr lvl="1"/>
+            <a:r>
+              <a:rPr lang="en-US">
+                <a:latin typeface="Arial" charset="0"/>
+              </a:rPr>
+              <a:t>If just one line, no additional formatting needed</a:t>
+            </a:r>
+          </a:p>
+          <a:p>
+            <a:pPr lvl="2"/>
+            <a:r>
+              <a:rPr lang="en-US">
                 <a:latin typeface="Courier New" charset="0"/>
                 <a:cs typeface="Courier New" charset="0"/>
               </a:rPr>
-              <a:t>&amp;&amp;</a:t>
-            </a:r>
-            <a:endParaRPr lang="en-US" dirty="0">
-              <a:latin typeface="Arial" charset="0"/>
-              <a:cs typeface="Courier New" charset="0"/>
-            </a:endParaRPr>
+              <a:t>if (x &lt; 3)</a:t>
+            </a:r>
           </a:p>
           <a:p>
             <a:pPr lvl="2">
-              <a:lnSpc>
-                <a:spcPct val="90000"/>
-              </a:lnSpc>
+              <a:buFont typeface="Wingdings" charset="0"/>
+              <a:buNone/>
             </a:pPr>
             <a:r>
-              <a:rPr lang="en-US" dirty="0">
-                <a:latin typeface="Arial" charset="0"/>
-                <a:cs typeface="Courier New" charset="0"/>
-              </a:rPr>
-              <a:t>Logical OR: </a:t>
-            </a:r>
-            <a:r>
-              <a:rPr lang="en-US" dirty="0">
+              <a:rPr lang="en-US">
                 <a:latin typeface="Courier New" charset="0"/>
                 <a:cs typeface="Courier New" charset="0"/>
               </a:rPr>
-              <a:t>||</a:t>
-            </a:r>
-          </a:p>
-          <a:p>
-            <a:pPr lvl="3">
-              <a:lnSpc>
-                <a:spcPct val="90000"/>
-              </a:lnSpc>
-            </a:pPr>
-            <a:r>
-              <a:rPr lang="en-US" dirty="0">
+              <a:t>		printf(“x = %d\n”, x);</a:t>
+            </a:r>
+          </a:p>
+          <a:p>
+            <a:pPr lvl="1"/>
+            <a:r>
+              <a:rPr lang="en-US">
                 <a:latin typeface="Arial" charset="0"/>
                 <a:cs typeface="Courier New" charset="0"/>
               </a:rPr>
-              <a:t>e.g. </a:t>
-            </a:r>
-            <a:r>
-              <a:rPr lang="en-US" dirty="0">
+              <a:t>If multiple lines, statement is block enclosed by { }</a:t>
+            </a:r>
+          </a:p>
+          <a:p>
+            <a:pPr lvl="2"/>
+            <a:r>
+              <a:rPr lang="en-US">
                 <a:latin typeface="Courier New" charset="0"/>
                 <a:cs typeface="Courier New" charset="0"/>
               </a:rPr>
-              <a:t>if ((x &lt; 3) &amp;&amp; (y &gt; 5</a:t>
-            </a:r>
-            <a:r>
-              <a:rPr lang="en-US" dirty="0" smtClean="0">
+              <a:t>if (x &lt; 3)	 {</a:t>
+            </a:r>
+          </a:p>
+          <a:p>
+            <a:pPr lvl="2">
+              <a:buFont typeface="Wingdings" charset="0"/>
+              <a:buNone/>
+            </a:pPr>
+            <a:r>
+              <a:rPr lang="en-US">
                 <a:latin typeface="Courier New" charset="0"/>
                 <a:cs typeface="Courier New" charset="0"/>
               </a:rPr>
-              <a:t>))</a:t>
-            </a:r>
-            <a:endParaRPr lang="en-US" dirty="0">
-              <a:solidFill>
-                <a:srgbClr val="FF0000"/>
-              </a:solidFill>
-              <a:latin typeface="Arial" charset="0"/>
-              <a:cs typeface="Courier New" charset="0"/>
-            </a:endParaRPr>
-          </a:p>
-          <a:p>
-            <a:pPr lvl="1">
-              <a:lnSpc>
-                <a:spcPct val="90000"/>
-              </a:lnSpc>
+              <a:t>		printf(“x = %d\n”, x);</a:t>
+            </a:r>
+          </a:p>
+          <a:p>
+            <a:pPr lvl="2">
+              <a:buFont typeface="Wingdings" charset="0"/>
+              <a:buNone/>
             </a:pPr>
             <a:r>
-              <a:rPr lang="en-US" dirty="0">
-                <a:latin typeface="Arial" charset="0"/>
-                <a:cs typeface="Courier New" charset="0"/>
-              </a:rPr>
-              <a:t>Can test inverse of condition using logical NOT: !</a:t>
-            </a:r>
-          </a:p>
-          <a:p>
-            <a:pPr lvl="2">
-              <a:lnSpc>
-                <a:spcPct val="90000"/>
-              </a:lnSpc>
-            </a:pPr>
-            <a:r>
-              <a:rPr lang="en-US" dirty="0">
-                <a:latin typeface="Arial" charset="0"/>
-                <a:cs typeface="Courier New" charset="0"/>
-              </a:rPr>
-              <a:t>e.g. </a:t>
-            </a:r>
-            <a:r>
-              <a:rPr lang="en-US" dirty="0">
+              <a:rPr lang="en-US">
                 <a:latin typeface="Courier New" charset="0"/>
                 <a:cs typeface="Courier New" charset="0"/>
               </a:rPr>
-              <a:t>if (!(x &lt; 3)) </a:t>
-            </a:r>
-            <a:r>
-              <a:rPr lang="en-US" dirty="0">
+              <a:t>		x = x + 3;</a:t>
+            </a:r>
+          </a:p>
+          <a:p>
+            <a:pPr lvl="2">
+              <a:buFont typeface="Wingdings" charset="0"/>
+              <a:buNone/>
+            </a:pPr>
+            <a:r>
+              <a:rPr lang="en-US">
                 <a:latin typeface="Courier New" charset="0"/>
                 <a:cs typeface="Courier New" charset="0"/>
-                <a:sym typeface="Wingdings" charset="0"/>
-              </a:rPr>
-              <a:t> </a:t>
-            </a:r>
-            <a:r>
-              <a:rPr lang="en-US" dirty="0">
-                <a:latin typeface="Arial" charset="0"/>
-                <a:cs typeface="Courier New" charset="0"/>
-                <a:sym typeface="Wingdings" charset="0"/>
-              </a:rPr>
-              <a:t>equivalent to </a:t>
-            </a:r>
-            <a:r>
-              <a:rPr lang="en-US" dirty="0">
+              </a:rPr>
+              <a:t>	}</a:t>
+            </a:r>
+          </a:p>
+          <a:p>
+            <a:r>
+              <a:rPr lang="en-US">
                 <a:latin typeface="Courier New" charset="0"/>
                 <a:cs typeface="Courier New" charset="0"/>
-                <a:sym typeface="Wingdings" charset="0"/>
-              </a:rPr>
-              <a:t>if (x &gt;= 3)</a:t>
-            </a:r>
-            <a:endParaRPr lang="en-US" dirty="0">
-              <a:latin typeface="Courier New" charset="0"/>
-              <a:cs typeface="Courier New" charset="0"/>
-            </a:endParaRPr>
-          </a:p>
-          <a:p>
-            <a:pPr>
-              <a:lnSpc>
-                <a:spcPct val="90000"/>
-              </a:lnSpc>
-            </a:pPr>
-            <a:r>
-              <a:rPr lang="en-US" dirty="0">
-                <a:latin typeface="Arial" charset="0"/>
-              </a:rPr>
-              <a:t>These operators: </a:t>
-            </a:r>
-            <a:r>
-              <a:rPr lang="en-US" u="sng" dirty="0">
-                <a:latin typeface="Arial" charset="0"/>
-              </a:rPr>
-              <a:t>not</a:t>
-            </a:r>
-            <a:r>
-              <a:rPr lang="en-US" dirty="0">
-                <a:latin typeface="Arial" charset="0"/>
-              </a:rPr>
-              <a:t> bitwise operators!</a:t>
-            </a:r>
-          </a:p>
-          <a:p>
-            <a:pPr lvl="1">
-              <a:lnSpc>
-                <a:spcPct val="90000"/>
-              </a:lnSpc>
-            </a:pPr>
-            <a:r>
-              <a:rPr lang="en-US" dirty="0">
-                <a:latin typeface="Courier New" charset="0"/>
+              </a:rPr>
+              <a:t>else</a:t>
+            </a:r>
+            <a:r>
+              <a:rPr lang="en-US">
+                <a:latin typeface="Arial" charset="0"/>
                 <a:cs typeface="Courier New" charset="0"/>
               </a:rPr>
-              <a:t>A &amp; B</a:t>
-            </a:r>
-            <a:r>
-              <a:rPr lang="en-US" dirty="0">
-                <a:latin typeface="Arial" charset="0"/>
-              </a:rPr>
-              <a:t> is a bitwise operation</a:t>
-            </a:r>
-          </a:p>
-          <a:p>
-            <a:pPr lvl="1">
-              <a:lnSpc>
-                <a:spcPct val="90000"/>
-              </a:lnSpc>
-            </a:pPr>
-            <a:r>
-              <a:rPr lang="en-US" dirty="0">
-                <a:latin typeface="Courier New" charset="0"/>
-                <a:cs typeface="Courier New" charset="0"/>
-              </a:rPr>
-              <a:t>A &amp;&amp; B</a:t>
-            </a:r>
-            <a:r>
-              <a:rPr lang="en-US" dirty="0">
-                <a:latin typeface="Arial" charset="0"/>
-              </a:rPr>
-              <a:t> has only 2 possible results: 0 or </a:t>
-            </a:r>
-            <a:r>
-              <a:rPr lang="ja-JP" altLang="en-US" dirty="0">
-                <a:latin typeface="Arial" charset="0"/>
-              </a:rPr>
-              <a:t>“</a:t>
-            </a:r>
-            <a:r>
-              <a:rPr lang="en-US" dirty="0">
-                <a:latin typeface="Arial" charset="0"/>
-              </a:rPr>
-              <a:t>non-zero</a:t>
-            </a:r>
-            <a:r>
-              <a:rPr lang="ja-JP" altLang="en-US" dirty="0">
-                <a:latin typeface="Arial" charset="0"/>
-              </a:rPr>
-              <a:t>”</a:t>
-            </a:r>
-            <a:endParaRPr lang="en-US" dirty="0">
-              <a:latin typeface="Arial" charset="0"/>
-            </a:endParaRPr>
+              <a:t> part is optional—covers cases if condition is not true</a:t>
+            </a:r>
           </a:p>
         </p:txBody>
       </p:sp>
@@ -17226,12 +16718,12 @@
           </a:lstStyle>
           <a:p>
             <a:pPr eaLnBrk="1" hangingPunct="1"/>
-            <a:fld id="{0845F873-9C18-8041-98BD-18760D2F4E8D}" type="datetime1">
+            <a:fld id="{F68AE51A-21E9-D043-8212-57DB323066BF}" type="datetime1">
               <a:rPr lang="en-US">
                 <a:latin typeface="Garamond" charset="0"/>
               </a:rPr>
               <a:pPr eaLnBrk="1" hangingPunct="1"/>
-              <a:t>9/18/17</a:t>
+              <a:t>9/21/17</a:t>
             </a:fld>
             <a:endParaRPr lang="en-US">
               <a:latin typeface="Garamond" charset="0"/>
@@ -17395,7 +16887,7 @@
           </a:lstStyle>
           <a:p>
             <a:pPr eaLnBrk="1" hangingPunct="1"/>
-            <a:fld id="{FB4729FC-98FA-E548-AB29-2CF34F08D77B}" type="slidenum">
+            <a:fld id="{9E87E618-74C8-924D-946D-51F1B146BE6D}" type="slidenum">
               <a:rPr lang="en-US">
                 <a:latin typeface="Garamond" charset="0"/>
               </a:rPr>
